--- a/_site/translations/pt-br/beginner/BasicLineFollower.pptx
+++ b/_site/translations/pt-br/beginner/BasicLineFollower.pptx
@@ -2,32 +2,33 @@
 <file path=ppt/presentation.xml><?xml version="1.0" encoding="utf-8"?>
 <p:presentation xmlns:a="http://schemas.openxmlformats.org/drawingml/2006/main" xmlns:r="http://schemas.openxmlformats.org/officeDocument/2006/relationships" xmlns:p="http://schemas.openxmlformats.org/presentationml/2006/main" showSpecialPlsOnTitleSld="0" saveSubsetFonts="1" autoCompressPictures="0">
   <p:sldMasterIdLst>
-    <p:sldMasterId id="2147483714" r:id="rId1"/>
+    <p:sldMasterId id="2147483726" r:id="rId1"/>
+    <p:sldMasterId id="2147483738" r:id="rId2"/>
   </p:sldMasterIdLst>
   <p:notesMasterIdLst>
-    <p:notesMasterId r:id="rId19"/>
+    <p:notesMasterId r:id="rId20"/>
   </p:notesMasterIdLst>
   <p:handoutMasterIdLst>
-    <p:handoutMasterId r:id="rId20"/>
+    <p:handoutMasterId r:id="rId21"/>
   </p:handoutMasterIdLst>
   <p:sldIdLst>
-    <p:sldId id="406" r:id="rId2"/>
-    <p:sldId id="405" r:id="rId3"/>
-    <p:sldId id="411" r:id="rId4"/>
-    <p:sldId id="355" r:id="rId5"/>
-    <p:sldId id="356" r:id="rId6"/>
-    <p:sldId id="357" r:id="rId7"/>
-    <p:sldId id="358" r:id="rId8"/>
-    <p:sldId id="359" r:id="rId9"/>
-    <p:sldId id="360" r:id="rId10"/>
-    <p:sldId id="361" r:id="rId11"/>
-    <p:sldId id="362" r:id="rId12"/>
-    <p:sldId id="376" r:id="rId13"/>
-    <p:sldId id="409" r:id="rId14"/>
-    <p:sldId id="410" r:id="rId15"/>
-    <p:sldId id="377" r:id="rId16"/>
-    <p:sldId id="408" r:id="rId17"/>
-    <p:sldId id="407" r:id="rId18"/>
+    <p:sldId id="412" r:id="rId3"/>
+    <p:sldId id="405" r:id="rId4"/>
+    <p:sldId id="411" r:id="rId5"/>
+    <p:sldId id="355" r:id="rId6"/>
+    <p:sldId id="356" r:id="rId7"/>
+    <p:sldId id="357" r:id="rId8"/>
+    <p:sldId id="358" r:id="rId9"/>
+    <p:sldId id="359" r:id="rId10"/>
+    <p:sldId id="360" r:id="rId11"/>
+    <p:sldId id="361" r:id="rId12"/>
+    <p:sldId id="362" r:id="rId13"/>
+    <p:sldId id="376" r:id="rId14"/>
+    <p:sldId id="409" r:id="rId15"/>
+    <p:sldId id="410" r:id="rId16"/>
+    <p:sldId id="377" r:id="rId17"/>
+    <p:sldId id="408" r:id="rId18"/>
+    <p:sldId id="407" r:id="rId19"/>
   </p:sldIdLst>
   <p:sldSz cx="9144000" cy="6858000" type="screen4x3"/>
   <p:notesSz cx="6858000" cy="9144000"/>
@@ -128,7 +129,7 @@
   </p:defaultTextStyle>
   <p:extLst>
     <p:ext uri="{EFAFB233-063F-42B5-8137-9DF3F51BA10A}">
-      <p15:sldGuideLst xmlns:p15="http://schemas.microsoft.com/office/powerpoint/2012/main" xmlns="">
+      <p15:sldGuideLst xmlns:p15="http://schemas.microsoft.com/office/powerpoint/2012/main">
         <p15:guide id="1" orient="horz" pos="2160">
           <p15:clr>
             <a:srgbClr val="A4A3A4"/>
@@ -227,7 +228,7 @@
           <a:p>
             <a:fld id="{F8D9B3D7-15CB-9343-AA49-EFB5A8F33F18}" type="datetimeFigureOut">
               <a:rPr lang="en-US" smtClean="0"/>
-              <a:t>6/27/2015</a:t>
+              <a:t>2/11/17</a:t>
             </a:fld>
             <a:endParaRPr lang="en-US"/>
           </a:p>
@@ -293,7 +294,7 @@
           <a:p>
             <a:fld id="{6ED9BD6B-3536-BC44-B54A-7079C6CEB9D9}" type="slidenum">
               <a:rPr lang="en-US" smtClean="0"/>
-              <a:t>‹nº›</a:t>
+              <a:t>‹#›</a:t>
             </a:fld>
             <a:endParaRPr lang="en-US"/>
           </a:p>
@@ -393,7 +394,7 @@
           <a:p>
             <a:fld id="{FD3EFF1E-85A1-6640-AFB9-C38833E80A84}" type="datetimeFigureOut">
               <a:rPr lang="en-US" smtClean="0"/>
-              <a:t>6/27/2015</a:t>
+              <a:t>2/11/17</a:t>
             </a:fld>
             <a:endParaRPr lang="en-US"/>
           </a:p>
@@ -552,7 +553,7 @@
           <a:p>
             <a:fld id="{13967457-1E83-1040-AFF7-8D09C473DBD5}" type="slidenum">
               <a:rPr lang="en-US" smtClean="0"/>
-              <a:t>‹nº›</a:t>
+              <a:t>‹#›</a:t>
             </a:fld>
             <a:endParaRPr lang="en-US"/>
           </a:p>
@@ -681,19 +682,38 @@
       </p:grpSpPr>
       <p:sp>
         <p:nvSpPr>
-          <p:cNvPr id="2" name="Slide Image Placeholder 1"/>
+          <p:cNvPr id="87042" name="Slide Image Placeholder 1"/>
           <p:cNvSpPr>
-            <a:spLocks noGrp="1" noRot="1" noChangeAspect="1"/>
+            <a:spLocks noGrp="1" noRot="1" noChangeAspect="1" noTextEdit="1"/>
           </p:cNvSpPr>
           <p:nvPr>
             <p:ph type="sldImg"/>
           </p:nvPr>
         </p:nvSpPr>
-        <p:spPr/>
+        <p:spPr bwMode="auto">
+          <a:noFill/>
+          <a:ln>
+            <a:solidFill>
+              <a:srgbClr val="000000"/>
+            </a:solidFill>
+            <a:miter lim="800000"/>
+            <a:headEnd/>
+            <a:tailEnd/>
+          </a:ln>
+          <a:extLst>
+            <a:ext uri="{909E8E84-426E-40DD-AFC4-6F175D3DCCD1}">
+              <a14:hiddenFill xmlns:a14="http://schemas.microsoft.com/office/drawing/2010/main">
+                <a:solidFill>
+                  <a:srgbClr val="FFFFFF"/>
+                </a:solidFill>
+              </a14:hiddenFill>
+            </a:ext>
+          </a:extLst>
+        </p:spPr>
       </p:sp>
       <p:sp>
         <p:nvSpPr>
-          <p:cNvPr id="3" name="Notes Placeholder 2"/>
+          <p:cNvPr id="87043" name="Notes Placeholder 2"/>
           <p:cNvSpPr>
             <a:spLocks noGrp="1"/>
           </p:cNvSpPr>
@@ -701,42 +721,203 @@
             <p:ph type="body" idx="1"/>
           </p:nvPr>
         </p:nvSpPr>
-        <p:spPr/>
+        <p:spPr bwMode="auto">
+          <a:noFill/>
+          <a:extLst>
+            <a:ext uri="{909E8E84-426E-40DD-AFC4-6F175D3DCCD1}">
+              <a14:hiddenFill xmlns:a14="http://schemas.microsoft.com/office/drawing/2010/main">
+                <a:solidFill>
+                  <a:srgbClr val="FFFFFF"/>
+                </a:solidFill>
+              </a14:hiddenFill>
+            </a:ext>
+            <a:ext uri="{91240B29-F687-4F45-9708-019B960494DF}">
+              <a14:hiddenLine xmlns:a14="http://schemas.microsoft.com/office/drawing/2010/main" w="9525">
+                <a:solidFill>
+                  <a:srgbClr val="000000"/>
+                </a:solidFill>
+                <a:miter lim="800000"/>
+                <a:headEnd/>
+                <a:tailEnd/>
+              </a14:hiddenLine>
+            </a:ext>
+          </a:extLst>
+        </p:spPr>
         <p:txBody>
-          <a:bodyPr/>
+          <a:bodyPr wrap="square" numCol="1" anchor="t" anchorCtr="0" compatLnSpc="1">
+            <a:prstTxWarp prst="textNoShape">
+              <a:avLst/>
+            </a:prstTxWarp>
+          </a:bodyPr>
           <a:lstStyle/>
           <a:p>
-            <a:endParaRPr lang="en-US"/>
+            <a:r>
+              <a:rPr lang="en-US" smtClean="0"/>
+              <a:t>Right side</a:t>
+            </a:r>
           </a:p>
         </p:txBody>
       </p:sp>
       <p:sp>
         <p:nvSpPr>
-          <p:cNvPr id="4" name="Slide Number Placeholder 3"/>
+          <p:cNvPr id="87044" name="Slide Number Placeholder 3"/>
           <p:cNvSpPr>
             <a:spLocks noGrp="1"/>
           </p:cNvSpPr>
           <p:nvPr>
-            <p:ph type="sldNum" sz="quarter" idx="10"/>
+            <p:ph type="sldNum" sz="quarter" idx="5"/>
           </p:nvPr>
         </p:nvSpPr>
-        <p:spPr/>
+        <p:spPr bwMode="auto">
+          <a:noFill/>
+          <a:extLst>
+            <a:ext uri="{909E8E84-426E-40DD-AFC4-6F175D3DCCD1}">
+              <a14:hiddenFill xmlns:a14="http://schemas.microsoft.com/office/drawing/2010/main">
+                <a:solidFill>
+                  <a:srgbClr val="FFFFFF"/>
+                </a:solidFill>
+              </a14:hiddenFill>
+            </a:ext>
+            <a:ext uri="{91240B29-F687-4F45-9708-019B960494DF}">
+              <a14:hiddenLine xmlns:a14="http://schemas.microsoft.com/office/drawing/2010/main" w="9525">
+                <a:solidFill>
+                  <a:srgbClr val="000000"/>
+                </a:solidFill>
+                <a:miter lim="800000"/>
+                <a:headEnd/>
+                <a:tailEnd/>
+              </a14:hiddenLine>
+            </a:ext>
+          </a:extLst>
+        </p:spPr>
         <p:txBody>
           <a:bodyPr/>
-          <a:lstStyle/>
-          <a:p>
-            <a:fld id="{13967457-1E83-1040-AFF7-8D09C473DBD5}" type="slidenum">
-              <a:rPr lang="en-US" smtClean="0"/>
-              <a:t>1</a:t>
+          <a:lstStyle>
+            <a:lvl1pPr eaLnBrk="0" hangingPunct="0">
+              <a:defRPr>
+                <a:solidFill>
+                  <a:schemeClr val="tx1"/>
+                </a:solidFill>
+                <a:latin typeface="Arial" charset="0"/>
+                <a:cs typeface="Arial" charset="0"/>
+              </a:defRPr>
+            </a:lvl1pPr>
+            <a:lvl2pPr marL="742950" indent="-285750" eaLnBrk="0" hangingPunct="0">
+              <a:defRPr>
+                <a:solidFill>
+                  <a:schemeClr val="tx1"/>
+                </a:solidFill>
+                <a:latin typeface="Arial" charset="0"/>
+                <a:cs typeface="Arial" charset="0"/>
+              </a:defRPr>
+            </a:lvl2pPr>
+            <a:lvl3pPr marL="1143000" indent="-228600" eaLnBrk="0" hangingPunct="0">
+              <a:defRPr>
+                <a:solidFill>
+                  <a:schemeClr val="tx1"/>
+                </a:solidFill>
+                <a:latin typeface="Arial" charset="0"/>
+                <a:cs typeface="Arial" charset="0"/>
+              </a:defRPr>
+            </a:lvl3pPr>
+            <a:lvl4pPr marL="1600200" indent="-228600" eaLnBrk="0" hangingPunct="0">
+              <a:defRPr>
+                <a:solidFill>
+                  <a:schemeClr val="tx1"/>
+                </a:solidFill>
+                <a:latin typeface="Arial" charset="0"/>
+                <a:cs typeface="Arial" charset="0"/>
+              </a:defRPr>
+            </a:lvl4pPr>
+            <a:lvl5pPr marL="2057400" indent="-228600" eaLnBrk="0" hangingPunct="0">
+              <a:defRPr>
+                <a:solidFill>
+                  <a:schemeClr val="tx1"/>
+                </a:solidFill>
+                <a:latin typeface="Arial" charset="0"/>
+                <a:cs typeface="Arial" charset="0"/>
+              </a:defRPr>
+            </a:lvl5pPr>
+            <a:lvl6pPr marL="2514600" indent="-228600" eaLnBrk="0" fontAlgn="base" hangingPunct="0">
+              <a:spcBef>
+                <a:spcPct val="0"/>
+              </a:spcBef>
+              <a:spcAft>
+                <a:spcPct val="0"/>
+              </a:spcAft>
+              <a:defRPr>
+                <a:solidFill>
+                  <a:schemeClr val="tx1"/>
+                </a:solidFill>
+                <a:latin typeface="Arial" charset="0"/>
+                <a:cs typeface="Arial" charset="0"/>
+              </a:defRPr>
+            </a:lvl6pPr>
+            <a:lvl7pPr marL="2971800" indent="-228600" eaLnBrk="0" fontAlgn="base" hangingPunct="0">
+              <a:spcBef>
+                <a:spcPct val="0"/>
+              </a:spcBef>
+              <a:spcAft>
+                <a:spcPct val="0"/>
+              </a:spcAft>
+              <a:defRPr>
+                <a:solidFill>
+                  <a:schemeClr val="tx1"/>
+                </a:solidFill>
+                <a:latin typeface="Arial" charset="0"/>
+                <a:cs typeface="Arial" charset="0"/>
+              </a:defRPr>
+            </a:lvl7pPr>
+            <a:lvl8pPr marL="3429000" indent="-228600" eaLnBrk="0" fontAlgn="base" hangingPunct="0">
+              <a:spcBef>
+                <a:spcPct val="0"/>
+              </a:spcBef>
+              <a:spcAft>
+                <a:spcPct val="0"/>
+              </a:spcAft>
+              <a:defRPr>
+                <a:solidFill>
+                  <a:schemeClr val="tx1"/>
+                </a:solidFill>
+                <a:latin typeface="Arial" charset="0"/>
+                <a:cs typeface="Arial" charset="0"/>
+              </a:defRPr>
+            </a:lvl8pPr>
+            <a:lvl9pPr marL="3886200" indent="-228600" eaLnBrk="0" fontAlgn="base" hangingPunct="0">
+              <a:spcBef>
+                <a:spcPct val="0"/>
+              </a:spcBef>
+              <a:spcAft>
+                <a:spcPct val="0"/>
+              </a:spcAft>
+              <a:defRPr>
+                <a:solidFill>
+                  <a:schemeClr val="tx1"/>
+                </a:solidFill>
+                <a:latin typeface="Arial" charset="0"/>
+                <a:cs typeface="Arial" charset="0"/>
+              </a:defRPr>
+            </a:lvl9pPr>
+          </a:lstStyle>
+          <a:p>
+            <a:pPr eaLnBrk="1" hangingPunct="1"/>
+            <a:fld id="{5985AEE0-3598-4062-9022-895D296AD73A}" type="slidenum">
+              <a:rPr lang="en-US">
+                <a:latin typeface="Calibri" pitchFamily="34" charset="0"/>
+              </a:rPr>
+              <a:pPr eaLnBrk="1" hangingPunct="1"/>
+              <a:t>11</a:t>
             </a:fld>
-            <a:endParaRPr lang="en-US"/>
+            <a:endParaRPr lang="en-US">
+              <a:latin typeface="Calibri" pitchFamily="34" charset="0"/>
+            </a:endParaRPr>
           </a:p>
         </p:txBody>
       </p:sp>
     </p:spTree>
     <p:extLst>
       <p:ext uri="{BB962C8B-B14F-4D97-AF65-F5344CB8AC3E}">
-        <p14:creationId xmlns:p14="http://schemas.microsoft.com/office/powerpoint/2010/main" val="1413432818"/>
+        <p14:creationId xmlns:p14="http://schemas.microsoft.com/office/powerpoint/2010/main" val="2581266614"/>
       </p:ext>
     </p:extLst>
   </p:cSld>
@@ -989,7 +1170,7 @@
                 <a:latin typeface="Calibri" pitchFamily="34" charset="0"/>
               </a:rPr>
               <a:pPr eaLnBrk="1" hangingPunct="1"/>
-              <a:t>11</a:t>
+              <a:t>12</a:t>
             </a:fld>
             <a:endParaRPr lang="en-US">
               <a:latin typeface="Calibri" pitchFamily="34" charset="0"/>
@@ -1011,270 +1192,6 @@
 </file>
 
 <file path=ppt/notesSlides/notesSlide3.xml><?xml version="1.0" encoding="utf-8"?>
-<p:notes xmlns:a="http://schemas.openxmlformats.org/drawingml/2006/main" xmlns:r="http://schemas.openxmlformats.org/officeDocument/2006/relationships" xmlns:p="http://schemas.openxmlformats.org/presentationml/2006/main">
-  <p:cSld>
-    <p:spTree>
-      <p:nvGrpSpPr>
-        <p:cNvPr id="1" name=""/>
-        <p:cNvGrpSpPr/>
-        <p:nvPr/>
-      </p:nvGrpSpPr>
-      <p:grpSpPr>
-        <a:xfrm>
-          <a:off x="0" y="0"/>
-          <a:ext cx="0" cy="0"/>
-          <a:chOff x="0" y="0"/>
-          <a:chExt cx="0" cy="0"/>
-        </a:xfrm>
-      </p:grpSpPr>
-      <p:sp>
-        <p:nvSpPr>
-          <p:cNvPr id="87042" name="Slide Image Placeholder 1"/>
-          <p:cNvSpPr>
-            <a:spLocks noGrp="1" noRot="1" noChangeAspect="1" noTextEdit="1"/>
-          </p:cNvSpPr>
-          <p:nvPr>
-            <p:ph type="sldImg"/>
-          </p:nvPr>
-        </p:nvSpPr>
-        <p:spPr bwMode="auto">
-          <a:noFill/>
-          <a:ln>
-            <a:solidFill>
-              <a:srgbClr val="000000"/>
-            </a:solidFill>
-            <a:miter lim="800000"/>
-            <a:headEnd/>
-            <a:tailEnd/>
-          </a:ln>
-          <a:extLst>
-            <a:ext uri="{909E8E84-426E-40DD-AFC4-6F175D3DCCD1}">
-              <a14:hiddenFill xmlns:a14="http://schemas.microsoft.com/office/drawing/2010/main">
-                <a:solidFill>
-                  <a:srgbClr val="FFFFFF"/>
-                </a:solidFill>
-              </a14:hiddenFill>
-            </a:ext>
-          </a:extLst>
-        </p:spPr>
-      </p:sp>
-      <p:sp>
-        <p:nvSpPr>
-          <p:cNvPr id="87043" name="Notes Placeholder 2"/>
-          <p:cNvSpPr>
-            <a:spLocks noGrp="1"/>
-          </p:cNvSpPr>
-          <p:nvPr>
-            <p:ph type="body" idx="1"/>
-          </p:nvPr>
-        </p:nvSpPr>
-        <p:spPr bwMode="auto">
-          <a:noFill/>
-          <a:extLst>
-            <a:ext uri="{909E8E84-426E-40DD-AFC4-6F175D3DCCD1}">
-              <a14:hiddenFill xmlns:a14="http://schemas.microsoft.com/office/drawing/2010/main">
-                <a:solidFill>
-                  <a:srgbClr val="FFFFFF"/>
-                </a:solidFill>
-              </a14:hiddenFill>
-            </a:ext>
-            <a:ext uri="{91240B29-F687-4F45-9708-019B960494DF}">
-              <a14:hiddenLine xmlns:a14="http://schemas.microsoft.com/office/drawing/2010/main" w="9525">
-                <a:solidFill>
-                  <a:srgbClr val="000000"/>
-                </a:solidFill>
-                <a:miter lim="800000"/>
-                <a:headEnd/>
-                <a:tailEnd/>
-              </a14:hiddenLine>
-            </a:ext>
-          </a:extLst>
-        </p:spPr>
-        <p:txBody>
-          <a:bodyPr wrap="square" numCol="1" anchor="t" anchorCtr="0" compatLnSpc="1">
-            <a:prstTxWarp prst="textNoShape">
-              <a:avLst/>
-            </a:prstTxWarp>
-          </a:bodyPr>
-          <a:lstStyle/>
-          <a:p>
-            <a:r>
-              <a:rPr lang="en-US" smtClean="0"/>
-              <a:t>Right side</a:t>
-            </a:r>
-          </a:p>
-        </p:txBody>
-      </p:sp>
-      <p:sp>
-        <p:nvSpPr>
-          <p:cNvPr id="87044" name="Slide Number Placeholder 3"/>
-          <p:cNvSpPr>
-            <a:spLocks noGrp="1"/>
-          </p:cNvSpPr>
-          <p:nvPr>
-            <p:ph type="sldNum" sz="quarter" idx="5"/>
-          </p:nvPr>
-        </p:nvSpPr>
-        <p:spPr bwMode="auto">
-          <a:noFill/>
-          <a:extLst>
-            <a:ext uri="{909E8E84-426E-40DD-AFC4-6F175D3DCCD1}">
-              <a14:hiddenFill xmlns:a14="http://schemas.microsoft.com/office/drawing/2010/main">
-                <a:solidFill>
-                  <a:srgbClr val="FFFFFF"/>
-                </a:solidFill>
-              </a14:hiddenFill>
-            </a:ext>
-            <a:ext uri="{91240B29-F687-4F45-9708-019B960494DF}">
-              <a14:hiddenLine xmlns:a14="http://schemas.microsoft.com/office/drawing/2010/main" w="9525">
-                <a:solidFill>
-                  <a:srgbClr val="000000"/>
-                </a:solidFill>
-                <a:miter lim="800000"/>
-                <a:headEnd/>
-                <a:tailEnd/>
-              </a14:hiddenLine>
-            </a:ext>
-          </a:extLst>
-        </p:spPr>
-        <p:txBody>
-          <a:bodyPr/>
-          <a:lstStyle>
-            <a:lvl1pPr eaLnBrk="0" hangingPunct="0">
-              <a:defRPr>
-                <a:solidFill>
-                  <a:schemeClr val="tx1"/>
-                </a:solidFill>
-                <a:latin typeface="Arial" charset="0"/>
-                <a:cs typeface="Arial" charset="0"/>
-              </a:defRPr>
-            </a:lvl1pPr>
-            <a:lvl2pPr marL="742950" indent="-285750" eaLnBrk="0" hangingPunct="0">
-              <a:defRPr>
-                <a:solidFill>
-                  <a:schemeClr val="tx1"/>
-                </a:solidFill>
-                <a:latin typeface="Arial" charset="0"/>
-                <a:cs typeface="Arial" charset="0"/>
-              </a:defRPr>
-            </a:lvl2pPr>
-            <a:lvl3pPr marL="1143000" indent="-228600" eaLnBrk="0" hangingPunct="0">
-              <a:defRPr>
-                <a:solidFill>
-                  <a:schemeClr val="tx1"/>
-                </a:solidFill>
-                <a:latin typeface="Arial" charset="0"/>
-                <a:cs typeface="Arial" charset="0"/>
-              </a:defRPr>
-            </a:lvl3pPr>
-            <a:lvl4pPr marL="1600200" indent="-228600" eaLnBrk="0" hangingPunct="0">
-              <a:defRPr>
-                <a:solidFill>
-                  <a:schemeClr val="tx1"/>
-                </a:solidFill>
-                <a:latin typeface="Arial" charset="0"/>
-                <a:cs typeface="Arial" charset="0"/>
-              </a:defRPr>
-            </a:lvl4pPr>
-            <a:lvl5pPr marL="2057400" indent="-228600" eaLnBrk="0" hangingPunct="0">
-              <a:defRPr>
-                <a:solidFill>
-                  <a:schemeClr val="tx1"/>
-                </a:solidFill>
-                <a:latin typeface="Arial" charset="0"/>
-                <a:cs typeface="Arial" charset="0"/>
-              </a:defRPr>
-            </a:lvl5pPr>
-            <a:lvl6pPr marL="2514600" indent="-228600" eaLnBrk="0" fontAlgn="base" hangingPunct="0">
-              <a:spcBef>
-                <a:spcPct val="0"/>
-              </a:spcBef>
-              <a:spcAft>
-                <a:spcPct val="0"/>
-              </a:spcAft>
-              <a:defRPr>
-                <a:solidFill>
-                  <a:schemeClr val="tx1"/>
-                </a:solidFill>
-                <a:latin typeface="Arial" charset="0"/>
-                <a:cs typeface="Arial" charset="0"/>
-              </a:defRPr>
-            </a:lvl6pPr>
-            <a:lvl7pPr marL="2971800" indent="-228600" eaLnBrk="0" fontAlgn="base" hangingPunct="0">
-              <a:spcBef>
-                <a:spcPct val="0"/>
-              </a:spcBef>
-              <a:spcAft>
-                <a:spcPct val="0"/>
-              </a:spcAft>
-              <a:defRPr>
-                <a:solidFill>
-                  <a:schemeClr val="tx1"/>
-                </a:solidFill>
-                <a:latin typeface="Arial" charset="0"/>
-                <a:cs typeface="Arial" charset="0"/>
-              </a:defRPr>
-            </a:lvl7pPr>
-            <a:lvl8pPr marL="3429000" indent="-228600" eaLnBrk="0" fontAlgn="base" hangingPunct="0">
-              <a:spcBef>
-                <a:spcPct val="0"/>
-              </a:spcBef>
-              <a:spcAft>
-                <a:spcPct val="0"/>
-              </a:spcAft>
-              <a:defRPr>
-                <a:solidFill>
-                  <a:schemeClr val="tx1"/>
-                </a:solidFill>
-                <a:latin typeface="Arial" charset="0"/>
-                <a:cs typeface="Arial" charset="0"/>
-              </a:defRPr>
-            </a:lvl8pPr>
-            <a:lvl9pPr marL="3886200" indent="-228600" eaLnBrk="0" fontAlgn="base" hangingPunct="0">
-              <a:spcBef>
-                <a:spcPct val="0"/>
-              </a:spcBef>
-              <a:spcAft>
-                <a:spcPct val="0"/>
-              </a:spcAft>
-              <a:defRPr>
-                <a:solidFill>
-                  <a:schemeClr val="tx1"/>
-                </a:solidFill>
-                <a:latin typeface="Arial" charset="0"/>
-                <a:cs typeface="Arial" charset="0"/>
-              </a:defRPr>
-            </a:lvl9pPr>
-          </a:lstStyle>
-          <a:p>
-            <a:pPr eaLnBrk="1" hangingPunct="1"/>
-            <a:fld id="{5985AEE0-3598-4062-9022-895D296AD73A}" type="slidenum">
-              <a:rPr lang="en-US">
-                <a:latin typeface="Calibri" pitchFamily="34" charset="0"/>
-              </a:rPr>
-              <a:pPr eaLnBrk="1" hangingPunct="1"/>
-              <a:t>12</a:t>
-            </a:fld>
-            <a:endParaRPr lang="en-US">
-              <a:latin typeface="Calibri" pitchFamily="34" charset="0"/>
-            </a:endParaRPr>
-          </a:p>
-        </p:txBody>
-      </p:sp>
-    </p:spTree>
-    <p:extLst>
-      <p:ext uri="{BB962C8B-B14F-4D97-AF65-F5344CB8AC3E}">
-        <p14:creationId xmlns:p14="http://schemas.microsoft.com/office/powerpoint/2010/main" val="2581266614"/>
-      </p:ext>
-    </p:extLst>
-  </p:cSld>
-  <p:clrMapOvr>
-    <a:masterClrMapping/>
-  </p:clrMapOvr>
-</p:notes>
-</file>
-
-<file path=ppt/notesSlides/notesSlide4.xml><?xml version="1.0" encoding="utf-8"?>
 <p:notes xmlns:a="http://schemas.openxmlformats.org/drawingml/2006/main" xmlns:r="http://schemas.openxmlformats.org/officeDocument/2006/relationships" xmlns:p="http://schemas.openxmlformats.org/presentationml/2006/main">
   <p:cSld>
     <p:spTree>
@@ -1359,7 +1276,7 @@
 </file>
 
 <file path=ppt/slideLayouts/slideLayout1.xml><?xml version="1.0" encoding="utf-8"?>
-<p:sldLayout xmlns:a="http://schemas.openxmlformats.org/drawingml/2006/main" xmlns:r="http://schemas.openxmlformats.org/officeDocument/2006/relationships" xmlns:p="http://schemas.openxmlformats.org/presentationml/2006/main" showMasterSp="0" type="title" preserve="1">
+<p:sldLayout xmlns:a="http://schemas.openxmlformats.org/drawingml/2006/main" xmlns:r="http://schemas.openxmlformats.org/officeDocument/2006/relationships" xmlns:p="http://schemas.openxmlformats.org/presentationml/2006/main" showMasterSp="0" preserve="1">
   <p:cSld name="Title Slide">
     <p:spTree>
       <p:nvGrpSpPr>
@@ -1377,47 +1294,6 @@
       </p:grpSpPr>
       <p:sp>
         <p:nvSpPr>
-          <p:cNvPr id="2" name="Title 1"/>
-          <p:cNvSpPr>
-            <a:spLocks noGrp="1"/>
-          </p:cNvSpPr>
-          <p:nvPr>
-            <p:ph type="ctrTitle"/>
-          </p:nvPr>
-        </p:nvSpPr>
-        <p:spPr>
-          <a:xfrm>
-            <a:off x="457200" y="228600"/>
-            <a:ext cx="7772400" cy="4571999"/>
-          </a:xfrm>
-        </p:spPr>
-        <p:txBody>
-          <a:bodyPr anchor="ctr">
-            <a:noAutofit/>
-          </a:bodyPr>
-          <a:lstStyle>
-            <a:lvl1pPr>
-              <a:lnSpc>
-                <a:spcPct val="100000"/>
-              </a:lnSpc>
-              <a:defRPr sz="8800" spc="-80" baseline="0">
-                <a:solidFill>
-                  <a:schemeClr val="tx1"/>
-                </a:solidFill>
-              </a:defRPr>
-            </a:lvl1pPr>
-          </a:lstStyle>
-          <a:p>
-            <a:r>
-              <a:rPr lang="en-US" dirty="0" smtClean="0"/>
-              <a:t>Click to edit Master title style</a:t>
-            </a:r>
-            <a:endParaRPr lang="en-US" dirty="0"/>
-          </a:p>
-        </p:txBody>
-      </p:sp>
-      <p:sp>
-        <p:nvSpPr>
           <p:cNvPr id="3" name="Subtitle 2"/>
           <p:cNvSpPr>
             <a:spLocks noGrp="1"/>
@@ -1428,16 +1304,16 @@
         </p:nvSpPr>
         <p:spPr>
           <a:xfrm>
-            <a:off x="457200" y="4800600"/>
+            <a:off x="1132517" y="3427224"/>
             <a:ext cx="6858000" cy="914400"/>
           </a:xfrm>
         </p:spPr>
         <p:txBody>
           <a:bodyPr/>
           <a:lstStyle>
-            <a:lvl1pPr marL="0" indent="0" algn="l">
+            <a:lvl1pPr marL="0" indent="0" algn="ctr">
               <a:buNone/>
-              <a:defRPr b="0" cap="all" spc="120" baseline="0">
+              <a:defRPr b="0" cap="none" spc="120" baseline="0">
                 <a:solidFill>
                   <a:schemeClr val="tx2"/>
                 </a:solidFill>
@@ -1551,7 +1427,7 @@
           <a:p>
             <a:fld id="{DFEB761B-93B6-4F06-B1B1-18CE8B776B63}" type="datetime1">
               <a:rPr lang="en-US" smtClean="0"/>
-              <a:t>6/27/2015</a:t>
+              <a:t>2/11/17</a:t>
             </a:fld>
             <a:endParaRPr lang="en-US"/>
           </a:p>
@@ -1567,7 +1443,12 @@
             <p:ph type="ftr" sz="quarter" idx="11"/>
           </p:nvPr>
         </p:nvSpPr>
-        <p:spPr/>
+        <p:spPr>
+          <a:xfrm>
+            <a:off x="457200" y="6492875"/>
+            <a:ext cx="3945988" cy="282095"/>
+          </a:xfrm>
+        </p:spPr>
         <p:txBody>
           <a:bodyPr/>
           <a:lstStyle/>
@@ -1582,18 +1463,18 @@
       </p:sp>
       <p:sp>
         <p:nvSpPr>
-          <p:cNvPr id="11" name="Slide Number Placeholder 6"/>
+          <p:cNvPr id="6" name="Slide Number Placeholder 5"/>
           <p:cNvSpPr>
             <a:spLocks noGrp="1"/>
           </p:cNvSpPr>
           <p:nvPr>
-            <p:ph type="sldNum" sz="quarter" idx="4"/>
+            <p:ph type="sldNum" sz="quarter" idx="12"/>
           </p:nvPr>
         </p:nvSpPr>
         <p:spPr>
           <a:xfrm>
-            <a:off x="8477026" y="6358106"/>
-            <a:ext cx="666974" cy="365125"/>
+            <a:off x="8484242" y="6341733"/>
+            <a:ext cx="588319" cy="365125"/>
           </a:xfrm>
           <a:prstGeom prst="rect">
             <a:avLst/>
@@ -1601,11 +1482,19 @@
         </p:spPr>
         <p:txBody>
           <a:bodyPr/>
-          <a:lstStyle/>
+          <a:lstStyle>
+            <a:lvl1pPr>
+              <a:defRPr>
+                <a:solidFill>
+                  <a:schemeClr val="tx1"/>
+                </a:solidFill>
+              </a:defRPr>
+            </a:lvl1pPr>
+          </a:lstStyle>
           <a:p>
             <a:fld id="{4DBC7FC8-25FB-FC45-8177-2B991DA6778C}" type="slidenum">
               <a:rPr lang="en-US" smtClean="0"/>
-              <a:t>‹nº›</a:t>
+              <a:t>‹#›</a:t>
             </a:fld>
             <a:endParaRPr lang="en-US"/>
           </a:p>
@@ -1613,7 +1502,232 @@
       </p:sp>
       <p:sp>
         <p:nvSpPr>
+          <p:cNvPr id="11" name="Rectangle 10"/>
+          <p:cNvSpPr/>
+          <p:nvPr/>
+        </p:nvSpPr>
+        <p:spPr>
+          <a:xfrm>
+            <a:off x="8996106" y="2895600"/>
+            <a:ext cx="147895" cy="3962400"/>
+          </a:xfrm>
+          <a:prstGeom prst="rect">
+            <a:avLst/>
+          </a:prstGeom>
+          <a:solidFill>
+            <a:srgbClr val="92D050"/>
+          </a:solidFill>
+          <a:ln>
+            <a:noFill/>
+          </a:ln>
+        </p:spPr>
+        <p:style>
+          <a:lnRef idx="2">
+            <a:schemeClr val="accent1">
+              <a:shade val="50000"/>
+            </a:schemeClr>
+          </a:lnRef>
+          <a:fillRef idx="1">
+            <a:schemeClr val="accent1"/>
+          </a:fillRef>
+          <a:effectRef idx="0">
+            <a:schemeClr val="accent1"/>
+          </a:effectRef>
+          <a:fontRef idx="minor">
+            <a:schemeClr val="lt1"/>
+          </a:fontRef>
+        </p:style>
+      </p:sp>
+      <p:sp>
+        <p:nvSpPr>
           <p:cNvPr id="12" name="Rectangle 11"/>
+          <p:cNvSpPr/>
+          <p:nvPr/>
+        </p:nvSpPr>
+        <p:spPr>
+          <a:xfrm>
+            <a:off x="8959042" y="0"/>
+            <a:ext cx="184958" cy="2895600"/>
+          </a:xfrm>
+          <a:prstGeom prst="rect">
+            <a:avLst/>
+          </a:prstGeom>
+          <a:solidFill>
+            <a:srgbClr val="7030A0"/>
+          </a:solidFill>
+          <a:ln>
+            <a:noFill/>
+          </a:ln>
+        </p:spPr>
+        <p:style>
+          <a:lnRef idx="2">
+            <a:schemeClr val="accent1">
+              <a:shade val="50000"/>
+            </a:schemeClr>
+          </a:lnRef>
+          <a:fillRef idx="1">
+            <a:schemeClr val="accent1"/>
+          </a:fillRef>
+          <a:effectRef idx="0">
+            <a:schemeClr val="accent1"/>
+          </a:effectRef>
+          <a:fontRef idx="minor">
+            <a:schemeClr val="lt1"/>
+          </a:fontRef>
+        </p:style>
+      </p:sp>
+      <p:sp>
+        <p:nvSpPr>
+          <p:cNvPr id="13" name="Rectangle 12"/>
+          <p:cNvSpPr/>
+          <p:nvPr/>
+        </p:nvSpPr>
+        <p:spPr>
+          <a:xfrm>
+            <a:off x="8904666" y="0"/>
+            <a:ext cx="91440" cy="6858000"/>
+          </a:xfrm>
+          <a:prstGeom prst="rect">
+            <a:avLst/>
+          </a:prstGeom>
+          <a:solidFill>
+            <a:srgbClr val="0070C0"/>
+          </a:solidFill>
+          <a:ln>
+            <a:noFill/>
+          </a:ln>
+        </p:spPr>
+        <p:style>
+          <a:lnRef idx="2">
+            <a:schemeClr val="accent1">
+              <a:shade val="50000"/>
+            </a:schemeClr>
+          </a:lnRef>
+          <a:fillRef idx="1">
+            <a:schemeClr val="accent1"/>
+          </a:fillRef>
+          <a:effectRef idx="0">
+            <a:schemeClr val="accent1"/>
+          </a:effectRef>
+          <a:fontRef idx="minor">
+            <a:schemeClr val="lt1"/>
+          </a:fontRef>
+        </p:style>
+      </p:sp>
+      <p:pic>
+        <p:nvPicPr>
+          <p:cNvPr id="10" name="Picture 2" descr="EV3Lessons.com"/>
+          <p:cNvPicPr>
+            <a:picLocks noChangeAspect="1" noChangeArrowheads="1"/>
+          </p:cNvPicPr>
+          <p:nvPr/>
+        </p:nvPicPr>
+        <p:blipFill>
+          <a:blip r:embed="rId2">
+            <a:extLst>
+              <a:ext uri="{28A0092B-C50C-407E-A947-70E740481C1C}">
+                <a14:useLocalDpi xmlns:a14="http://schemas.microsoft.com/office/drawing/2010/main" val="0"/>
+              </a:ext>
+            </a:extLst>
+          </a:blip>
+          <a:srcRect/>
+          <a:stretch>
+            <a:fillRect/>
+          </a:stretch>
+        </p:blipFill>
+        <p:spPr bwMode="auto">
+          <a:xfrm>
+            <a:off x="690896" y="400415"/>
+            <a:ext cx="7741243" cy="2875320"/>
+          </a:xfrm>
+          <a:prstGeom prst="rect">
+            <a:avLst/>
+          </a:prstGeom>
+          <a:noFill/>
+          <a:extLst>
+            <a:ext uri="{909E8E84-426E-40dd-AFC4-6F175D3DCCD1}">
+              <a14:hiddenFill xmlns="" xmlns:a14="http://schemas.microsoft.com/office/drawing/2010/main">
+                <a:solidFill>
+                  <a:srgbClr val="FFFFFF"/>
+                </a:solidFill>
+              </a14:hiddenFill>
+            </a:ext>
+          </a:extLst>
+        </p:spPr>
+      </p:pic>
+      <p:sp>
+        <p:nvSpPr>
+          <p:cNvPr id="14" name="Title 1"/>
+          <p:cNvSpPr>
+            <a:spLocks noGrp="1"/>
+          </p:cNvSpPr>
+          <p:nvPr>
+            <p:ph type="ctrTitle" hasCustomPrompt="1"/>
+          </p:nvPr>
+        </p:nvSpPr>
+        <p:spPr>
+          <a:xfrm>
+            <a:off x="502903" y="5741850"/>
+            <a:ext cx="8117227" cy="602769"/>
+          </a:xfrm>
+        </p:spPr>
+        <p:txBody>
+          <a:bodyPr>
+            <a:noAutofit/>
+          </a:bodyPr>
+          <a:lstStyle>
+            <a:lvl1pPr>
+              <a:defRPr sz="2800"/>
+            </a:lvl1pPr>
+          </a:lstStyle>
+          <a:p>
+            <a:pPr algn="ctr"/>
+            <a:r>
+              <a:rPr lang="en-US" sz="3200" dirty="0" smtClean="0"/>
+              <a:t>BEGINNER PROGRAMMING LESSON</a:t>
+            </a:r>
+            <a:endParaRPr lang="en-US" sz="3200" dirty="0"/>
+          </a:p>
+        </p:txBody>
+      </p:sp>
+      <p:sp>
+        <p:nvSpPr>
+          <p:cNvPr id="15" name="TextBox 14"/>
+          <p:cNvSpPr txBox="1"/>
+          <p:nvPr/>
+        </p:nvSpPr>
+        <p:spPr>
+          <a:xfrm>
+            <a:off x="2078568" y="4119917"/>
+            <a:ext cx="4965896" cy="369332"/>
+          </a:xfrm>
+          <a:prstGeom prst="rect">
+            <a:avLst/>
+          </a:prstGeom>
+          <a:noFill/>
+        </p:spPr>
+        <p:txBody>
+          <a:bodyPr wrap="square" rtlCol="0">
+            <a:spAutoFit/>
+          </a:bodyPr>
+          <a:lstStyle/>
+          <a:p>
+            <a:pPr algn="ctr"/>
+            <a:r>
+              <a:rPr lang="en-US" dirty="0" smtClean="0"/>
+              <a:t>By Sanjay and Arvind </a:t>
+            </a:r>
+            <a:r>
+              <a:rPr lang="en-US" dirty="0" err="1" smtClean="0"/>
+              <a:t>Seshan</a:t>
+            </a:r>
+            <a:endParaRPr lang="en-US" dirty="0"/>
+          </a:p>
+        </p:txBody>
+      </p:sp>
+      <p:sp>
+        <p:nvSpPr>
+          <p:cNvPr id="16" name="Rectangle 15"/>
           <p:cNvSpPr/>
           <p:nvPr userDrawn="1"/>
         </p:nvSpPr>
@@ -1651,7 +1765,7 @@
       </p:sp>
       <p:sp>
         <p:nvSpPr>
-          <p:cNvPr id="13" name="Rectangle 12"/>
+          <p:cNvPr id="17" name="Rectangle 16"/>
           <p:cNvSpPr/>
           <p:nvPr userDrawn="1"/>
         </p:nvSpPr>
@@ -1689,7 +1803,7 @@
       </p:sp>
       <p:sp>
         <p:nvSpPr>
-          <p:cNvPr id="14" name="Rectangle 13"/>
+          <p:cNvPr id="18" name="Rectangle 17"/>
           <p:cNvSpPr/>
           <p:nvPr userDrawn="1"/>
         </p:nvSpPr>
@@ -1730,6 +1844,13 @@
   <p:clrMapOvr>
     <a:masterClrMapping/>
   </p:clrMapOvr>
+  <p:timing>
+    <p:tnLst>
+      <p:par>
+        <p:cTn id="1" dur="indefinite" restart="never" nodeType="tmRoot"/>
+      </p:par>
+    </p:tnLst>
+  </p:timing>
 </p:sldLayout>
 </file>
 
@@ -1842,7 +1963,7 @@
           <a:p>
             <a:fld id="{ED9FEDC6-6210-49BD-9CBD-95D1AAFCD29A}" type="datetime1">
               <a:rPr lang="en-US" smtClean="0"/>
-              <a:t>6/27/2015</a:t>
+              <a:t>2/11/17</a:t>
             </a:fld>
             <a:endParaRPr lang="en-US"/>
           </a:p>
@@ -1873,18 +1994,18 @@
       </p:sp>
       <p:sp>
         <p:nvSpPr>
-          <p:cNvPr id="7" name="Slide Number Placeholder 6"/>
+          <p:cNvPr id="6" name="Slide Number Placeholder 5"/>
           <p:cNvSpPr>
             <a:spLocks noGrp="1"/>
           </p:cNvSpPr>
           <p:nvPr>
-            <p:ph type="sldNum" sz="quarter" idx="4"/>
+            <p:ph type="sldNum" sz="quarter" idx="12"/>
           </p:nvPr>
         </p:nvSpPr>
         <p:spPr>
-          <a:xfrm>
-            <a:off x="8477026" y="6358106"/>
-            <a:ext cx="666974" cy="365125"/>
+          <a:xfrm rot="16200000">
+            <a:off x="8227377" y="5885497"/>
+            <a:ext cx="1315721" cy="365125"/>
           </a:xfrm>
           <a:prstGeom prst="rect">
             <a:avLst/>
@@ -1896,7 +2017,7 @@
           <a:p>
             <a:fld id="{4DBC7FC8-25FB-FC45-8177-2B991DA6778C}" type="slidenum">
               <a:rPr lang="en-US" smtClean="0"/>
-              <a:t>‹nº›</a:t>
+              <a:t>‹#›</a:t>
             </a:fld>
             <a:endParaRPr lang="en-US"/>
           </a:p>
@@ -2029,7 +2150,7 @@
           <a:p>
             <a:fld id="{6971F44B-8CBC-44B6-AD55-CE65907D5BC2}" type="datetime1">
               <a:rPr lang="en-US" smtClean="0"/>
-              <a:t>6/27/2015</a:t>
+              <a:t>2/11/17</a:t>
             </a:fld>
             <a:endParaRPr lang="en-US"/>
           </a:p>
@@ -2060,18 +2181,18 @@
       </p:sp>
       <p:sp>
         <p:nvSpPr>
-          <p:cNvPr id="7" name="Slide Number Placeholder 6"/>
+          <p:cNvPr id="6" name="Slide Number Placeholder 5"/>
           <p:cNvSpPr>
             <a:spLocks noGrp="1"/>
           </p:cNvSpPr>
           <p:nvPr>
-            <p:ph type="sldNum" sz="quarter" idx="4"/>
+            <p:ph type="sldNum" sz="quarter" idx="12"/>
           </p:nvPr>
         </p:nvSpPr>
         <p:spPr>
-          <a:xfrm>
-            <a:off x="8477026" y="6358106"/>
-            <a:ext cx="666974" cy="365125"/>
+          <a:xfrm rot="16200000">
+            <a:off x="8227377" y="5885497"/>
+            <a:ext cx="1315721" cy="365125"/>
           </a:xfrm>
           <a:prstGeom prst="rect">
             <a:avLst/>
@@ -2083,13 +2204,1710 @@
           <a:p>
             <a:fld id="{4DBC7FC8-25FB-FC45-8177-2B991DA6778C}" type="slidenum">
               <a:rPr lang="en-US" smtClean="0"/>
-              <a:t>‹nº›</a:t>
+              <a:t>‹#›</a:t>
             </a:fld>
             <a:endParaRPr lang="en-US"/>
           </a:p>
         </p:txBody>
       </p:sp>
     </p:spTree>
+  </p:cSld>
+  <p:clrMapOvr>
+    <a:masterClrMapping/>
+  </p:clrMapOvr>
+</p:sldLayout>
+</file>
+
+<file path=ppt/slideLayouts/slideLayout12.xml><?xml version="1.0" encoding="utf-8"?>
+<p:sldLayout xmlns:a="http://schemas.openxmlformats.org/drawingml/2006/main" xmlns:r="http://schemas.openxmlformats.org/officeDocument/2006/relationships" xmlns:p="http://schemas.openxmlformats.org/presentationml/2006/main" type="title" preserve="1">
+  <p:cSld name="Title Slide">
+    <p:spTree>
+      <p:nvGrpSpPr>
+        <p:cNvPr id="1" name=""/>
+        <p:cNvGrpSpPr/>
+        <p:nvPr/>
+      </p:nvGrpSpPr>
+      <p:grpSpPr>
+        <a:xfrm>
+          <a:off x="0" y="0"/>
+          <a:ext cx="0" cy="0"/>
+          <a:chOff x="0" y="0"/>
+          <a:chExt cx="0" cy="0"/>
+        </a:xfrm>
+      </p:grpSpPr>
+      <p:sp>
+        <p:nvSpPr>
+          <p:cNvPr id="2" name="Title 1"/>
+          <p:cNvSpPr>
+            <a:spLocks noGrp="1"/>
+          </p:cNvSpPr>
+          <p:nvPr>
+            <p:ph type="ctrTitle"/>
+          </p:nvPr>
+        </p:nvSpPr>
+        <p:spPr>
+          <a:xfrm>
+            <a:off x="1143000" y="1122363"/>
+            <a:ext cx="6858000" cy="2387600"/>
+          </a:xfrm>
+        </p:spPr>
+        <p:txBody>
+          <a:bodyPr anchor="b"/>
+          <a:lstStyle>
+            <a:lvl1pPr algn="ctr">
+              <a:defRPr sz="6000"/>
+            </a:lvl1pPr>
+          </a:lstStyle>
+          <a:p>
+            <a:r>
+              <a:rPr lang="en-US" smtClean="0"/>
+              <a:t>Click to edit Master title style</a:t>
+            </a:r>
+            <a:endParaRPr lang="en-US"/>
+          </a:p>
+        </p:txBody>
+      </p:sp>
+      <p:sp>
+        <p:nvSpPr>
+          <p:cNvPr id="3" name="Subtitle 2"/>
+          <p:cNvSpPr>
+            <a:spLocks noGrp="1"/>
+          </p:cNvSpPr>
+          <p:nvPr>
+            <p:ph type="subTitle" idx="1"/>
+          </p:nvPr>
+        </p:nvSpPr>
+        <p:spPr>
+          <a:xfrm>
+            <a:off x="1143000" y="3602038"/>
+            <a:ext cx="6858000" cy="1655762"/>
+          </a:xfrm>
+        </p:spPr>
+        <p:txBody>
+          <a:bodyPr/>
+          <a:lstStyle>
+            <a:lvl1pPr marL="0" indent="0" algn="ctr">
+              <a:buNone/>
+              <a:defRPr sz="2400"/>
+            </a:lvl1pPr>
+            <a:lvl2pPr marL="457200" indent="0" algn="ctr">
+              <a:buNone/>
+              <a:defRPr sz="2000"/>
+            </a:lvl2pPr>
+            <a:lvl3pPr marL="914400" indent="0" algn="ctr">
+              <a:buNone/>
+              <a:defRPr sz="1800"/>
+            </a:lvl3pPr>
+            <a:lvl4pPr marL="1371600" indent="0" algn="ctr">
+              <a:buNone/>
+              <a:defRPr sz="1600"/>
+            </a:lvl4pPr>
+            <a:lvl5pPr marL="1828800" indent="0" algn="ctr">
+              <a:buNone/>
+              <a:defRPr sz="1600"/>
+            </a:lvl5pPr>
+            <a:lvl6pPr marL="2286000" indent="0" algn="ctr">
+              <a:buNone/>
+              <a:defRPr sz="1600"/>
+            </a:lvl6pPr>
+            <a:lvl7pPr marL="2743200" indent="0" algn="ctr">
+              <a:buNone/>
+              <a:defRPr sz="1600"/>
+            </a:lvl7pPr>
+            <a:lvl8pPr marL="3200400" indent="0" algn="ctr">
+              <a:buNone/>
+              <a:defRPr sz="1600"/>
+            </a:lvl8pPr>
+            <a:lvl9pPr marL="3657600" indent="0" algn="ctr">
+              <a:buNone/>
+              <a:defRPr sz="1600"/>
+            </a:lvl9pPr>
+          </a:lstStyle>
+          <a:p>
+            <a:r>
+              <a:rPr lang="en-US" smtClean="0"/>
+              <a:t>Click to edit Master subtitle style</a:t>
+            </a:r>
+            <a:endParaRPr lang="en-US"/>
+          </a:p>
+        </p:txBody>
+      </p:sp>
+      <p:sp>
+        <p:nvSpPr>
+          <p:cNvPr id="4" name="Date Placeholder 3"/>
+          <p:cNvSpPr>
+            <a:spLocks noGrp="1"/>
+          </p:cNvSpPr>
+          <p:nvPr>
+            <p:ph type="dt" sz="half" idx="10"/>
+          </p:nvPr>
+        </p:nvSpPr>
+        <p:spPr/>
+        <p:txBody>
+          <a:bodyPr/>
+          <a:lstStyle/>
+          <a:p>
+            <a:fld id="{132E8F0C-F690-984D-97A5-2A1A1F38CA45}" type="datetime1">
+              <a:rPr lang="en-US" smtClean="0"/>
+              <a:t>2/11/17</a:t>
+            </a:fld>
+            <a:endParaRPr lang="en-US"/>
+          </a:p>
+        </p:txBody>
+      </p:sp>
+      <p:sp>
+        <p:nvSpPr>
+          <p:cNvPr id="5" name="Footer Placeholder 4"/>
+          <p:cNvSpPr>
+            <a:spLocks noGrp="1"/>
+          </p:cNvSpPr>
+          <p:nvPr>
+            <p:ph type="ftr" sz="quarter" idx="11"/>
+          </p:nvPr>
+        </p:nvSpPr>
+        <p:spPr/>
+        <p:txBody>
+          <a:bodyPr/>
+          <a:lstStyle/>
+          <a:p>
+            <a:r>
+              <a:rPr lang="en-US" smtClean="0"/>
+              <a:t>Copyright © EV3Lessons.com 2016 (Last edit: 07/04/2016)</a:t>
+            </a:r>
+            <a:endParaRPr lang="en-US"/>
+          </a:p>
+        </p:txBody>
+      </p:sp>
+      <p:sp>
+        <p:nvSpPr>
+          <p:cNvPr id="6" name="Slide Number Placeholder 5"/>
+          <p:cNvSpPr>
+            <a:spLocks noGrp="1"/>
+          </p:cNvSpPr>
+          <p:nvPr>
+            <p:ph type="sldNum" sz="quarter" idx="12"/>
+          </p:nvPr>
+        </p:nvSpPr>
+        <p:spPr/>
+        <p:txBody>
+          <a:bodyPr/>
+          <a:lstStyle/>
+          <a:p>
+            <a:fld id="{DE42E464-3EB8-43C8-8768-9E2AD4F497B7}" type="slidenum">
+              <a:rPr lang="en-US" smtClean="0"/>
+              <a:t>‹#›</a:t>
+            </a:fld>
+            <a:endParaRPr lang="en-US"/>
+          </a:p>
+        </p:txBody>
+      </p:sp>
+    </p:spTree>
+    <p:extLst/>
+  </p:cSld>
+  <p:clrMapOvr>
+    <a:masterClrMapping/>
+  </p:clrMapOvr>
+</p:sldLayout>
+</file>
+
+<file path=ppt/slideLayouts/slideLayout13.xml><?xml version="1.0" encoding="utf-8"?>
+<p:sldLayout xmlns:a="http://schemas.openxmlformats.org/drawingml/2006/main" xmlns:r="http://schemas.openxmlformats.org/officeDocument/2006/relationships" xmlns:p="http://schemas.openxmlformats.org/presentationml/2006/main" type="obj" preserve="1">
+  <p:cSld name="Title and Content">
+    <p:spTree>
+      <p:nvGrpSpPr>
+        <p:cNvPr id="1" name=""/>
+        <p:cNvGrpSpPr/>
+        <p:nvPr/>
+      </p:nvGrpSpPr>
+      <p:grpSpPr>
+        <a:xfrm>
+          <a:off x="0" y="0"/>
+          <a:ext cx="0" cy="0"/>
+          <a:chOff x="0" y="0"/>
+          <a:chExt cx="0" cy="0"/>
+        </a:xfrm>
+      </p:grpSpPr>
+      <p:sp>
+        <p:nvSpPr>
+          <p:cNvPr id="2" name="Title 1"/>
+          <p:cNvSpPr>
+            <a:spLocks noGrp="1"/>
+          </p:cNvSpPr>
+          <p:nvPr>
+            <p:ph type="title"/>
+          </p:nvPr>
+        </p:nvSpPr>
+        <p:spPr/>
+        <p:txBody>
+          <a:bodyPr/>
+          <a:lstStyle/>
+          <a:p>
+            <a:r>
+              <a:rPr lang="en-US" smtClean="0"/>
+              <a:t>Click to edit Master title style</a:t>
+            </a:r>
+            <a:endParaRPr lang="en-US"/>
+          </a:p>
+        </p:txBody>
+      </p:sp>
+      <p:sp>
+        <p:nvSpPr>
+          <p:cNvPr id="3" name="Content Placeholder 2"/>
+          <p:cNvSpPr>
+            <a:spLocks noGrp="1"/>
+          </p:cNvSpPr>
+          <p:nvPr>
+            <p:ph idx="1"/>
+          </p:nvPr>
+        </p:nvSpPr>
+        <p:spPr/>
+        <p:txBody>
+          <a:bodyPr/>
+          <a:lstStyle/>
+          <a:p>
+            <a:pPr lvl="0"/>
+            <a:r>
+              <a:rPr lang="en-US" smtClean="0"/>
+              <a:t>Click to edit Master text styles</a:t>
+            </a:r>
+          </a:p>
+          <a:p>
+            <a:pPr lvl="1"/>
+            <a:r>
+              <a:rPr lang="en-US" smtClean="0"/>
+              <a:t>Second level</a:t>
+            </a:r>
+          </a:p>
+          <a:p>
+            <a:pPr lvl="2"/>
+            <a:r>
+              <a:rPr lang="en-US" smtClean="0"/>
+              <a:t>Third level</a:t>
+            </a:r>
+          </a:p>
+          <a:p>
+            <a:pPr lvl="3"/>
+            <a:r>
+              <a:rPr lang="en-US" smtClean="0"/>
+              <a:t>Fourth level</a:t>
+            </a:r>
+          </a:p>
+          <a:p>
+            <a:pPr lvl="4"/>
+            <a:r>
+              <a:rPr lang="en-US" smtClean="0"/>
+              <a:t>Fifth level</a:t>
+            </a:r>
+            <a:endParaRPr lang="en-US"/>
+          </a:p>
+        </p:txBody>
+      </p:sp>
+      <p:sp>
+        <p:nvSpPr>
+          <p:cNvPr id="4" name="Date Placeholder 3"/>
+          <p:cNvSpPr>
+            <a:spLocks noGrp="1"/>
+          </p:cNvSpPr>
+          <p:nvPr>
+            <p:ph type="dt" sz="half" idx="10"/>
+          </p:nvPr>
+        </p:nvSpPr>
+        <p:spPr/>
+        <p:txBody>
+          <a:bodyPr/>
+          <a:lstStyle/>
+          <a:p>
+            <a:fld id="{204D42F3-05E2-6E4D-B22F-A4B15202BAD6}" type="datetime1">
+              <a:rPr lang="en-US" smtClean="0"/>
+              <a:t>2/11/17</a:t>
+            </a:fld>
+            <a:endParaRPr lang="en-US"/>
+          </a:p>
+        </p:txBody>
+      </p:sp>
+      <p:sp>
+        <p:nvSpPr>
+          <p:cNvPr id="5" name="Footer Placeholder 4"/>
+          <p:cNvSpPr>
+            <a:spLocks noGrp="1"/>
+          </p:cNvSpPr>
+          <p:nvPr>
+            <p:ph type="ftr" sz="quarter" idx="11"/>
+          </p:nvPr>
+        </p:nvSpPr>
+        <p:spPr/>
+        <p:txBody>
+          <a:bodyPr/>
+          <a:lstStyle/>
+          <a:p>
+            <a:r>
+              <a:rPr lang="en-US" smtClean="0"/>
+              <a:t>Copyright © EV3Lessons.com 2016 (Last edit: 07/04/2016)</a:t>
+            </a:r>
+            <a:endParaRPr lang="en-US"/>
+          </a:p>
+        </p:txBody>
+      </p:sp>
+      <p:sp>
+        <p:nvSpPr>
+          <p:cNvPr id="6" name="Slide Number Placeholder 5"/>
+          <p:cNvSpPr>
+            <a:spLocks noGrp="1"/>
+          </p:cNvSpPr>
+          <p:nvPr>
+            <p:ph type="sldNum" sz="quarter" idx="12"/>
+          </p:nvPr>
+        </p:nvSpPr>
+        <p:spPr/>
+        <p:txBody>
+          <a:bodyPr/>
+          <a:lstStyle/>
+          <a:p>
+            <a:fld id="{DE42E464-3EB8-43C8-8768-9E2AD4F497B7}" type="slidenum">
+              <a:rPr lang="en-US" smtClean="0"/>
+              <a:t>‹#›</a:t>
+            </a:fld>
+            <a:endParaRPr lang="en-US"/>
+          </a:p>
+        </p:txBody>
+      </p:sp>
+    </p:spTree>
+    <p:extLst/>
+  </p:cSld>
+  <p:clrMapOvr>
+    <a:masterClrMapping/>
+  </p:clrMapOvr>
+</p:sldLayout>
+</file>
+
+<file path=ppt/slideLayouts/slideLayout14.xml><?xml version="1.0" encoding="utf-8"?>
+<p:sldLayout xmlns:a="http://schemas.openxmlformats.org/drawingml/2006/main" xmlns:r="http://schemas.openxmlformats.org/officeDocument/2006/relationships" xmlns:p="http://schemas.openxmlformats.org/presentationml/2006/main" type="secHead" preserve="1">
+  <p:cSld name="Section Header">
+    <p:spTree>
+      <p:nvGrpSpPr>
+        <p:cNvPr id="1" name=""/>
+        <p:cNvGrpSpPr/>
+        <p:nvPr/>
+      </p:nvGrpSpPr>
+      <p:grpSpPr>
+        <a:xfrm>
+          <a:off x="0" y="0"/>
+          <a:ext cx="0" cy="0"/>
+          <a:chOff x="0" y="0"/>
+          <a:chExt cx="0" cy="0"/>
+        </a:xfrm>
+      </p:grpSpPr>
+      <p:sp>
+        <p:nvSpPr>
+          <p:cNvPr id="2" name="Title 1"/>
+          <p:cNvSpPr>
+            <a:spLocks noGrp="1"/>
+          </p:cNvSpPr>
+          <p:nvPr>
+            <p:ph type="title"/>
+          </p:nvPr>
+        </p:nvSpPr>
+        <p:spPr>
+          <a:xfrm>
+            <a:off x="623888" y="1709738"/>
+            <a:ext cx="7886700" cy="2852737"/>
+          </a:xfrm>
+        </p:spPr>
+        <p:txBody>
+          <a:bodyPr anchor="b"/>
+          <a:lstStyle>
+            <a:lvl1pPr>
+              <a:defRPr sz="6000"/>
+            </a:lvl1pPr>
+          </a:lstStyle>
+          <a:p>
+            <a:r>
+              <a:rPr lang="en-US" smtClean="0"/>
+              <a:t>Click to edit Master title style</a:t>
+            </a:r>
+            <a:endParaRPr lang="en-US"/>
+          </a:p>
+        </p:txBody>
+      </p:sp>
+      <p:sp>
+        <p:nvSpPr>
+          <p:cNvPr id="3" name="Text Placeholder 2"/>
+          <p:cNvSpPr>
+            <a:spLocks noGrp="1"/>
+          </p:cNvSpPr>
+          <p:nvPr>
+            <p:ph type="body" idx="1"/>
+          </p:nvPr>
+        </p:nvSpPr>
+        <p:spPr>
+          <a:xfrm>
+            <a:off x="623888" y="4589463"/>
+            <a:ext cx="7886700" cy="1500187"/>
+          </a:xfrm>
+        </p:spPr>
+        <p:txBody>
+          <a:bodyPr/>
+          <a:lstStyle>
+            <a:lvl1pPr marL="0" indent="0">
+              <a:buNone/>
+              <a:defRPr sz="2400">
+                <a:solidFill>
+                  <a:schemeClr val="tx1">
+                    <a:tint val="75000"/>
+                  </a:schemeClr>
+                </a:solidFill>
+              </a:defRPr>
+            </a:lvl1pPr>
+            <a:lvl2pPr marL="457200" indent="0">
+              <a:buNone/>
+              <a:defRPr sz="2000">
+                <a:solidFill>
+                  <a:schemeClr val="tx1">
+                    <a:tint val="75000"/>
+                  </a:schemeClr>
+                </a:solidFill>
+              </a:defRPr>
+            </a:lvl2pPr>
+            <a:lvl3pPr marL="914400" indent="0">
+              <a:buNone/>
+              <a:defRPr sz="1800">
+                <a:solidFill>
+                  <a:schemeClr val="tx1">
+                    <a:tint val="75000"/>
+                  </a:schemeClr>
+                </a:solidFill>
+              </a:defRPr>
+            </a:lvl3pPr>
+            <a:lvl4pPr marL="1371600" indent="0">
+              <a:buNone/>
+              <a:defRPr sz="1600">
+                <a:solidFill>
+                  <a:schemeClr val="tx1">
+                    <a:tint val="75000"/>
+                  </a:schemeClr>
+                </a:solidFill>
+              </a:defRPr>
+            </a:lvl4pPr>
+            <a:lvl5pPr marL="1828800" indent="0">
+              <a:buNone/>
+              <a:defRPr sz="1600">
+                <a:solidFill>
+                  <a:schemeClr val="tx1">
+                    <a:tint val="75000"/>
+                  </a:schemeClr>
+                </a:solidFill>
+              </a:defRPr>
+            </a:lvl5pPr>
+            <a:lvl6pPr marL="2286000" indent="0">
+              <a:buNone/>
+              <a:defRPr sz="1600">
+                <a:solidFill>
+                  <a:schemeClr val="tx1">
+                    <a:tint val="75000"/>
+                  </a:schemeClr>
+                </a:solidFill>
+              </a:defRPr>
+            </a:lvl6pPr>
+            <a:lvl7pPr marL="2743200" indent="0">
+              <a:buNone/>
+              <a:defRPr sz="1600">
+                <a:solidFill>
+                  <a:schemeClr val="tx1">
+                    <a:tint val="75000"/>
+                  </a:schemeClr>
+                </a:solidFill>
+              </a:defRPr>
+            </a:lvl7pPr>
+            <a:lvl8pPr marL="3200400" indent="0">
+              <a:buNone/>
+              <a:defRPr sz="1600">
+                <a:solidFill>
+                  <a:schemeClr val="tx1">
+                    <a:tint val="75000"/>
+                  </a:schemeClr>
+                </a:solidFill>
+              </a:defRPr>
+            </a:lvl8pPr>
+            <a:lvl9pPr marL="3657600" indent="0">
+              <a:buNone/>
+              <a:defRPr sz="1600">
+                <a:solidFill>
+                  <a:schemeClr val="tx1">
+                    <a:tint val="75000"/>
+                  </a:schemeClr>
+                </a:solidFill>
+              </a:defRPr>
+            </a:lvl9pPr>
+          </a:lstStyle>
+          <a:p>
+            <a:pPr lvl="0"/>
+            <a:r>
+              <a:rPr lang="en-US" smtClean="0"/>
+              <a:t>Click to edit Master text styles</a:t>
+            </a:r>
+          </a:p>
+        </p:txBody>
+      </p:sp>
+      <p:sp>
+        <p:nvSpPr>
+          <p:cNvPr id="4" name="Date Placeholder 3"/>
+          <p:cNvSpPr>
+            <a:spLocks noGrp="1"/>
+          </p:cNvSpPr>
+          <p:nvPr>
+            <p:ph type="dt" sz="half" idx="10"/>
+          </p:nvPr>
+        </p:nvSpPr>
+        <p:spPr/>
+        <p:txBody>
+          <a:bodyPr/>
+          <a:lstStyle/>
+          <a:p>
+            <a:fld id="{87E96F11-32C1-0647-8775-D1AB0BA87447}" type="datetime1">
+              <a:rPr lang="en-US" smtClean="0"/>
+              <a:t>2/11/17</a:t>
+            </a:fld>
+            <a:endParaRPr lang="en-US"/>
+          </a:p>
+        </p:txBody>
+      </p:sp>
+      <p:sp>
+        <p:nvSpPr>
+          <p:cNvPr id="5" name="Footer Placeholder 4"/>
+          <p:cNvSpPr>
+            <a:spLocks noGrp="1"/>
+          </p:cNvSpPr>
+          <p:nvPr>
+            <p:ph type="ftr" sz="quarter" idx="11"/>
+          </p:nvPr>
+        </p:nvSpPr>
+        <p:spPr/>
+        <p:txBody>
+          <a:bodyPr/>
+          <a:lstStyle/>
+          <a:p>
+            <a:r>
+              <a:rPr lang="en-US" smtClean="0"/>
+              <a:t>Copyright © EV3Lessons.com 2016 (Last edit: 07/04/2016)</a:t>
+            </a:r>
+            <a:endParaRPr lang="en-US"/>
+          </a:p>
+        </p:txBody>
+      </p:sp>
+      <p:sp>
+        <p:nvSpPr>
+          <p:cNvPr id="6" name="Slide Number Placeholder 5"/>
+          <p:cNvSpPr>
+            <a:spLocks noGrp="1"/>
+          </p:cNvSpPr>
+          <p:nvPr>
+            <p:ph type="sldNum" sz="quarter" idx="12"/>
+          </p:nvPr>
+        </p:nvSpPr>
+        <p:spPr/>
+        <p:txBody>
+          <a:bodyPr/>
+          <a:lstStyle/>
+          <a:p>
+            <a:fld id="{DE42E464-3EB8-43C8-8768-9E2AD4F497B7}" type="slidenum">
+              <a:rPr lang="en-US" smtClean="0"/>
+              <a:t>‹#›</a:t>
+            </a:fld>
+            <a:endParaRPr lang="en-US"/>
+          </a:p>
+        </p:txBody>
+      </p:sp>
+    </p:spTree>
+    <p:extLst/>
+  </p:cSld>
+  <p:clrMapOvr>
+    <a:masterClrMapping/>
+  </p:clrMapOvr>
+</p:sldLayout>
+</file>
+
+<file path=ppt/slideLayouts/slideLayout15.xml><?xml version="1.0" encoding="utf-8"?>
+<p:sldLayout xmlns:a="http://schemas.openxmlformats.org/drawingml/2006/main" xmlns:r="http://schemas.openxmlformats.org/officeDocument/2006/relationships" xmlns:p="http://schemas.openxmlformats.org/presentationml/2006/main" type="twoObj" preserve="1">
+  <p:cSld name="Two Content">
+    <p:spTree>
+      <p:nvGrpSpPr>
+        <p:cNvPr id="1" name=""/>
+        <p:cNvGrpSpPr/>
+        <p:nvPr/>
+      </p:nvGrpSpPr>
+      <p:grpSpPr>
+        <a:xfrm>
+          <a:off x="0" y="0"/>
+          <a:ext cx="0" cy="0"/>
+          <a:chOff x="0" y="0"/>
+          <a:chExt cx="0" cy="0"/>
+        </a:xfrm>
+      </p:grpSpPr>
+      <p:sp>
+        <p:nvSpPr>
+          <p:cNvPr id="2" name="Title 1"/>
+          <p:cNvSpPr>
+            <a:spLocks noGrp="1"/>
+          </p:cNvSpPr>
+          <p:nvPr>
+            <p:ph type="title"/>
+          </p:nvPr>
+        </p:nvSpPr>
+        <p:spPr/>
+        <p:txBody>
+          <a:bodyPr/>
+          <a:lstStyle/>
+          <a:p>
+            <a:r>
+              <a:rPr lang="en-US" smtClean="0"/>
+              <a:t>Click to edit Master title style</a:t>
+            </a:r>
+            <a:endParaRPr lang="en-US"/>
+          </a:p>
+        </p:txBody>
+      </p:sp>
+      <p:sp>
+        <p:nvSpPr>
+          <p:cNvPr id="3" name="Content Placeholder 2"/>
+          <p:cNvSpPr>
+            <a:spLocks noGrp="1"/>
+          </p:cNvSpPr>
+          <p:nvPr>
+            <p:ph sz="half" idx="1"/>
+          </p:nvPr>
+        </p:nvSpPr>
+        <p:spPr>
+          <a:xfrm>
+            <a:off x="628650" y="1825625"/>
+            <a:ext cx="3867150" cy="4351338"/>
+          </a:xfrm>
+        </p:spPr>
+        <p:txBody>
+          <a:bodyPr/>
+          <a:lstStyle/>
+          <a:p>
+            <a:pPr lvl="0"/>
+            <a:r>
+              <a:rPr lang="en-US" smtClean="0"/>
+              <a:t>Click to edit Master text styles</a:t>
+            </a:r>
+          </a:p>
+          <a:p>
+            <a:pPr lvl="1"/>
+            <a:r>
+              <a:rPr lang="en-US" smtClean="0"/>
+              <a:t>Second level</a:t>
+            </a:r>
+          </a:p>
+          <a:p>
+            <a:pPr lvl="2"/>
+            <a:r>
+              <a:rPr lang="en-US" smtClean="0"/>
+              <a:t>Third level</a:t>
+            </a:r>
+          </a:p>
+          <a:p>
+            <a:pPr lvl="3"/>
+            <a:r>
+              <a:rPr lang="en-US" smtClean="0"/>
+              <a:t>Fourth level</a:t>
+            </a:r>
+          </a:p>
+          <a:p>
+            <a:pPr lvl="4"/>
+            <a:r>
+              <a:rPr lang="en-US" smtClean="0"/>
+              <a:t>Fifth level</a:t>
+            </a:r>
+            <a:endParaRPr lang="en-US"/>
+          </a:p>
+        </p:txBody>
+      </p:sp>
+      <p:sp>
+        <p:nvSpPr>
+          <p:cNvPr id="4" name="Content Placeholder 3"/>
+          <p:cNvSpPr>
+            <a:spLocks noGrp="1"/>
+          </p:cNvSpPr>
+          <p:nvPr>
+            <p:ph sz="half" idx="2"/>
+          </p:nvPr>
+        </p:nvSpPr>
+        <p:spPr>
+          <a:xfrm>
+            <a:off x="4648200" y="1825625"/>
+            <a:ext cx="3867150" cy="4351338"/>
+          </a:xfrm>
+        </p:spPr>
+        <p:txBody>
+          <a:bodyPr/>
+          <a:lstStyle/>
+          <a:p>
+            <a:pPr lvl="0"/>
+            <a:r>
+              <a:rPr lang="en-US" smtClean="0"/>
+              <a:t>Click to edit Master text styles</a:t>
+            </a:r>
+          </a:p>
+          <a:p>
+            <a:pPr lvl="1"/>
+            <a:r>
+              <a:rPr lang="en-US" smtClean="0"/>
+              <a:t>Second level</a:t>
+            </a:r>
+          </a:p>
+          <a:p>
+            <a:pPr lvl="2"/>
+            <a:r>
+              <a:rPr lang="en-US" smtClean="0"/>
+              <a:t>Third level</a:t>
+            </a:r>
+          </a:p>
+          <a:p>
+            <a:pPr lvl="3"/>
+            <a:r>
+              <a:rPr lang="en-US" smtClean="0"/>
+              <a:t>Fourth level</a:t>
+            </a:r>
+          </a:p>
+          <a:p>
+            <a:pPr lvl="4"/>
+            <a:r>
+              <a:rPr lang="en-US" smtClean="0"/>
+              <a:t>Fifth level</a:t>
+            </a:r>
+            <a:endParaRPr lang="en-US"/>
+          </a:p>
+        </p:txBody>
+      </p:sp>
+      <p:sp>
+        <p:nvSpPr>
+          <p:cNvPr id="5" name="Date Placeholder 4"/>
+          <p:cNvSpPr>
+            <a:spLocks noGrp="1"/>
+          </p:cNvSpPr>
+          <p:nvPr>
+            <p:ph type="dt" sz="half" idx="10"/>
+          </p:nvPr>
+        </p:nvSpPr>
+        <p:spPr/>
+        <p:txBody>
+          <a:bodyPr/>
+          <a:lstStyle/>
+          <a:p>
+            <a:fld id="{BF29773A-9F6B-644E-8854-3F0DE6573F35}" type="datetime1">
+              <a:rPr lang="en-US" smtClean="0"/>
+              <a:t>2/11/17</a:t>
+            </a:fld>
+            <a:endParaRPr lang="en-US"/>
+          </a:p>
+        </p:txBody>
+      </p:sp>
+      <p:sp>
+        <p:nvSpPr>
+          <p:cNvPr id="6" name="Footer Placeholder 5"/>
+          <p:cNvSpPr>
+            <a:spLocks noGrp="1"/>
+          </p:cNvSpPr>
+          <p:nvPr>
+            <p:ph type="ftr" sz="quarter" idx="11"/>
+          </p:nvPr>
+        </p:nvSpPr>
+        <p:spPr/>
+        <p:txBody>
+          <a:bodyPr/>
+          <a:lstStyle/>
+          <a:p>
+            <a:r>
+              <a:rPr lang="en-US" smtClean="0"/>
+              <a:t>Copyright © EV3Lessons.com 2016 (Last edit: 07/04/2016)</a:t>
+            </a:r>
+            <a:endParaRPr lang="en-US"/>
+          </a:p>
+        </p:txBody>
+      </p:sp>
+      <p:sp>
+        <p:nvSpPr>
+          <p:cNvPr id="7" name="Slide Number Placeholder 6"/>
+          <p:cNvSpPr>
+            <a:spLocks noGrp="1"/>
+          </p:cNvSpPr>
+          <p:nvPr>
+            <p:ph type="sldNum" sz="quarter" idx="12"/>
+          </p:nvPr>
+        </p:nvSpPr>
+        <p:spPr/>
+        <p:txBody>
+          <a:bodyPr/>
+          <a:lstStyle/>
+          <a:p>
+            <a:fld id="{DE42E464-3EB8-43C8-8768-9E2AD4F497B7}" type="slidenum">
+              <a:rPr lang="en-US" smtClean="0"/>
+              <a:t>‹#›</a:t>
+            </a:fld>
+            <a:endParaRPr lang="en-US"/>
+          </a:p>
+        </p:txBody>
+      </p:sp>
+    </p:spTree>
+    <p:extLst/>
+  </p:cSld>
+  <p:clrMapOvr>
+    <a:masterClrMapping/>
+  </p:clrMapOvr>
+</p:sldLayout>
+</file>
+
+<file path=ppt/slideLayouts/slideLayout16.xml><?xml version="1.0" encoding="utf-8"?>
+<p:sldLayout xmlns:a="http://schemas.openxmlformats.org/drawingml/2006/main" xmlns:r="http://schemas.openxmlformats.org/officeDocument/2006/relationships" xmlns:p="http://schemas.openxmlformats.org/presentationml/2006/main" type="twoTxTwoObj" preserve="1">
+  <p:cSld name="Comparison">
+    <p:spTree>
+      <p:nvGrpSpPr>
+        <p:cNvPr id="1" name=""/>
+        <p:cNvGrpSpPr/>
+        <p:nvPr/>
+      </p:nvGrpSpPr>
+      <p:grpSpPr>
+        <a:xfrm>
+          <a:off x="0" y="0"/>
+          <a:ext cx="0" cy="0"/>
+          <a:chOff x="0" y="0"/>
+          <a:chExt cx="0" cy="0"/>
+        </a:xfrm>
+      </p:grpSpPr>
+      <p:sp>
+        <p:nvSpPr>
+          <p:cNvPr id="2" name="Title 1"/>
+          <p:cNvSpPr>
+            <a:spLocks noGrp="1"/>
+          </p:cNvSpPr>
+          <p:nvPr>
+            <p:ph type="title"/>
+          </p:nvPr>
+        </p:nvSpPr>
+        <p:spPr>
+          <a:xfrm>
+            <a:off x="630238" y="365125"/>
+            <a:ext cx="7886700" cy="1325563"/>
+          </a:xfrm>
+        </p:spPr>
+        <p:txBody>
+          <a:bodyPr/>
+          <a:lstStyle/>
+          <a:p>
+            <a:r>
+              <a:rPr lang="en-US" smtClean="0"/>
+              <a:t>Click to edit Master title style</a:t>
+            </a:r>
+            <a:endParaRPr lang="en-US"/>
+          </a:p>
+        </p:txBody>
+      </p:sp>
+      <p:sp>
+        <p:nvSpPr>
+          <p:cNvPr id="3" name="Text Placeholder 2"/>
+          <p:cNvSpPr>
+            <a:spLocks noGrp="1"/>
+          </p:cNvSpPr>
+          <p:nvPr>
+            <p:ph type="body" idx="1"/>
+          </p:nvPr>
+        </p:nvSpPr>
+        <p:spPr>
+          <a:xfrm>
+            <a:off x="630238" y="1681163"/>
+            <a:ext cx="3868737" cy="823912"/>
+          </a:xfrm>
+        </p:spPr>
+        <p:txBody>
+          <a:bodyPr anchor="b"/>
+          <a:lstStyle>
+            <a:lvl1pPr marL="0" indent="0">
+              <a:buNone/>
+              <a:defRPr sz="2400" b="1"/>
+            </a:lvl1pPr>
+            <a:lvl2pPr marL="457200" indent="0">
+              <a:buNone/>
+              <a:defRPr sz="2000" b="1"/>
+            </a:lvl2pPr>
+            <a:lvl3pPr marL="914400" indent="0">
+              <a:buNone/>
+              <a:defRPr sz="1800" b="1"/>
+            </a:lvl3pPr>
+            <a:lvl4pPr marL="1371600" indent="0">
+              <a:buNone/>
+              <a:defRPr sz="1600" b="1"/>
+            </a:lvl4pPr>
+            <a:lvl5pPr marL="1828800" indent="0">
+              <a:buNone/>
+              <a:defRPr sz="1600" b="1"/>
+            </a:lvl5pPr>
+            <a:lvl6pPr marL="2286000" indent="0">
+              <a:buNone/>
+              <a:defRPr sz="1600" b="1"/>
+            </a:lvl6pPr>
+            <a:lvl7pPr marL="2743200" indent="0">
+              <a:buNone/>
+              <a:defRPr sz="1600" b="1"/>
+            </a:lvl7pPr>
+            <a:lvl8pPr marL="3200400" indent="0">
+              <a:buNone/>
+              <a:defRPr sz="1600" b="1"/>
+            </a:lvl8pPr>
+            <a:lvl9pPr marL="3657600" indent="0">
+              <a:buNone/>
+              <a:defRPr sz="1600" b="1"/>
+            </a:lvl9pPr>
+          </a:lstStyle>
+          <a:p>
+            <a:pPr lvl="0"/>
+            <a:r>
+              <a:rPr lang="en-US" smtClean="0"/>
+              <a:t>Click to edit Master text styles</a:t>
+            </a:r>
+          </a:p>
+        </p:txBody>
+      </p:sp>
+      <p:sp>
+        <p:nvSpPr>
+          <p:cNvPr id="4" name="Content Placeholder 3"/>
+          <p:cNvSpPr>
+            <a:spLocks noGrp="1"/>
+          </p:cNvSpPr>
+          <p:nvPr>
+            <p:ph sz="half" idx="2"/>
+          </p:nvPr>
+        </p:nvSpPr>
+        <p:spPr>
+          <a:xfrm>
+            <a:off x="630238" y="2505075"/>
+            <a:ext cx="3868737" cy="3684588"/>
+          </a:xfrm>
+        </p:spPr>
+        <p:txBody>
+          <a:bodyPr/>
+          <a:lstStyle/>
+          <a:p>
+            <a:pPr lvl="0"/>
+            <a:r>
+              <a:rPr lang="en-US" smtClean="0"/>
+              <a:t>Click to edit Master text styles</a:t>
+            </a:r>
+          </a:p>
+          <a:p>
+            <a:pPr lvl="1"/>
+            <a:r>
+              <a:rPr lang="en-US" smtClean="0"/>
+              <a:t>Second level</a:t>
+            </a:r>
+          </a:p>
+          <a:p>
+            <a:pPr lvl="2"/>
+            <a:r>
+              <a:rPr lang="en-US" smtClean="0"/>
+              <a:t>Third level</a:t>
+            </a:r>
+          </a:p>
+          <a:p>
+            <a:pPr lvl="3"/>
+            <a:r>
+              <a:rPr lang="en-US" smtClean="0"/>
+              <a:t>Fourth level</a:t>
+            </a:r>
+          </a:p>
+          <a:p>
+            <a:pPr lvl="4"/>
+            <a:r>
+              <a:rPr lang="en-US" smtClean="0"/>
+              <a:t>Fifth level</a:t>
+            </a:r>
+            <a:endParaRPr lang="en-US"/>
+          </a:p>
+        </p:txBody>
+      </p:sp>
+      <p:sp>
+        <p:nvSpPr>
+          <p:cNvPr id="5" name="Text Placeholder 4"/>
+          <p:cNvSpPr>
+            <a:spLocks noGrp="1"/>
+          </p:cNvSpPr>
+          <p:nvPr>
+            <p:ph type="body" sz="quarter" idx="3"/>
+          </p:nvPr>
+        </p:nvSpPr>
+        <p:spPr>
+          <a:xfrm>
+            <a:off x="4629150" y="1681163"/>
+            <a:ext cx="3887788" cy="823912"/>
+          </a:xfrm>
+        </p:spPr>
+        <p:txBody>
+          <a:bodyPr anchor="b"/>
+          <a:lstStyle>
+            <a:lvl1pPr marL="0" indent="0">
+              <a:buNone/>
+              <a:defRPr sz="2400" b="1"/>
+            </a:lvl1pPr>
+            <a:lvl2pPr marL="457200" indent="0">
+              <a:buNone/>
+              <a:defRPr sz="2000" b="1"/>
+            </a:lvl2pPr>
+            <a:lvl3pPr marL="914400" indent="0">
+              <a:buNone/>
+              <a:defRPr sz="1800" b="1"/>
+            </a:lvl3pPr>
+            <a:lvl4pPr marL="1371600" indent="0">
+              <a:buNone/>
+              <a:defRPr sz="1600" b="1"/>
+            </a:lvl4pPr>
+            <a:lvl5pPr marL="1828800" indent="0">
+              <a:buNone/>
+              <a:defRPr sz="1600" b="1"/>
+            </a:lvl5pPr>
+            <a:lvl6pPr marL="2286000" indent="0">
+              <a:buNone/>
+              <a:defRPr sz="1600" b="1"/>
+            </a:lvl6pPr>
+            <a:lvl7pPr marL="2743200" indent="0">
+              <a:buNone/>
+              <a:defRPr sz="1600" b="1"/>
+            </a:lvl7pPr>
+            <a:lvl8pPr marL="3200400" indent="0">
+              <a:buNone/>
+              <a:defRPr sz="1600" b="1"/>
+            </a:lvl8pPr>
+            <a:lvl9pPr marL="3657600" indent="0">
+              <a:buNone/>
+              <a:defRPr sz="1600" b="1"/>
+            </a:lvl9pPr>
+          </a:lstStyle>
+          <a:p>
+            <a:pPr lvl="0"/>
+            <a:r>
+              <a:rPr lang="en-US" smtClean="0"/>
+              <a:t>Click to edit Master text styles</a:t>
+            </a:r>
+          </a:p>
+        </p:txBody>
+      </p:sp>
+      <p:sp>
+        <p:nvSpPr>
+          <p:cNvPr id="6" name="Content Placeholder 5"/>
+          <p:cNvSpPr>
+            <a:spLocks noGrp="1"/>
+          </p:cNvSpPr>
+          <p:nvPr>
+            <p:ph sz="quarter" idx="4"/>
+          </p:nvPr>
+        </p:nvSpPr>
+        <p:spPr>
+          <a:xfrm>
+            <a:off x="4629150" y="2505075"/>
+            <a:ext cx="3887788" cy="3684588"/>
+          </a:xfrm>
+        </p:spPr>
+        <p:txBody>
+          <a:bodyPr/>
+          <a:lstStyle/>
+          <a:p>
+            <a:pPr lvl="0"/>
+            <a:r>
+              <a:rPr lang="en-US" smtClean="0"/>
+              <a:t>Click to edit Master text styles</a:t>
+            </a:r>
+          </a:p>
+          <a:p>
+            <a:pPr lvl="1"/>
+            <a:r>
+              <a:rPr lang="en-US" smtClean="0"/>
+              <a:t>Second level</a:t>
+            </a:r>
+          </a:p>
+          <a:p>
+            <a:pPr lvl="2"/>
+            <a:r>
+              <a:rPr lang="en-US" smtClean="0"/>
+              <a:t>Third level</a:t>
+            </a:r>
+          </a:p>
+          <a:p>
+            <a:pPr lvl="3"/>
+            <a:r>
+              <a:rPr lang="en-US" smtClean="0"/>
+              <a:t>Fourth level</a:t>
+            </a:r>
+          </a:p>
+          <a:p>
+            <a:pPr lvl="4"/>
+            <a:r>
+              <a:rPr lang="en-US" smtClean="0"/>
+              <a:t>Fifth level</a:t>
+            </a:r>
+            <a:endParaRPr lang="en-US"/>
+          </a:p>
+        </p:txBody>
+      </p:sp>
+      <p:sp>
+        <p:nvSpPr>
+          <p:cNvPr id="7" name="Date Placeholder 6"/>
+          <p:cNvSpPr>
+            <a:spLocks noGrp="1"/>
+          </p:cNvSpPr>
+          <p:nvPr>
+            <p:ph type="dt" sz="half" idx="10"/>
+          </p:nvPr>
+        </p:nvSpPr>
+        <p:spPr/>
+        <p:txBody>
+          <a:bodyPr/>
+          <a:lstStyle/>
+          <a:p>
+            <a:fld id="{5F1887CE-B5F5-C846-B1D4-89864134B8B5}" type="datetime1">
+              <a:rPr lang="en-US" smtClean="0"/>
+              <a:t>2/11/17</a:t>
+            </a:fld>
+            <a:endParaRPr lang="en-US"/>
+          </a:p>
+        </p:txBody>
+      </p:sp>
+      <p:sp>
+        <p:nvSpPr>
+          <p:cNvPr id="8" name="Footer Placeholder 7"/>
+          <p:cNvSpPr>
+            <a:spLocks noGrp="1"/>
+          </p:cNvSpPr>
+          <p:nvPr>
+            <p:ph type="ftr" sz="quarter" idx="11"/>
+          </p:nvPr>
+        </p:nvSpPr>
+        <p:spPr/>
+        <p:txBody>
+          <a:bodyPr/>
+          <a:lstStyle/>
+          <a:p>
+            <a:r>
+              <a:rPr lang="en-US" smtClean="0"/>
+              <a:t>Copyright © EV3Lessons.com 2016 (Last edit: 07/04/2016)</a:t>
+            </a:r>
+            <a:endParaRPr lang="en-US"/>
+          </a:p>
+        </p:txBody>
+      </p:sp>
+      <p:sp>
+        <p:nvSpPr>
+          <p:cNvPr id="9" name="Slide Number Placeholder 8"/>
+          <p:cNvSpPr>
+            <a:spLocks noGrp="1"/>
+          </p:cNvSpPr>
+          <p:nvPr>
+            <p:ph type="sldNum" sz="quarter" idx="12"/>
+          </p:nvPr>
+        </p:nvSpPr>
+        <p:spPr/>
+        <p:txBody>
+          <a:bodyPr/>
+          <a:lstStyle/>
+          <a:p>
+            <a:fld id="{DE42E464-3EB8-43C8-8768-9E2AD4F497B7}" type="slidenum">
+              <a:rPr lang="en-US" smtClean="0"/>
+              <a:t>‹#›</a:t>
+            </a:fld>
+            <a:endParaRPr lang="en-US"/>
+          </a:p>
+        </p:txBody>
+      </p:sp>
+    </p:spTree>
+    <p:extLst/>
+  </p:cSld>
+  <p:clrMapOvr>
+    <a:masterClrMapping/>
+  </p:clrMapOvr>
+</p:sldLayout>
+</file>
+
+<file path=ppt/slideLayouts/slideLayout17.xml><?xml version="1.0" encoding="utf-8"?>
+<p:sldLayout xmlns:a="http://schemas.openxmlformats.org/drawingml/2006/main" xmlns:r="http://schemas.openxmlformats.org/officeDocument/2006/relationships" xmlns:p="http://schemas.openxmlformats.org/presentationml/2006/main" type="titleOnly" preserve="1">
+  <p:cSld name="Title Only">
+    <p:spTree>
+      <p:nvGrpSpPr>
+        <p:cNvPr id="1" name=""/>
+        <p:cNvGrpSpPr/>
+        <p:nvPr/>
+      </p:nvGrpSpPr>
+      <p:grpSpPr>
+        <a:xfrm>
+          <a:off x="0" y="0"/>
+          <a:ext cx="0" cy="0"/>
+          <a:chOff x="0" y="0"/>
+          <a:chExt cx="0" cy="0"/>
+        </a:xfrm>
+      </p:grpSpPr>
+      <p:sp>
+        <p:nvSpPr>
+          <p:cNvPr id="2" name="Title 1"/>
+          <p:cNvSpPr>
+            <a:spLocks noGrp="1"/>
+          </p:cNvSpPr>
+          <p:nvPr>
+            <p:ph type="title"/>
+          </p:nvPr>
+        </p:nvSpPr>
+        <p:spPr/>
+        <p:txBody>
+          <a:bodyPr/>
+          <a:lstStyle/>
+          <a:p>
+            <a:r>
+              <a:rPr lang="en-US" smtClean="0"/>
+              <a:t>Click to edit Master title style</a:t>
+            </a:r>
+            <a:endParaRPr lang="en-US"/>
+          </a:p>
+        </p:txBody>
+      </p:sp>
+      <p:sp>
+        <p:nvSpPr>
+          <p:cNvPr id="3" name="Date Placeholder 2"/>
+          <p:cNvSpPr>
+            <a:spLocks noGrp="1"/>
+          </p:cNvSpPr>
+          <p:nvPr>
+            <p:ph type="dt" sz="half" idx="10"/>
+          </p:nvPr>
+        </p:nvSpPr>
+        <p:spPr/>
+        <p:txBody>
+          <a:bodyPr/>
+          <a:lstStyle/>
+          <a:p>
+            <a:fld id="{7AEBC33B-711B-1844-9F3C-BCAB2B5BD778}" type="datetime1">
+              <a:rPr lang="en-US" smtClean="0"/>
+              <a:t>2/11/17</a:t>
+            </a:fld>
+            <a:endParaRPr lang="en-US"/>
+          </a:p>
+        </p:txBody>
+      </p:sp>
+      <p:sp>
+        <p:nvSpPr>
+          <p:cNvPr id="4" name="Footer Placeholder 3"/>
+          <p:cNvSpPr>
+            <a:spLocks noGrp="1"/>
+          </p:cNvSpPr>
+          <p:nvPr>
+            <p:ph type="ftr" sz="quarter" idx="11"/>
+          </p:nvPr>
+        </p:nvSpPr>
+        <p:spPr/>
+        <p:txBody>
+          <a:bodyPr/>
+          <a:lstStyle/>
+          <a:p>
+            <a:r>
+              <a:rPr lang="en-US" smtClean="0"/>
+              <a:t>Copyright © EV3Lessons.com 2016 (Last edit: 07/04/2016)</a:t>
+            </a:r>
+            <a:endParaRPr lang="en-US"/>
+          </a:p>
+        </p:txBody>
+      </p:sp>
+      <p:sp>
+        <p:nvSpPr>
+          <p:cNvPr id="5" name="Slide Number Placeholder 4"/>
+          <p:cNvSpPr>
+            <a:spLocks noGrp="1"/>
+          </p:cNvSpPr>
+          <p:nvPr>
+            <p:ph type="sldNum" sz="quarter" idx="12"/>
+          </p:nvPr>
+        </p:nvSpPr>
+        <p:spPr/>
+        <p:txBody>
+          <a:bodyPr/>
+          <a:lstStyle/>
+          <a:p>
+            <a:fld id="{DE42E464-3EB8-43C8-8768-9E2AD4F497B7}" type="slidenum">
+              <a:rPr lang="en-US" smtClean="0"/>
+              <a:t>‹#›</a:t>
+            </a:fld>
+            <a:endParaRPr lang="en-US"/>
+          </a:p>
+        </p:txBody>
+      </p:sp>
+    </p:spTree>
+    <p:extLst/>
+  </p:cSld>
+  <p:clrMapOvr>
+    <a:masterClrMapping/>
+  </p:clrMapOvr>
+</p:sldLayout>
+</file>
+
+<file path=ppt/slideLayouts/slideLayout18.xml><?xml version="1.0" encoding="utf-8"?>
+<p:sldLayout xmlns:a="http://schemas.openxmlformats.org/drawingml/2006/main" xmlns:r="http://schemas.openxmlformats.org/officeDocument/2006/relationships" xmlns:p="http://schemas.openxmlformats.org/presentationml/2006/main" type="blank" preserve="1">
+  <p:cSld name="Blank">
+    <p:spTree>
+      <p:nvGrpSpPr>
+        <p:cNvPr id="1" name=""/>
+        <p:cNvGrpSpPr/>
+        <p:nvPr/>
+      </p:nvGrpSpPr>
+      <p:grpSpPr>
+        <a:xfrm>
+          <a:off x="0" y="0"/>
+          <a:ext cx="0" cy="0"/>
+          <a:chOff x="0" y="0"/>
+          <a:chExt cx="0" cy="0"/>
+        </a:xfrm>
+      </p:grpSpPr>
+      <p:sp>
+        <p:nvSpPr>
+          <p:cNvPr id="2" name="Date Placeholder 1"/>
+          <p:cNvSpPr>
+            <a:spLocks noGrp="1"/>
+          </p:cNvSpPr>
+          <p:nvPr>
+            <p:ph type="dt" sz="half" idx="10"/>
+          </p:nvPr>
+        </p:nvSpPr>
+        <p:spPr/>
+        <p:txBody>
+          <a:bodyPr/>
+          <a:lstStyle/>
+          <a:p>
+            <a:fld id="{F209EC25-A7D8-AB48-8ED4-52E52BF98EDF}" type="datetime1">
+              <a:rPr lang="en-US" smtClean="0"/>
+              <a:t>2/11/17</a:t>
+            </a:fld>
+            <a:endParaRPr lang="en-US"/>
+          </a:p>
+        </p:txBody>
+      </p:sp>
+      <p:sp>
+        <p:nvSpPr>
+          <p:cNvPr id="3" name="Footer Placeholder 2"/>
+          <p:cNvSpPr>
+            <a:spLocks noGrp="1"/>
+          </p:cNvSpPr>
+          <p:nvPr>
+            <p:ph type="ftr" sz="quarter" idx="11"/>
+          </p:nvPr>
+        </p:nvSpPr>
+        <p:spPr/>
+        <p:txBody>
+          <a:bodyPr/>
+          <a:lstStyle/>
+          <a:p>
+            <a:r>
+              <a:rPr lang="en-US" smtClean="0"/>
+              <a:t>Copyright © EV3Lessons.com 2016 (Last edit: 07/04/2016)</a:t>
+            </a:r>
+            <a:endParaRPr lang="en-US"/>
+          </a:p>
+        </p:txBody>
+      </p:sp>
+      <p:sp>
+        <p:nvSpPr>
+          <p:cNvPr id="4" name="Slide Number Placeholder 3"/>
+          <p:cNvSpPr>
+            <a:spLocks noGrp="1"/>
+          </p:cNvSpPr>
+          <p:nvPr>
+            <p:ph type="sldNum" sz="quarter" idx="12"/>
+          </p:nvPr>
+        </p:nvSpPr>
+        <p:spPr/>
+        <p:txBody>
+          <a:bodyPr/>
+          <a:lstStyle/>
+          <a:p>
+            <a:fld id="{DE42E464-3EB8-43C8-8768-9E2AD4F497B7}" type="slidenum">
+              <a:rPr lang="en-US" smtClean="0"/>
+              <a:t>‹#›</a:t>
+            </a:fld>
+            <a:endParaRPr lang="en-US"/>
+          </a:p>
+        </p:txBody>
+      </p:sp>
+    </p:spTree>
+    <p:extLst/>
+  </p:cSld>
+  <p:clrMapOvr>
+    <a:masterClrMapping/>
+  </p:clrMapOvr>
+</p:sldLayout>
+</file>
+
+<file path=ppt/slideLayouts/slideLayout19.xml><?xml version="1.0" encoding="utf-8"?>
+<p:sldLayout xmlns:a="http://schemas.openxmlformats.org/drawingml/2006/main" xmlns:r="http://schemas.openxmlformats.org/officeDocument/2006/relationships" xmlns:p="http://schemas.openxmlformats.org/presentationml/2006/main" type="objTx" preserve="1">
+  <p:cSld name="Content with Caption">
+    <p:spTree>
+      <p:nvGrpSpPr>
+        <p:cNvPr id="1" name=""/>
+        <p:cNvGrpSpPr/>
+        <p:nvPr/>
+      </p:nvGrpSpPr>
+      <p:grpSpPr>
+        <a:xfrm>
+          <a:off x="0" y="0"/>
+          <a:ext cx="0" cy="0"/>
+          <a:chOff x="0" y="0"/>
+          <a:chExt cx="0" cy="0"/>
+        </a:xfrm>
+      </p:grpSpPr>
+      <p:sp>
+        <p:nvSpPr>
+          <p:cNvPr id="2" name="Title 1"/>
+          <p:cNvSpPr>
+            <a:spLocks noGrp="1"/>
+          </p:cNvSpPr>
+          <p:nvPr>
+            <p:ph type="title"/>
+          </p:nvPr>
+        </p:nvSpPr>
+        <p:spPr>
+          <a:xfrm>
+            <a:off x="630238" y="457200"/>
+            <a:ext cx="2949575" cy="1600200"/>
+          </a:xfrm>
+        </p:spPr>
+        <p:txBody>
+          <a:bodyPr anchor="b"/>
+          <a:lstStyle>
+            <a:lvl1pPr>
+              <a:defRPr sz="3200"/>
+            </a:lvl1pPr>
+          </a:lstStyle>
+          <a:p>
+            <a:r>
+              <a:rPr lang="en-US" smtClean="0"/>
+              <a:t>Click to edit Master title style</a:t>
+            </a:r>
+            <a:endParaRPr lang="en-US"/>
+          </a:p>
+        </p:txBody>
+      </p:sp>
+      <p:sp>
+        <p:nvSpPr>
+          <p:cNvPr id="3" name="Content Placeholder 2"/>
+          <p:cNvSpPr>
+            <a:spLocks noGrp="1"/>
+          </p:cNvSpPr>
+          <p:nvPr>
+            <p:ph idx="1"/>
+          </p:nvPr>
+        </p:nvSpPr>
+        <p:spPr>
+          <a:xfrm>
+            <a:off x="3887788" y="987425"/>
+            <a:ext cx="4629150" cy="4873625"/>
+          </a:xfrm>
+        </p:spPr>
+        <p:txBody>
+          <a:bodyPr/>
+          <a:lstStyle>
+            <a:lvl1pPr>
+              <a:defRPr sz="3200"/>
+            </a:lvl1pPr>
+            <a:lvl2pPr>
+              <a:defRPr sz="2800"/>
+            </a:lvl2pPr>
+            <a:lvl3pPr>
+              <a:defRPr sz="2400"/>
+            </a:lvl3pPr>
+            <a:lvl4pPr>
+              <a:defRPr sz="2000"/>
+            </a:lvl4pPr>
+            <a:lvl5pPr>
+              <a:defRPr sz="2000"/>
+            </a:lvl5pPr>
+            <a:lvl6pPr>
+              <a:defRPr sz="2000"/>
+            </a:lvl6pPr>
+            <a:lvl7pPr>
+              <a:defRPr sz="2000"/>
+            </a:lvl7pPr>
+            <a:lvl8pPr>
+              <a:defRPr sz="2000"/>
+            </a:lvl8pPr>
+            <a:lvl9pPr>
+              <a:defRPr sz="2000"/>
+            </a:lvl9pPr>
+          </a:lstStyle>
+          <a:p>
+            <a:pPr lvl="0"/>
+            <a:r>
+              <a:rPr lang="en-US" smtClean="0"/>
+              <a:t>Click to edit Master text styles</a:t>
+            </a:r>
+          </a:p>
+          <a:p>
+            <a:pPr lvl="1"/>
+            <a:r>
+              <a:rPr lang="en-US" smtClean="0"/>
+              <a:t>Second level</a:t>
+            </a:r>
+          </a:p>
+          <a:p>
+            <a:pPr lvl="2"/>
+            <a:r>
+              <a:rPr lang="en-US" smtClean="0"/>
+              <a:t>Third level</a:t>
+            </a:r>
+          </a:p>
+          <a:p>
+            <a:pPr lvl="3"/>
+            <a:r>
+              <a:rPr lang="en-US" smtClean="0"/>
+              <a:t>Fourth level</a:t>
+            </a:r>
+          </a:p>
+          <a:p>
+            <a:pPr lvl="4"/>
+            <a:r>
+              <a:rPr lang="en-US" smtClean="0"/>
+              <a:t>Fifth level</a:t>
+            </a:r>
+            <a:endParaRPr lang="en-US"/>
+          </a:p>
+        </p:txBody>
+      </p:sp>
+      <p:sp>
+        <p:nvSpPr>
+          <p:cNvPr id="4" name="Text Placeholder 3"/>
+          <p:cNvSpPr>
+            <a:spLocks noGrp="1"/>
+          </p:cNvSpPr>
+          <p:nvPr>
+            <p:ph type="body" sz="half" idx="2"/>
+          </p:nvPr>
+        </p:nvSpPr>
+        <p:spPr>
+          <a:xfrm>
+            <a:off x="630238" y="2057400"/>
+            <a:ext cx="2949575" cy="3811588"/>
+          </a:xfrm>
+        </p:spPr>
+        <p:txBody>
+          <a:bodyPr/>
+          <a:lstStyle>
+            <a:lvl1pPr marL="0" indent="0">
+              <a:buNone/>
+              <a:defRPr sz="1600"/>
+            </a:lvl1pPr>
+            <a:lvl2pPr marL="457200" indent="0">
+              <a:buNone/>
+              <a:defRPr sz="1400"/>
+            </a:lvl2pPr>
+            <a:lvl3pPr marL="914400" indent="0">
+              <a:buNone/>
+              <a:defRPr sz="1200"/>
+            </a:lvl3pPr>
+            <a:lvl4pPr marL="1371600" indent="0">
+              <a:buNone/>
+              <a:defRPr sz="1000"/>
+            </a:lvl4pPr>
+            <a:lvl5pPr marL="1828800" indent="0">
+              <a:buNone/>
+              <a:defRPr sz="1000"/>
+            </a:lvl5pPr>
+            <a:lvl6pPr marL="2286000" indent="0">
+              <a:buNone/>
+              <a:defRPr sz="1000"/>
+            </a:lvl6pPr>
+            <a:lvl7pPr marL="2743200" indent="0">
+              <a:buNone/>
+              <a:defRPr sz="1000"/>
+            </a:lvl7pPr>
+            <a:lvl8pPr marL="3200400" indent="0">
+              <a:buNone/>
+              <a:defRPr sz="1000"/>
+            </a:lvl8pPr>
+            <a:lvl9pPr marL="3657600" indent="0">
+              <a:buNone/>
+              <a:defRPr sz="1000"/>
+            </a:lvl9pPr>
+          </a:lstStyle>
+          <a:p>
+            <a:pPr lvl="0"/>
+            <a:r>
+              <a:rPr lang="en-US" smtClean="0"/>
+              <a:t>Click to edit Master text styles</a:t>
+            </a:r>
+          </a:p>
+        </p:txBody>
+      </p:sp>
+      <p:sp>
+        <p:nvSpPr>
+          <p:cNvPr id="5" name="Date Placeholder 4"/>
+          <p:cNvSpPr>
+            <a:spLocks noGrp="1"/>
+          </p:cNvSpPr>
+          <p:nvPr>
+            <p:ph type="dt" sz="half" idx="10"/>
+          </p:nvPr>
+        </p:nvSpPr>
+        <p:spPr/>
+        <p:txBody>
+          <a:bodyPr/>
+          <a:lstStyle/>
+          <a:p>
+            <a:fld id="{84CA1FE6-FF84-C74B-94A0-0BF8B206D8E1}" type="datetime1">
+              <a:rPr lang="en-US" smtClean="0"/>
+              <a:t>2/11/17</a:t>
+            </a:fld>
+            <a:endParaRPr lang="en-US"/>
+          </a:p>
+        </p:txBody>
+      </p:sp>
+      <p:sp>
+        <p:nvSpPr>
+          <p:cNvPr id="6" name="Footer Placeholder 5"/>
+          <p:cNvSpPr>
+            <a:spLocks noGrp="1"/>
+          </p:cNvSpPr>
+          <p:nvPr>
+            <p:ph type="ftr" sz="quarter" idx="11"/>
+          </p:nvPr>
+        </p:nvSpPr>
+        <p:spPr/>
+        <p:txBody>
+          <a:bodyPr/>
+          <a:lstStyle/>
+          <a:p>
+            <a:r>
+              <a:rPr lang="en-US" smtClean="0"/>
+              <a:t>Copyright © EV3Lessons.com 2016 (Last edit: 07/04/2016)</a:t>
+            </a:r>
+            <a:endParaRPr lang="en-US"/>
+          </a:p>
+        </p:txBody>
+      </p:sp>
+      <p:sp>
+        <p:nvSpPr>
+          <p:cNvPr id="7" name="Slide Number Placeholder 6"/>
+          <p:cNvSpPr>
+            <a:spLocks noGrp="1"/>
+          </p:cNvSpPr>
+          <p:nvPr>
+            <p:ph type="sldNum" sz="quarter" idx="12"/>
+          </p:nvPr>
+        </p:nvSpPr>
+        <p:spPr/>
+        <p:txBody>
+          <a:bodyPr/>
+          <a:lstStyle/>
+          <a:p>
+            <a:fld id="{DE42E464-3EB8-43C8-8768-9E2AD4F497B7}" type="slidenum">
+              <a:rPr lang="en-US" smtClean="0"/>
+              <a:t>‹#›</a:t>
+            </a:fld>
+            <a:endParaRPr lang="en-US"/>
+          </a:p>
+        </p:txBody>
+      </p:sp>
+    </p:spTree>
+    <p:extLst/>
   </p:cSld>
   <p:clrMapOvr>
     <a:masterClrMapping/>
@@ -2216,7 +4034,7 @@
           <a:p>
             <a:fld id="{B744FD62-63FF-49C2-8E55-5CF77D7A0691}" type="datetime1">
               <a:rPr lang="en-US" smtClean="0"/>
-              <a:t>6/27/2015</a:t>
+              <a:t>2/11/17</a:t>
             </a:fld>
             <a:endParaRPr lang="en-US"/>
           </a:p>
@@ -2247,18 +4065,18 @@
       </p:sp>
       <p:sp>
         <p:nvSpPr>
-          <p:cNvPr id="7" name="Slide Number Placeholder 6"/>
+          <p:cNvPr id="6" name="Slide Number Placeholder 5"/>
           <p:cNvSpPr>
             <a:spLocks noGrp="1"/>
           </p:cNvSpPr>
           <p:nvPr>
-            <p:ph type="sldNum" sz="quarter" idx="4"/>
+            <p:ph type="sldNum" sz="quarter" idx="12"/>
           </p:nvPr>
         </p:nvSpPr>
         <p:spPr>
           <a:xfrm>
-            <a:off x="8477026" y="6358106"/>
-            <a:ext cx="666974" cy="365125"/>
+            <a:off x="8457383" y="6376457"/>
+            <a:ext cx="627256" cy="365125"/>
           </a:xfrm>
           <a:prstGeom prst="rect">
             <a:avLst/>
@@ -2270,13 +4088,627 @@
           <a:p>
             <a:fld id="{4DBC7FC8-25FB-FC45-8177-2B991DA6778C}" type="slidenum">
               <a:rPr lang="en-US" smtClean="0"/>
-              <a:t>‹nº›</a:t>
+              <a:t>‹#›</a:t>
             </a:fld>
             <a:endParaRPr lang="en-US"/>
           </a:p>
         </p:txBody>
       </p:sp>
     </p:spTree>
+  </p:cSld>
+  <p:clrMapOvr>
+    <a:masterClrMapping/>
+  </p:clrMapOvr>
+  <p:timing>
+    <p:tnLst>
+      <p:par>
+        <p:cTn id="1" dur="indefinite" restart="never" nodeType="tmRoot"/>
+      </p:par>
+    </p:tnLst>
+  </p:timing>
+</p:sldLayout>
+</file>
+
+<file path=ppt/slideLayouts/slideLayout20.xml><?xml version="1.0" encoding="utf-8"?>
+<p:sldLayout xmlns:a="http://schemas.openxmlformats.org/drawingml/2006/main" xmlns:r="http://schemas.openxmlformats.org/officeDocument/2006/relationships" xmlns:p="http://schemas.openxmlformats.org/presentationml/2006/main" type="picTx" preserve="1">
+  <p:cSld name="Picture with Caption">
+    <p:spTree>
+      <p:nvGrpSpPr>
+        <p:cNvPr id="1" name=""/>
+        <p:cNvGrpSpPr/>
+        <p:nvPr/>
+      </p:nvGrpSpPr>
+      <p:grpSpPr>
+        <a:xfrm>
+          <a:off x="0" y="0"/>
+          <a:ext cx="0" cy="0"/>
+          <a:chOff x="0" y="0"/>
+          <a:chExt cx="0" cy="0"/>
+        </a:xfrm>
+      </p:grpSpPr>
+      <p:sp>
+        <p:nvSpPr>
+          <p:cNvPr id="2" name="Title 1"/>
+          <p:cNvSpPr>
+            <a:spLocks noGrp="1"/>
+          </p:cNvSpPr>
+          <p:nvPr>
+            <p:ph type="title"/>
+          </p:nvPr>
+        </p:nvSpPr>
+        <p:spPr>
+          <a:xfrm>
+            <a:off x="630238" y="457200"/>
+            <a:ext cx="2949575" cy="1600200"/>
+          </a:xfrm>
+        </p:spPr>
+        <p:txBody>
+          <a:bodyPr anchor="b"/>
+          <a:lstStyle>
+            <a:lvl1pPr>
+              <a:defRPr sz="3200"/>
+            </a:lvl1pPr>
+          </a:lstStyle>
+          <a:p>
+            <a:r>
+              <a:rPr lang="en-US" smtClean="0"/>
+              <a:t>Click to edit Master title style</a:t>
+            </a:r>
+            <a:endParaRPr lang="en-US"/>
+          </a:p>
+        </p:txBody>
+      </p:sp>
+      <p:sp>
+        <p:nvSpPr>
+          <p:cNvPr id="3" name="Picture Placeholder 2"/>
+          <p:cNvSpPr>
+            <a:spLocks noGrp="1"/>
+          </p:cNvSpPr>
+          <p:nvPr>
+            <p:ph type="pic" idx="1"/>
+          </p:nvPr>
+        </p:nvSpPr>
+        <p:spPr>
+          <a:xfrm>
+            <a:off x="3887788" y="987425"/>
+            <a:ext cx="4629150" cy="4873625"/>
+          </a:xfrm>
+        </p:spPr>
+        <p:txBody>
+          <a:bodyPr/>
+          <a:lstStyle>
+            <a:lvl1pPr marL="0" indent="0">
+              <a:buNone/>
+              <a:defRPr sz="3200"/>
+            </a:lvl1pPr>
+            <a:lvl2pPr marL="457200" indent="0">
+              <a:buNone/>
+              <a:defRPr sz="2800"/>
+            </a:lvl2pPr>
+            <a:lvl3pPr marL="914400" indent="0">
+              <a:buNone/>
+              <a:defRPr sz="2400"/>
+            </a:lvl3pPr>
+            <a:lvl4pPr marL="1371600" indent="0">
+              <a:buNone/>
+              <a:defRPr sz="2000"/>
+            </a:lvl4pPr>
+            <a:lvl5pPr marL="1828800" indent="0">
+              <a:buNone/>
+              <a:defRPr sz="2000"/>
+            </a:lvl5pPr>
+            <a:lvl6pPr marL="2286000" indent="0">
+              <a:buNone/>
+              <a:defRPr sz="2000"/>
+            </a:lvl6pPr>
+            <a:lvl7pPr marL="2743200" indent="0">
+              <a:buNone/>
+              <a:defRPr sz="2000"/>
+            </a:lvl7pPr>
+            <a:lvl8pPr marL="3200400" indent="0">
+              <a:buNone/>
+              <a:defRPr sz="2000"/>
+            </a:lvl8pPr>
+            <a:lvl9pPr marL="3657600" indent="0">
+              <a:buNone/>
+              <a:defRPr sz="2000"/>
+            </a:lvl9pPr>
+          </a:lstStyle>
+          <a:p>
+            <a:r>
+              <a:rPr lang="en-US" smtClean="0"/>
+              <a:t>Drag picture to placeholder or click icon to add</a:t>
+            </a:r>
+            <a:endParaRPr lang="en-US"/>
+          </a:p>
+        </p:txBody>
+      </p:sp>
+      <p:sp>
+        <p:nvSpPr>
+          <p:cNvPr id="4" name="Text Placeholder 3"/>
+          <p:cNvSpPr>
+            <a:spLocks noGrp="1"/>
+          </p:cNvSpPr>
+          <p:nvPr>
+            <p:ph type="body" sz="half" idx="2"/>
+          </p:nvPr>
+        </p:nvSpPr>
+        <p:spPr>
+          <a:xfrm>
+            <a:off x="630238" y="2057400"/>
+            <a:ext cx="2949575" cy="3811588"/>
+          </a:xfrm>
+        </p:spPr>
+        <p:txBody>
+          <a:bodyPr/>
+          <a:lstStyle>
+            <a:lvl1pPr marL="0" indent="0">
+              <a:buNone/>
+              <a:defRPr sz="1600"/>
+            </a:lvl1pPr>
+            <a:lvl2pPr marL="457200" indent="0">
+              <a:buNone/>
+              <a:defRPr sz="1400"/>
+            </a:lvl2pPr>
+            <a:lvl3pPr marL="914400" indent="0">
+              <a:buNone/>
+              <a:defRPr sz="1200"/>
+            </a:lvl3pPr>
+            <a:lvl4pPr marL="1371600" indent="0">
+              <a:buNone/>
+              <a:defRPr sz="1000"/>
+            </a:lvl4pPr>
+            <a:lvl5pPr marL="1828800" indent="0">
+              <a:buNone/>
+              <a:defRPr sz="1000"/>
+            </a:lvl5pPr>
+            <a:lvl6pPr marL="2286000" indent="0">
+              <a:buNone/>
+              <a:defRPr sz="1000"/>
+            </a:lvl6pPr>
+            <a:lvl7pPr marL="2743200" indent="0">
+              <a:buNone/>
+              <a:defRPr sz="1000"/>
+            </a:lvl7pPr>
+            <a:lvl8pPr marL="3200400" indent="0">
+              <a:buNone/>
+              <a:defRPr sz="1000"/>
+            </a:lvl8pPr>
+            <a:lvl9pPr marL="3657600" indent="0">
+              <a:buNone/>
+              <a:defRPr sz="1000"/>
+            </a:lvl9pPr>
+          </a:lstStyle>
+          <a:p>
+            <a:pPr lvl="0"/>
+            <a:r>
+              <a:rPr lang="en-US" smtClean="0"/>
+              <a:t>Click to edit Master text styles</a:t>
+            </a:r>
+          </a:p>
+        </p:txBody>
+      </p:sp>
+      <p:sp>
+        <p:nvSpPr>
+          <p:cNvPr id="5" name="Date Placeholder 4"/>
+          <p:cNvSpPr>
+            <a:spLocks noGrp="1"/>
+          </p:cNvSpPr>
+          <p:nvPr>
+            <p:ph type="dt" sz="half" idx="10"/>
+          </p:nvPr>
+        </p:nvSpPr>
+        <p:spPr/>
+        <p:txBody>
+          <a:bodyPr/>
+          <a:lstStyle/>
+          <a:p>
+            <a:fld id="{51F7F84D-39EF-844E-BF6B-853328168FEF}" type="datetime1">
+              <a:rPr lang="en-US" smtClean="0"/>
+              <a:t>2/11/17</a:t>
+            </a:fld>
+            <a:endParaRPr lang="en-US"/>
+          </a:p>
+        </p:txBody>
+      </p:sp>
+      <p:sp>
+        <p:nvSpPr>
+          <p:cNvPr id="6" name="Footer Placeholder 5"/>
+          <p:cNvSpPr>
+            <a:spLocks noGrp="1"/>
+          </p:cNvSpPr>
+          <p:nvPr>
+            <p:ph type="ftr" sz="quarter" idx="11"/>
+          </p:nvPr>
+        </p:nvSpPr>
+        <p:spPr/>
+        <p:txBody>
+          <a:bodyPr/>
+          <a:lstStyle/>
+          <a:p>
+            <a:r>
+              <a:rPr lang="en-US" smtClean="0"/>
+              <a:t>Copyright © EV3Lessons.com 2016 (Last edit: 07/04/2016)</a:t>
+            </a:r>
+            <a:endParaRPr lang="en-US"/>
+          </a:p>
+        </p:txBody>
+      </p:sp>
+      <p:sp>
+        <p:nvSpPr>
+          <p:cNvPr id="7" name="Slide Number Placeholder 6"/>
+          <p:cNvSpPr>
+            <a:spLocks noGrp="1"/>
+          </p:cNvSpPr>
+          <p:nvPr>
+            <p:ph type="sldNum" sz="quarter" idx="12"/>
+          </p:nvPr>
+        </p:nvSpPr>
+        <p:spPr/>
+        <p:txBody>
+          <a:bodyPr/>
+          <a:lstStyle/>
+          <a:p>
+            <a:fld id="{DE42E464-3EB8-43C8-8768-9E2AD4F497B7}" type="slidenum">
+              <a:rPr lang="en-US" smtClean="0"/>
+              <a:t>‹#›</a:t>
+            </a:fld>
+            <a:endParaRPr lang="en-US"/>
+          </a:p>
+        </p:txBody>
+      </p:sp>
+    </p:spTree>
+    <p:extLst/>
+  </p:cSld>
+  <p:clrMapOvr>
+    <a:masterClrMapping/>
+  </p:clrMapOvr>
+</p:sldLayout>
+</file>
+
+<file path=ppt/slideLayouts/slideLayout21.xml><?xml version="1.0" encoding="utf-8"?>
+<p:sldLayout xmlns:a="http://schemas.openxmlformats.org/drawingml/2006/main" xmlns:r="http://schemas.openxmlformats.org/officeDocument/2006/relationships" xmlns:p="http://schemas.openxmlformats.org/presentationml/2006/main" type="vertTx" preserve="1">
+  <p:cSld name="Title and Vertical Text">
+    <p:spTree>
+      <p:nvGrpSpPr>
+        <p:cNvPr id="1" name=""/>
+        <p:cNvGrpSpPr/>
+        <p:nvPr/>
+      </p:nvGrpSpPr>
+      <p:grpSpPr>
+        <a:xfrm>
+          <a:off x="0" y="0"/>
+          <a:ext cx="0" cy="0"/>
+          <a:chOff x="0" y="0"/>
+          <a:chExt cx="0" cy="0"/>
+        </a:xfrm>
+      </p:grpSpPr>
+      <p:sp>
+        <p:nvSpPr>
+          <p:cNvPr id="2" name="Title 1"/>
+          <p:cNvSpPr>
+            <a:spLocks noGrp="1"/>
+          </p:cNvSpPr>
+          <p:nvPr>
+            <p:ph type="title"/>
+          </p:nvPr>
+        </p:nvSpPr>
+        <p:spPr/>
+        <p:txBody>
+          <a:bodyPr/>
+          <a:lstStyle/>
+          <a:p>
+            <a:r>
+              <a:rPr lang="en-US" smtClean="0"/>
+              <a:t>Click to edit Master title style</a:t>
+            </a:r>
+            <a:endParaRPr lang="en-US"/>
+          </a:p>
+        </p:txBody>
+      </p:sp>
+      <p:sp>
+        <p:nvSpPr>
+          <p:cNvPr id="3" name="Vertical Text Placeholder 2"/>
+          <p:cNvSpPr>
+            <a:spLocks noGrp="1"/>
+          </p:cNvSpPr>
+          <p:nvPr>
+            <p:ph type="body" orient="vert" idx="1"/>
+          </p:nvPr>
+        </p:nvSpPr>
+        <p:spPr/>
+        <p:txBody>
+          <a:bodyPr vert="eaVert"/>
+          <a:lstStyle/>
+          <a:p>
+            <a:pPr lvl="0"/>
+            <a:r>
+              <a:rPr lang="en-US" smtClean="0"/>
+              <a:t>Click to edit Master text styles</a:t>
+            </a:r>
+          </a:p>
+          <a:p>
+            <a:pPr lvl="1"/>
+            <a:r>
+              <a:rPr lang="en-US" smtClean="0"/>
+              <a:t>Second level</a:t>
+            </a:r>
+          </a:p>
+          <a:p>
+            <a:pPr lvl="2"/>
+            <a:r>
+              <a:rPr lang="en-US" smtClean="0"/>
+              <a:t>Third level</a:t>
+            </a:r>
+          </a:p>
+          <a:p>
+            <a:pPr lvl="3"/>
+            <a:r>
+              <a:rPr lang="en-US" smtClean="0"/>
+              <a:t>Fourth level</a:t>
+            </a:r>
+          </a:p>
+          <a:p>
+            <a:pPr lvl="4"/>
+            <a:r>
+              <a:rPr lang="en-US" smtClean="0"/>
+              <a:t>Fifth level</a:t>
+            </a:r>
+            <a:endParaRPr lang="en-US"/>
+          </a:p>
+        </p:txBody>
+      </p:sp>
+      <p:sp>
+        <p:nvSpPr>
+          <p:cNvPr id="4" name="Date Placeholder 3"/>
+          <p:cNvSpPr>
+            <a:spLocks noGrp="1"/>
+          </p:cNvSpPr>
+          <p:nvPr>
+            <p:ph type="dt" sz="half" idx="10"/>
+          </p:nvPr>
+        </p:nvSpPr>
+        <p:spPr/>
+        <p:txBody>
+          <a:bodyPr/>
+          <a:lstStyle/>
+          <a:p>
+            <a:fld id="{DBB2536E-A1EC-6044-B344-3C42F179AAC1}" type="datetime1">
+              <a:rPr lang="en-US" smtClean="0"/>
+              <a:t>2/11/17</a:t>
+            </a:fld>
+            <a:endParaRPr lang="en-US"/>
+          </a:p>
+        </p:txBody>
+      </p:sp>
+      <p:sp>
+        <p:nvSpPr>
+          <p:cNvPr id="5" name="Footer Placeholder 4"/>
+          <p:cNvSpPr>
+            <a:spLocks noGrp="1"/>
+          </p:cNvSpPr>
+          <p:nvPr>
+            <p:ph type="ftr" sz="quarter" idx="11"/>
+          </p:nvPr>
+        </p:nvSpPr>
+        <p:spPr/>
+        <p:txBody>
+          <a:bodyPr/>
+          <a:lstStyle/>
+          <a:p>
+            <a:r>
+              <a:rPr lang="en-US" smtClean="0"/>
+              <a:t>Copyright © EV3Lessons.com 2016 (Last edit: 07/04/2016)</a:t>
+            </a:r>
+            <a:endParaRPr lang="en-US"/>
+          </a:p>
+        </p:txBody>
+      </p:sp>
+      <p:sp>
+        <p:nvSpPr>
+          <p:cNvPr id="6" name="Slide Number Placeholder 5"/>
+          <p:cNvSpPr>
+            <a:spLocks noGrp="1"/>
+          </p:cNvSpPr>
+          <p:nvPr>
+            <p:ph type="sldNum" sz="quarter" idx="12"/>
+          </p:nvPr>
+        </p:nvSpPr>
+        <p:spPr/>
+        <p:txBody>
+          <a:bodyPr/>
+          <a:lstStyle/>
+          <a:p>
+            <a:fld id="{DE42E464-3EB8-43C8-8768-9E2AD4F497B7}" type="slidenum">
+              <a:rPr lang="en-US" smtClean="0"/>
+              <a:t>‹#›</a:t>
+            </a:fld>
+            <a:endParaRPr lang="en-US"/>
+          </a:p>
+        </p:txBody>
+      </p:sp>
+    </p:spTree>
+    <p:extLst/>
+  </p:cSld>
+  <p:clrMapOvr>
+    <a:masterClrMapping/>
+  </p:clrMapOvr>
+</p:sldLayout>
+</file>
+
+<file path=ppt/slideLayouts/slideLayout22.xml><?xml version="1.0" encoding="utf-8"?>
+<p:sldLayout xmlns:a="http://schemas.openxmlformats.org/drawingml/2006/main" xmlns:r="http://schemas.openxmlformats.org/officeDocument/2006/relationships" xmlns:p="http://schemas.openxmlformats.org/presentationml/2006/main" type="vertTitleAndTx" preserve="1">
+  <p:cSld name="Vertical Title and Text">
+    <p:spTree>
+      <p:nvGrpSpPr>
+        <p:cNvPr id="1" name=""/>
+        <p:cNvGrpSpPr/>
+        <p:nvPr/>
+      </p:nvGrpSpPr>
+      <p:grpSpPr>
+        <a:xfrm>
+          <a:off x="0" y="0"/>
+          <a:ext cx="0" cy="0"/>
+          <a:chOff x="0" y="0"/>
+          <a:chExt cx="0" cy="0"/>
+        </a:xfrm>
+      </p:grpSpPr>
+      <p:sp>
+        <p:nvSpPr>
+          <p:cNvPr id="2" name="Vertical Title 1"/>
+          <p:cNvSpPr>
+            <a:spLocks noGrp="1"/>
+          </p:cNvSpPr>
+          <p:nvPr>
+            <p:ph type="title" orient="vert"/>
+          </p:nvPr>
+        </p:nvSpPr>
+        <p:spPr>
+          <a:xfrm>
+            <a:off x="6543675" y="365125"/>
+            <a:ext cx="1971675" cy="5811838"/>
+          </a:xfrm>
+        </p:spPr>
+        <p:txBody>
+          <a:bodyPr vert="eaVert"/>
+          <a:lstStyle/>
+          <a:p>
+            <a:r>
+              <a:rPr lang="en-US" smtClean="0"/>
+              <a:t>Click to edit Master title style</a:t>
+            </a:r>
+            <a:endParaRPr lang="en-US"/>
+          </a:p>
+        </p:txBody>
+      </p:sp>
+      <p:sp>
+        <p:nvSpPr>
+          <p:cNvPr id="3" name="Vertical Text Placeholder 2"/>
+          <p:cNvSpPr>
+            <a:spLocks noGrp="1"/>
+          </p:cNvSpPr>
+          <p:nvPr>
+            <p:ph type="body" orient="vert" idx="1"/>
+          </p:nvPr>
+        </p:nvSpPr>
+        <p:spPr>
+          <a:xfrm>
+            <a:off x="628650" y="365125"/>
+            <a:ext cx="5762625" cy="5811838"/>
+          </a:xfrm>
+        </p:spPr>
+        <p:txBody>
+          <a:bodyPr vert="eaVert"/>
+          <a:lstStyle/>
+          <a:p>
+            <a:pPr lvl="0"/>
+            <a:r>
+              <a:rPr lang="en-US" smtClean="0"/>
+              <a:t>Click to edit Master text styles</a:t>
+            </a:r>
+          </a:p>
+          <a:p>
+            <a:pPr lvl="1"/>
+            <a:r>
+              <a:rPr lang="en-US" smtClean="0"/>
+              <a:t>Second level</a:t>
+            </a:r>
+          </a:p>
+          <a:p>
+            <a:pPr lvl="2"/>
+            <a:r>
+              <a:rPr lang="en-US" smtClean="0"/>
+              <a:t>Third level</a:t>
+            </a:r>
+          </a:p>
+          <a:p>
+            <a:pPr lvl="3"/>
+            <a:r>
+              <a:rPr lang="en-US" smtClean="0"/>
+              <a:t>Fourth level</a:t>
+            </a:r>
+          </a:p>
+          <a:p>
+            <a:pPr lvl="4"/>
+            <a:r>
+              <a:rPr lang="en-US" smtClean="0"/>
+              <a:t>Fifth level</a:t>
+            </a:r>
+            <a:endParaRPr lang="en-US"/>
+          </a:p>
+        </p:txBody>
+      </p:sp>
+      <p:sp>
+        <p:nvSpPr>
+          <p:cNvPr id="4" name="Date Placeholder 3"/>
+          <p:cNvSpPr>
+            <a:spLocks noGrp="1"/>
+          </p:cNvSpPr>
+          <p:nvPr>
+            <p:ph type="dt" sz="half" idx="10"/>
+          </p:nvPr>
+        </p:nvSpPr>
+        <p:spPr/>
+        <p:txBody>
+          <a:bodyPr/>
+          <a:lstStyle/>
+          <a:p>
+            <a:fld id="{25AAE7DB-ADC3-2445-B7E9-F3B6CE7C531F}" type="datetime1">
+              <a:rPr lang="en-US" smtClean="0"/>
+              <a:t>2/11/17</a:t>
+            </a:fld>
+            <a:endParaRPr lang="en-US"/>
+          </a:p>
+        </p:txBody>
+      </p:sp>
+      <p:sp>
+        <p:nvSpPr>
+          <p:cNvPr id="5" name="Footer Placeholder 4"/>
+          <p:cNvSpPr>
+            <a:spLocks noGrp="1"/>
+          </p:cNvSpPr>
+          <p:nvPr>
+            <p:ph type="ftr" sz="quarter" idx="11"/>
+          </p:nvPr>
+        </p:nvSpPr>
+        <p:spPr/>
+        <p:txBody>
+          <a:bodyPr/>
+          <a:lstStyle/>
+          <a:p>
+            <a:r>
+              <a:rPr lang="en-US" smtClean="0"/>
+              <a:t>Copyright © EV3Lessons.com 2016 (Last edit: 07/04/2016)</a:t>
+            </a:r>
+            <a:endParaRPr lang="en-US"/>
+          </a:p>
+        </p:txBody>
+      </p:sp>
+      <p:sp>
+        <p:nvSpPr>
+          <p:cNvPr id="6" name="Slide Number Placeholder 5"/>
+          <p:cNvSpPr>
+            <a:spLocks noGrp="1"/>
+          </p:cNvSpPr>
+          <p:nvPr>
+            <p:ph type="sldNum" sz="quarter" idx="12"/>
+          </p:nvPr>
+        </p:nvSpPr>
+        <p:spPr/>
+        <p:txBody>
+          <a:bodyPr/>
+          <a:lstStyle/>
+          <a:p>
+            <a:fld id="{DE42E464-3EB8-43C8-8768-9E2AD4F497B7}" type="slidenum">
+              <a:rPr lang="en-US" smtClean="0"/>
+              <a:t>‹#›</a:t>
+            </a:fld>
+            <a:endParaRPr lang="en-US"/>
+          </a:p>
+        </p:txBody>
+      </p:sp>
+    </p:spTree>
+    <p:extLst/>
   </p:cSld>
   <p:clrMapOvr>
     <a:masterClrMapping/>
@@ -2477,7 +4909,38 @@
           <a:p>
             <a:fld id="{E0281C12-C1B2-4EB6-B00D-5EA047746BFE}" type="datetime1">
               <a:rPr lang="en-US" smtClean="0"/>
-              <a:t>6/27/2015</a:t>
+              <a:t>2/11/17</a:t>
+            </a:fld>
+            <a:endParaRPr lang="en-US"/>
+          </a:p>
+        </p:txBody>
+      </p:sp>
+      <p:sp>
+        <p:nvSpPr>
+          <p:cNvPr id="8" name="Slide Number Placeholder 7"/>
+          <p:cNvSpPr>
+            <a:spLocks noGrp="1"/>
+          </p:cNvSpPr>
+          <p:nvPr>
+            <p:ph type="sldNum" sz="quarter" idx="11"/>
+          </p:nvPr>
+        </p:nvSpPr>
+        <p:spPr>
+          <a:xfrm rot="16200000">
+            <a:off x="8227377" y="5885497"/>
+            <a:ext cx="1315721" cy="365125"/>
+          </a:xfrm>
+          <a:prstGeom prst="rect">
+            <a:avLst/>
+          </a:prstGeom>
+        </p:spPr>
+        <p:txBody>
+          <a:bodyPr/>
+          <a:lstStyle/>
+          <a:p>
+            <a:fld id="{4DBC7FC8-25FB-FC45-8177-2B991DA6778C}" type="slidenum">
+              <a:rPr lang="en-US" smtClean="0"/>
+              <a:t>‹#›</a:t>
             </a:fld>
             <a:endParaRPr lang="en-US"/>
           </a:p>
@@ -2502,37 +4965,6 @@
               <a:rPr lang="en-US" smtClean="0"/>
               <a:t>© 2015 EV3Lessons.com (Last edit: 2/28/2015)</a:t>
             </a:r>
-            <a:endParaRPr lang="en-US"/>
-          </a:p>
-        </p:txBody>
-      </p:sp>
-      <p:sp>
-        <p:nvSpPr>
-          <p:cNvPr id="10" name="Slide Number Placeholder 6"/>
-          <p:cNvSpPr>
-            <a:spLocks noGrp="1"/>
-          </p:cNvSpPr>
-          <p:nvPr>
-            <p:ph type="sldNum" sz="quarter" idx="4"/>
-          </p:nvPr>
-        </p:nvSpPr>
-        <p:spPr>
-          <a:xfrm>
-            <a:off x="8477026" y="6358106"/>
-            <a:ext cx="666974" cy="365125"/>
-          </a:xfrm>
-          <a:prstGeom prst="rect">
-            <a:avLst/>
-          </a:prstGeom>
-        </p:spPr>
-        <p:txBody>
-          <a:bodyPr/>
-          <a:lstStyle/>
-          <a:p>
-            <a:fld id="{4DBC7FC8-25FB-FC45-8177-2B991DA6778C}" type="slidenum">
-              <a:rPr lang="en-US" smtClean="0"/>
-              <a:t>‹nº›</a:t>
-            </a:fld>
             <a:endParaRPr lang="en-US"/>
           </a:p>
         </p:txBody>
@@ -2725,35 +5157,35 @@
           <a:p>
             <a:pPr lvl="0"/>
             <a:r>
-              <a:rPr lang="en-US" dirty="0" smtClean="0"/>
+              <a:rPr lang="en-US" smtClean="0"/>
               <a:t>Click to edit Master text styles</a:t>
             </a:r>
           </a:p>
           <a:p>
             <a:pPr lvl="1"/>
             <a:r>
-              <a:rPr lang="en-US" dirty="0" smtClean="0"/>
+              <a:rPr lang="en-US" smtClean="0"/>
               <a:t>Second level</a:t>
             </a:r>
           </a:p>
           <a:p>
             <a:pPr lvl="2"/>
             <a:r>
-              <a:rPr lang="en-US" dirty="0" smtClean="0"/>
+              <a:rPr lang="en-US" smtClean="0"/>
               <a:t>Third level</a:t>
             </a:r>
           </a:p>
           <a:p>
             <a:pPr lvl="3"/>
             <a:r>
-              <a:rPr lang="en-US" dirty="0" smtClean="0"/>
+              <a:rPr lang="en-US" smtClean="0"/>
               <a:t>Fourth level</a:t>
             </a:r>
           </a:p>
           <a:p>
             <a:pPr lvl="4"/>
             <a:r>
-              <a:rPr lang="en-US" dirty="0" smtClean="0"/>
+              <a:rPr lang="en-US" smtClean="0"/>
               <a:t>Fifth level</a:t>
             </a:r>
             <a:endParaRPr lang="en-US" dirty="0"/>
@@ -2777,7 +5209,7 @@
           <a:p>
             <a:fld id="{F7E73DC5-FABD-4CD0-9B35-897035875FB2}" type="datetime1">
               <a:rPr lang="en-US" smtClean="0"/>
-              <a:t>6/27/2015</a:t>
+              <a:t>2/11/17</a:t>
             </a:fld>
             <a:endParaRPr lang="en-US"/>
           </a:p>
@@ -2808,12 +5240,12 @@
       </p:sp>
       <p:sp>
         <p:nvSpPr>
-          <p:cNvPr id="8" name="Slide Number Placeholder 6"/>
+          <p:cNvPr id="7" name="Slide Number Placeholder 6"/>
           <p:cNvSpPr>
             <a:spLocks noGrp="1"/>
           </p:cNvSpPr>
           <p:nvPr>
-            <p:ph type="sldNum" sz="quarter" idx="4"/>
+            <p:ph type="sldNum" sz="quarter" idx="12"/>
           </p:nvPr>
         </p:nvSpPr>
         <p:spPr>
@@ -2831,7 +5263,7 @@
           <a:p>
             <a:fld id="{4DBC7FC8-25FB-FC45-8177-2B991DA6778C}" type="slidenum">
               <a:rPr lang="en-US" smtClean="0"/>
-              <a:t>‹nº›</a:t>
+              <a:t>‹#›</a:t>
             </a:fld>
             <a:endParaRPr lang="en-US"/>
           </a:p>
@@ -2842,6 +5274,13 @@
   <p:clrMapOvr>
     <a:masterClrMapping/>
   </p:clrMapOvr>
+  <p:timing>
+    <p:tnLst>
+      <p:par>
+        <p:cTn id="1" dur="indefinite" restart="never" nodeType="tmRoot"/>
+      </p:par>
+    </p:tnLst>
+  </p:timing>
 </p:sldLayout>
 </file>
 
@@ -3228,7 +5667,7 @@
           <a:p>
             <a:fld id="{6291E551-81A0-4A41-B672-39D202B67A67}" type="datetime1">
               <a:rPr lang="en-US" smtClean="0"/>
-              <a:t>6/27/2015</a:t>
+              <a:t>2/11/17</a:t>
             </a:fld>
             <a:endParaRPr lang="en-US"/>
           </a:p>
@@ -3282,7 +5721,7 @@
           <a:p>
             <a:fld id="{4DBC7FC8-25FB-FC45-8177-2B991DA6778C}" type="slidenum">
               <a:rPr lang="en-US" smtClean="0"/>
-              <a:t>‹nº›</a:t>
+              <a:t>‹#›</a:t>
             </a:fld>
             <a:endParaRPr lang="en-US"/>
           </a:p>
@@ -3293,6 +5732,13 @@
   <p:clrMapOvr>
     <a:masterClrMapping/>
   </p:clrMapOvr>
+  <p:timing>
+    <p:tnLst>
+      <p:par>
+        <p:cTn id="1" dur="indefinite" restart="never" nodeType="tmRoot"/>
+      </p:par>
+    </p:tnLst>
+  </p:timing>
 </p:sldLayout>
 </file>
 
@@ -3353,7 +5799,7 @@
           <a:p>
             <a:fld id="{D25C93B4-6620-4F3A-9A8C-6A619592FB07}" type="datetime1">
               <a:rPr lang="en-US" smtClean="0"/>
-              <a:t>6/27/2015</a:t>
+              <a:t>2/11/17</a:t>
             </a:fld>
             <a:endParaRPr lang="en-US"/>
           </a:p>
@@ -3389,7 +5835,7 @@
             <a:spLocks noGrp="1"/>
           </p:cNvSpPr>
           <p:nvPr>
-            <p:ph type="sldNum" sz="quarter" idx="4"/>
+            <p:ph type="sldNum" sz="quarter" idx="12"/>
           </p:nvPr>
         </p:nvSpPr>
         <p:spPr>
@@ -3407,7 +5853,7 @@
           <a:p>
             <a:fld id="{4DBC7FC8-25FB-FC45-8177-2B991DA6778C}" type="slidenum">
               <a:rPr lang="en-US" smtClean="0"/>
-              <a:t>‹nº›</a:t>
+              <a:t>‹#›</a:t>
             </a:fld>
             <a:endParaRPr lang="en-US"/>
           </a:p>
@@ -3418,6 +5864,13 @@
   <p:clrMapOvr>
     <a:masterClrMapping/>
   </p:clrMapOvr>
+  <p:timing>
+    <p:tnLst>
+      <p:par>
+        <p:cTn id="1" dur="indefinite" restart="never" nodeType="tmRoot"/>
+      </p:par>
+    </p:tnLst>
+  </p:timing>
 </p:sldLayout>
 </file>
 
@@ -3455,7 +5908,7 @@
           <a:p>
             <a:fld id="{E73D6DDA-3CA6-4617-8B7E-B5E120C5BC04}" type="datetime1">
               <a:rPr lang="en-US" smtClean="0"/>
-              <a:t>6/27/2015</a:t>
+              <a:t>2/11/17</a:t>
             </a:fld>
             <a:endParaRPr lang="en-US"/>
           </a:p>
@@ -3486,18 +5939,18 @@
       </p:sp>
       <p:sp>
         <p:nvSpPr>
-          <p:cNvPr id="5" name="Slide Number Placeholder 6"/>
+          <p:cNvPr id="4" name="Slide Number Placeholder 3"/>
           <p:cNvSpPr>
             <a:spLocks noGrp="1"/>
           </p:cNvSpPr>
           <p:nvPr>
-            <p:ph type="sldNum" sz="quarter" idx="4"/>
+            <p:ph type="sldNum" sz="quarter" idx="12"/>
           </p:nvPr>
         </p:nvSpPr>
         <p:spPr>
-          <a:xfrm>
-            <a:off x="8477026" y="6358106"/>
-            <a:ext cx="666974" cy="365125"/>
+          <a:xfrm rot="16200000">
+            <a:off x="8227377" y="5885497"/>
+            <a:ext cx="1315721" cy="365125"/>
           </a:xfrm>
           <a:prstGeom prst="rect">
             <a:avLst/>
@@ -3509,7 +5962,7 @@
           <a:p>
             <a:fld id="{4DBC7FC8-25FB-FC45-8177-2B991DA6778C}" type="slidenum">
               <a:rPr lang="en-US" smtClean="0"/>
-              <a:t>‹nº›</a:t>
+              <a:t>‹#›</a:t>
             </a:fld>
             <a:endParaRPr lang="en-US"/>
           </a:p>
@@ -3709,7 +6162,7 @@
           <a:p>
             <a:fld id="{19A0D056-0074-4E40-B1A7-1409BEB26454}" type="datetime1">
               <a:rPr lang="en-US" smtClean="0"/>
-              <a:t>6/27/2015</a:t>
+              <a:t>2/11/17</a:t>
             </a:fld>
             <a:endParaRPr lang="en-US"/>
           </a:p>
@@ -3740,6 +6193,37 @@
       </p:sp>
       <p:sp>
         <p:nvSpPr>
+          <p:cNvPr id="7" name="Slide Number Placeholder 6"/>
+          <p:cNvSpPr>
+            <a:spLocks noGrp="1"/>
+          </p:cNvSpPr>
+          <p:nvPr>
+            <p:ph type="sldNum" sz="quarter" idx="12"/>
+          </p:nvPr>
+        </p:nvSpPr>
+        <p:spPr>
+          <a:xfrm rot="16200000">
+            <a:off x="8227377" y="5885497"/>
+            <a:ext cx="1315721" cy="365125"/>
+          </a:xfrm>
+          <a:prstGeom prst="rect">
+            <a:avLst/>
+          </a:prstGeom>
+        </p:spPr>
+        <p:txBody>
+          <a:bodyPr/>
+          <a:lstStyle/>
+          <a:p>
+            <a:fld id="{4DBC7FC8-25FB-FC45-8177-2B991DA6778C}" type="slidenum">
+              <a:rPr lang="en-US" smtClean="0"/>
+              <a:t>‹#›</a:t>
+            </a:fld>
+            <a:endParaRPr lang="en-US"/>
+          </a:p>
+        </p:txBody>
+      </p:sp>
+      <p:sp>
+        <p:nvSpPr>
           <p:cNvPr id="8" name="Title 7"/>
           <p:cNvSpPr>
             <a:spLocks noGrp="1"/>
@@ -3757,37 +6241,6 @@
               <a:rPr lang="en-US" smtClean="0"/>
               <a:t>Click to edit Master title style</a:t>
             </a:r>
-            <a:endParaRPr lang="en-US"/>
-          </a:p>
-        </p:txBody>
-      </p:sp>
-      <p:sp>
-        <p:nvSpPr>
-          <p:cNvPr id="9" name="Slide Number Placeholder 6"/>
-          <p:cNvSpPr>
-            <a:spLocks noGrp="1"/>
-          </p:cNvSpPr>
-          <p:nvPr>
-            <p:ph type="sldNum" sz="quarter" idx="4"/>
-          </p:nvPr>
-        </p:nvSpPr>
-        <p:spPr>
-          <a:xfrm>
-            <a:off x="8477026" y="6358106"/>
-            <a:ext cx="666974" cy="365125"/>
-          </a:xfrm>
-          <a:prstGeom prst="rect">
-            <a:avLst/>
-          </a:prstGeom>
-        </p:spPr>
-        <p:txBody>
-          <a:bodyPr/>
-          <a:lstStyle/>
-          <a:p>
-            <a:fld id="{4DBC7FC8-25FB-FC45-8177-2B991DA6778C}" type="slidenum">
-              <a:rPr lang="en-US" smtClean="0"/>
-              <a:t>‹nº›</a:t>
-            </a:fld>
             <a:endParaRPr lang="en-US"/>
           </a:p>
         </p:txBody>
@@ -4015,7 +6468,7 @@
           <a:p>
             <a:fld id="{EEAB3C24-83FF-47B3-BCFC-45BFD7130B03}" type="datetime1">
               <a:rPr lang="en-US" smtClean="0"/>
-              <a:t>6/27/2015</a:t>
+              <a:t>2/11/17</a:t>
             </a:fld>
             <a:endParaRPr lang="en-US"/>
           </a:p>
@@ -4040,6 +6493,45 @@
               <a:rPr lang="en-US" smtClean="0"/>
               <a:t>© 2015 EV3Lessons.com (Last edit: 2/28/2015)</a:t>
             </a:r>
+            <a:endParaRPr lang="en-US"/>
+          </a:p>
+        </p:txBody>
+      </p:sp>
+      <p:sp>
+        <p:nvSpPr>
+          <p:cNvPr id="7" name="Slide Number Placeholder 6"/>
+          <p:cNvSpPr>
+            <a:spLocks noGrp="1"/>
+          </p:cNvSpPr>
+          <p:nvPr>
+            <p:ph type="sldNum" sz="quarter" idx="12"/>
+          </p:nvPr>
+        </p:nvSpPr>
+        <p:spPr>
+          <a:xfrm rot="16200000">
+            <a:off x="8227377" y="5885497"/>
+            <a:ext cx="1315721" cy="365125"/>
+          </a:xfrm>
+          <a:prstGeom prst="rect">
+            <a:avLst/>
+          </a:prstGeom>
+        </p:spPr>
+        <p:txBody>
+          <a:bodyPr/>
+          <a:lstStyle>
+            <a:lvl1pPr>
+              <a:defRPr>
+                <a:solidFill>
+                  <a:schemeClr val="tx1"/>
+                </a:solidFill>
+              </a:defRPr>
+            </a:lvl1pPr>
+          </a:lstStyle>
+          <a:p>
+            <a:fld id="{4DBC7FC8-25FB-FC45-8177-2B991DA6778C}" type="slidenum">
+              <a:rPr lang="en-US" smtClean="0"/>
+              <a:t>‹#›</a:t>
+            </a:fld>
             <a:endParaRPr lang="en-US"/>
           </a:p>
         </p:txBody>
@@ -4124,37 +6616,6 @@
           </a:p>
         </p:txBody>
       </p:sp>
-      <p:sp>
-        <p:nvSpPr>
-          <p:cNvPr id="11" name="Slide Number Placeholder 6"/>
-          <p:cNvSpPr>
-            <a:spLocks noGrp="1"/>
-          </p:cNvSpPr>
-          <p:nvPr>
-            <p:ph type="sldNum" sz="quarter" idx="4"/>
-          </p:nvPr>
-        </p:nvSpPr>
-        <p:spPr>
-          <a:xfrm>
-            <a:off x="8477026" y="6358106"/>
-            <a:ext cx="666974" cy="365125"/>
-          </a:xfrm>
-          <a:prstGeom prst="rect">
-            <a:avLst/>
-          </a:prstGeom>
-        </p:spPr>
-        <p:txBody>
-          <a:bodyPr/>
-          <a:lstStyle/>
-          <a:p>
-            <a:fld id="{4DBC7FC8-25FB-FC45-8177-2B991DA6778C}" type="slidenum">
-              <a:rPr lang="en-US" smtClean="0"/>
-              <a:t>‹nº›</a:t>
-            </a:fld>
-            <a:endParaRPr lang="en-US"/>
-          </a:p>
-        </p:txBody>
-      </p:sp>
     </p:spTree>
   </p:cSld>
   <p:clrMapOvr>
@@ -4164,7 +6625,7 @@
 </file>
 
 <file path=ppt/slideMasters/slideMaster1.xml><?xml version="1.0" encoding="utf-8"?>
-<p:sldMaster xmlns:a="http://schemas.openxmlformats.org/drawingml/2006/main" xmlns:r="http://schemas.openxmlformats.org/officeDocument/2006/relationships" xmlns:p="http://schemas.openxmlformats.org/presentationml/2006/main">
+<p:sldMaster xmlns:a="http://schemas.openxmlformats.org/drawingml/2006/main" xmlns:r="http://schemas.openxmlformats.org/officeDocument/2006/relationships" xmlns:p="http://schemas.openxmlformats.org/presentationml/2006/main" preserve="1">
   <p:cSld>
     <p:bg>
       <p:bgRef idx="1001">
@@ -4211,7 +6672,7 @@
           <a:lstStyle/>
           <a:p>
             <a:r>
-              <a:rPr lang="en-US" dirty="0" smtClean="0"/>
+              <a:rPr lang="en-US" smtClean="0"/>
               <a:t>Click to edit Master title style</a:t>
             </a:r>
             <a:endParaRPr lang="en-US" dirty="0"/>
@@ -4313,7 +6774,7 @@
           <a:p>
             <a:fld id="{9643CE61-8FA2-40C7-B457-2C5467A12179}" type="datetime1">
               <a:rPr lang="en-US" smtClean="0"/>
-              <a:t>6/27/2015</a:t>
+              <a:t>2/11/17</a:t>
             </a:fld>
             <a:endParaRPr lang="en-US"/>
           </a:p>
@@ -4383,7 +6844,7 @@
           <a:p>
             <a:fld id="{4DBC7FC8-25FB-FC45-8177-2B991DA6778C}" type="slidenum">
               <a:rPr lang="en-US" smtClean="0"/>
-              <a:t>‹nº›</a:t>
+              <a:t>‹#›</a:t>
             </a:fld>
             <a:endParaRPr lang="en-US" dirty="0"/>
           </a:p>
@@ -4392,6 +6853,120 @@
       <p:sp>
         <p:nvSpPr>
           <p:cNvPr id="10" name="Rectangle 9"/>
+          <p:cNvSpPr/>
+          <p:nvPr/>
+        </p:nvSpPr>
+        <p:spPr>
+          <a:xfrm>
+            <a:off x="8996106" y="2895600"/>
+            <a:ext cx="147895" cy="3962400"/>
+          </a:xfrm>
+          <a:prstGeom prst="rect">
+            <a:avLst/>
+          </a:prstGeom>
+          <a:solidFill>
+            <a:srgbClr val="92D050"/>
+          </a:solidFill>
+          <a:ln>
+            <a:noFill/>
+          </a:ln>
+        </p:spPr>
+        <p:style>
+          <a:lnRef idx="2">
+            <a:schemeClr val="accent1">
+              <a:shade val="50000"/>
+            </a:schemeClr>
+          </a:lnRef>
+          <a:fillRef idx="1">
+            <a:schemeClr val="accent1"/>
+          </a:fillRef>
+          <a:effectRef idx="0">
+            <a:schemeClr val="accent1"/>
+          </a:effectRef>
+          <a:fontRef idx="minor">
+            <a:schemeClr val="lt1"/>
+          </a:fontRef>
+        </p:style>
+      </p:sp>
+      <p:sp>
+        <p:nvSpPr>
+          <p:cNvPr id="11" name="Rectangle 10"/>
+          <p:cNvSpPr/>
+          <p:nvPr/>
+        </p:nvSpPr>
+        <p:spPr>
+          <a:xfrm>
+            <a:off x="8959042" y="0"/>
+            <a:ext cx="184958" cy="2895600"/>
+          </a:xfrm>
+          <a:prstGeom prst="rect">
+            <a:avLst/>
+          </a:prstGeom>
+          <a:solidFill>
+            <a:srgbClr val="7030A0"/>
+          </a:solidFill>
+          <a:ln>
+            <a:noFill/>
+          </a:ln>
+        </p:spPr>
+        <p:style>
+          <a:lnRef idx="2">
+            <a:schemeClr val="accent1">
+              <a:shade val="50000"/>
+            </a:schemeClr>
+          </a:lnRef>
+          <a:fillRef idx="1">
+            <a:schemeClr val="accent1"/>
+          </a:fillRef>
+          <a:effectRef idx="0">
+            <a:schemeClr val="accent1"/>
+          </a:effectRef>
+          <a:fontRef idx="minor">
+            <a:schemeClr val="lt1"/>
+          </a:fontRef>
+        </p:style>
+      </p:sp>
+      <p:sp>
+        <p:nvSpPr>
+          <p:cNvPr id="12" name="Rectangle 11"/>
+          <p:cNvSpPr/>
+          <p:nvPr/>
+        </p:nvSpPr>
+        <p:spPr>
+          <a:xfrm>
+            <a:off x="8904666" y="0"/>
+            <a:ext cx="91440" cy="6858000"/>
+          </a:xfrm>
+          <a:prstGeom prst="rect">
+            <a:avLst/>
+          </a:prstGeom>
+          <a:solidFill>
+            <a:srgbClr val="0070C0"/>
+          </a:solidFill>
+          <a:ln>
+            <a:noFill/>
+          </a:ln>
+        </p:spPr>
+        <p:style>
+          <a:lnRef idx="2">
+            <a:schemeClr val="accent1">
+              <a:shade val="50000"/>
+            </a:schemeClr>
+          </a:lnRef>
+          <a:fillRef idx="1">
+            <a:schemeClr val="accent1"/>
+          </a:fillRef>
+          <a:effectRef idx="0">
+            <a:schemeClr val="accent1"/>
+          </a:effectRef>
+          <a:fontRef idx="minor">
+            <a:schemeClr val="lt1"/>
+          </a:fontRef>
+        </p:style>
+      </p:sp>
+      <p:sp>
+        <p:nvSpPr>
+          <p:cNvPr id="13" name="Rectangle 12"/>
           <p:cNvSpPr/>
           <p:nvPr userDrawn="1"/>
         </p:nvSpPr>
@@ -4429,7 +7004,7 @@
       </p:sp>
       <p:sp>
         <p:nvSpPr>
-          <p:cNvPr id="11" name="Rectangle 10"/>
+          <p:cNvPr id="14" name="Rectangle 13"/>
           <p:cNvSpPr/>
           <p:nvPr userDrawn="1"/>
         </p:nvSpPr>
@@ -4467,7 +7042,7 @@
       </p:sp>
       <p:sp>
         <p:nvSpPr>
-          <p:cNvPr id="12" name="Rectangle 11"/>
+          <p:cNvPr id="15" name="Rectangle 14"/>
           <p:cNvSpPr/>
           <p:nvPr userDrawn="1"/>
         </p:nvSpPr>
@@ -4504,21 +7079,33 @@
         </p:style>
       </p:sp>
     </p:spTree>
+    <p:extLst>
+      <p:ext uri="{BB962C8B-B14F-4D97-AF65-F5344CB8AC3E}">
+        <p14:creationId xmlns:p14="http://schemas.microsoft.com/office/powerpoint/2010/main" val="1075958097"/>
+      </p:ext>
+    </p:extLst>
   </p:cSld>
   <p:clrMap bg1="lt1" tx1="dk1" bg2="lt2" tx2="dk2" accent1="accent1" accent2="accent2" accent3="accent3" accent4="accent4" accent5="accent5" accent6="accent6" hlink="hlink" folHlink="folHlink"/>
   <p:sldLayoutIdLst>
-    <p:sldLayoutId id="2147483715" r:id="rId1"/>
-    <p:sldLayoutId id="2147483716" r:id="rId2"/>
-    <p:sldLayoutId id="2147483717" r:id="rId3"/>
-    <p:sldLayoutId id="2147483718" r:id="rId4"/>
-    <p:sldLayoutId id="2147483719" r:id="rId5"/>
-    <p:sldLayoutId id="2147483720" r:id="rId6"/>
-    <p:sldLayoutId id="2147483721" r:id="rId7"/>
-    <p:sldLayoutId id="2147483722" r:id="rId8"/>
-    <p:sldLayoutId id="2147483723" r:id="rId9"/>
-    <p:sldLayoutId id="2147483724" r:id="rId10"/>
-    <p:sldLayoutId id="2147483725" r:id="rId11"/>
+    <p:sldLayoutId id="2147483727" r:id="rId1"/>
+    <p:sldLayoutId id="2147483728" r:id="rId2"/>
+    <p:sldLayoutId id="2147483729" r:id="rId3"/>
+    <p:sldLayoutId id="2147483730" r:id="rId4"/>
+    <p:sldLayoutId id="2147483731" r:id="rId5"/>
+    <p:sldLayoutId id="2147483732" r:id="rId6"/>
+    <p:sldLayoutId id="2147483733" r:id="rId7"/>
+    <p:sldLayoutId id="2147483734" r:id="rId8"/>
+    <p:sldLayoutId id="2147483735" r:id="rId9"/>
+    <p:sldLayoutId id="2147483736" r:id="rId10"/>
+    <p:sldLayoutId id="2147483737" r:id="rId11"/>
   </p:sldLayoutIdLst>
+  <p:timing>
+    <p:tnLst>
+      <p:par>
+        <p:cTn id="1" dur="indefinite" restart="never" nodeType="tmRoot"/>
+      </p:par>
+    </p:tnLst>
+  </p:timing>
   <p:hf hdr="0" dt="0"/>
   <p:txStyles>
     <p:titleStyle>
@@ -4800,6 +7387,551 @@
 </p:sldMaster>
 </file>
 
+<file path=ppt/slideMasters/slideMaster2.xml><?xml version="1.0" encoding="utf-8"?>
+<p:sldMaster xmlns:a="http://schemas.openxmlformats.org/drawingml/2006/main" xmlns:r="http://schemas.openxmlformats.org/officeDocument/2006/relationships" xmlns:p="http://schemas.openxmlformats.org/presentationml/2006/main" preserve="1">
+  <p:cSld>
+    <p:bg>
+      <p:bgRef idx="1001">
+        <a:schemeClr val="bg1"/>
+      </p:bgRef>
+    </p:bg>
+    <p:spTree>
+      <p:nvGrpSpPr>
+        <p:cNvPr id="1" name=""/>
+        <p:cNvGrpSpPr/>
+        <p:nvPr/>
+      </p:nvGrpSpPr>
+      <p:grpSpPr>
+        <a:xfrm>
+          <a:off x="0" y="0"/>
+          <a:ext cx="0" cy="0"/>
+          <a:chOff x="0" y="0"/>
+          <a:chExt cx="0" cy="0"/>
+        </a:xfrm>
+      </p:grpSpPr>
+      <p:sp>
+        <p:nvSpPr>
+          <p:cNvPr id="2" name="Title Placeholder 1"/>
+          <p:cNvSpPr>
+            <a:spLocks noGrp="1"/>
+          </p:cNvSpPr>
+          <p:nvPr>
+            <p:ph type="title"/>
+          </p:nvPr>
+        </p:nvSpPr>
+        <p:spPr>
+          <a:xfrm>
+            <a:off x="628650" y="365125"/>
+            <a:ext cx="7886700" cy="1325563"/>
+          </a:xfrm>
+          <a:prstGeom prst="rect">
+            <a:avLst/>
+          </a:prstGeom>
+        </p:spPr>
+        <p:txBody>
+          <a:bodyPr vert="horz" lIns="91440" tIns="45720" rIns="91440" bIns="45720" rtlCol="0" anchor="ctr">
+            <a:normAutofit/>
+          </a:bodyPr>
+          <a:lstStyle/>
+          <a:p>
+            <a:r>
+              <a:rPr lang="en-US" smtClean="0"/>
+              <a:t>Click to edit Master title style</a:t>
+            </a:r>
+            <a:endParaRPr lang="en-US"/>
+          </a:p>
+        </p:txBody>
+      </p:sp>
+      <p:sp>
+        <p:nvSpPr>
+          <p:cNvPr id="3" name="Text Placeholder 2"/>
+          <p:cNvSpPr>
+            <a:spLocks noGrp="1"/>
+          </p:cNvSpPr>
+          <p:nvPr>
+            <p:ph type="body" idx="1"/>
+          </p:nvPr>
+        </p:nvSpPr>
+        <p:spPr>
+          <a:xfrm>
+            <a:off x="628650" y="1825625"/>
+            <a:ext cx="7886700" cy="4351338"/>
+          </a:xfrm>
+          <a:prstGeom prst="rect">
+            <a:avLst/>
+          </a:prstGeom>
+        </p:spPr>
+        <p:txBody>
+          <a:bodyPr vert="horz" lIns="91440" tIns="45720" rIns="91440" bIns="45720" rtlCol="0">
+            <a:normAutofit/>
+          </a:bodyPr>
+          <a:lstStyle/>
+          <a:p>
+            <a:pPr lvl="0"/>
+            <a:r>
+              <a:rPr lang="en-US" smtClean="0"/>
+              <a:t>Click to edit Master text styles</a:t>
+            </a:r>
+          </a:p>
+          <a:p>
+            <a:pPr lvl="1"/>
+            <a:r>
+              <a:rPr lang="en-US" smtClean="0"/>
+              <a:t>Second level</a:t>
+            </a:r>
+          </a:p>
+          <a:p>
+            <a:pPr lvl="2"/>
+            <a:r>
+              <a:rPr lang="en-US" smtClean="0"/>
+              <a:t>Third level</a:t>
+            </a:r>
+          </a:p>
+          <a:p>
+            <a:pPr lvl="3"/>
+            <a:r>
+              <a:rPr lang="en-US" smtClean="0"/>
+              <a:t>Fourth level</a:t>
+            </a:r>
+          </a:p>
+          <a:p>
+            <a:pPr lvl="4"/>
+            <a:r>
+              <a:rPr lang="en-US" smtClean="0"/>
+              <a:t>Fifth level</a:t>
+            </a:r>
+            <a:endParaRPr lang="en-US"/>
+          </a:p>
+        </p:txBody>
+      </p:sp>
+      <p:sp>
+        <p:nvSpPr>
+          <p:cNvPr id="4" name="Date Placeholder 3"/>
+          <p:cNvSpPr>
+            <a:spLocks noGrp="1"/>
+          </p:cNvSpPr>
+          <p:nvPr>
+            <p:ph type="dt" sz="half" idx="2"/>
+          </p:nvPr>
+        </p:nvSpPr>
+        <p:spPr>
+          <a:xfrm>
+            <a:off x="628650" y="6356350"/>
+            <a:ext cx="2057400" cy="365125"/>
+          </a:xfrm>
+          <a:prstGeom prst="rect">
+            <a:avLst/>
+          </a:prstGeom>
+        </p:spPr>
+        <p:txBody>
+          <a:bodyPr vert="horz" lIns="91440" tIns="45720" rIns="91440" bIns="45720" rtlCol="0" anchor="ctr"/>
+          <a:lstStyle>
+            <a:lvl1pPr algn="l">
+              <a:defRPr sz="1200">
+                <a:solidFill>
+                  <a:schemeClr val="tx1">
+                    <a:tint val="75000"/>
+                  </a:schemeClr>
+                </a:solidFill>
+              </a:defRPr>
+            </a:lvl1pPr>
+          </a:lstStyle>
+          <a:p>
+            <a:fld id="{D602BB09-AD7A-F342-B78F-330E2C5B2E11}" type="datetime1">
+              <a:rPr lang="en-US" smtClean="0"/>
+              <a:t>2/11/17</a:t>
+            </a:fld>
+            <a:endParaRPr lang="en-US"/>
+          </a:p>
+        </p:txBody>
+      </p:sp>
+      <p:sp>
+        <p:nvSpPr>
+          <p:cNvPr id="5" name="Footer Placeholder 4"/>
+          <p:cNvSpPr>
+            <a:spLocks noGrp="1"/>
+          </p:cNvSpPr>
+          <p:nvPr>
+            <p:ph type="ftr" sz="quarter" idx="3"/>
+          </p:nvPr>
+        </p:nvSpPr>
+        <p:spPr>
+          <a:xfrm>
+            <a:off x="3028950" y="6356350"/>
+            <a:ext cx="3086100" cy="365125"/>
+          </a:xfrm>
+          <a:prstGeom prst="rect">
+            <a:avLst/>
+          </a:prstGeom>
+        </p:spPr>
+        <p:txBody>
+          <a:bodyPr vert="horz" lIns="91440" tIns="45720" rIns="91440" bIns="45720" rtlCol="0" anchor="ctr"/>
+          <a:lstStyle>
+            <a:lvl1pPr algn="ctr">
+              <a:defRPr sz="1200">
+                <a:solidFill>
+                  <a:schemeClr val="tx1">
+                    <a:tint val="75000"/>
+                  </a:schemeClr>
+                </a:solidFill>
+              </a:defRPr>
+            </a:lvl1pPr>
+          </a:lstStyle>
+          <a:p>
+            <a:r>
+              <a:rPr lang="en-US" smtClean="0"/>
+              <a:t>Copyright © EV3Lessons.com 2016 (Last edit: 07/04/2016)</a:t>
+            </a:r>
+            <a:endParaRPr lang="en-US"/>
+          </a:p>
+        </p:txBody>
+      </p:sp>
+      <p:sp>
+        <p:nvSpPr>
+          <p:cNvPr id="6" name="Slide Number Placeholder 5"/>
+          <p:cNvSpPr>
+            <a:spLocks noGrp="1"/>
+          </p:cNvSpPr>
+          <p:nvPr>
+            <p:ph type="sldNum" sz="quarter" idx="4"/>
+          </p:nvPr>
+        </p:nvSpPr>
+        <p:spPr>
+          <a:xfrm>
+            <a:off x="6457950" y="6356350"/>
+            <a:ext cx="2057400" cy="365125"/>
+          </a:xfrm>
+          <a:prstGeom prst="rect">
+            <a:avLst/>
+          </a:prstGeom>
+        </p:spPr>
+        <p:txBody>
+          <a:bodyPr vert="horz" lIns="91440" tIns="45720" rIns="91440" bIns="45720" rtlCol="0" anchor="ctr"/>
+          <a:lstStyle>
+            <a:lvl1pPr algn="r">
+              <a:defRPr sz="1200">
+                <a:solidFill>
+                  <a:schemeClr val="tx1">
+                    <a:tint val="75000"/>
+                  </a:schemeClr>
+                </a:solidFill>
+              </a:defRPr>
+            </a:lvl1pPr>
+          </a:lstStyle>
+          <a:p>
+            <a:fld id="{DE42E464-3EB8-43C8-8768-9E2AD4F497B7}" type="slidenum">
+              <a:rPr lang="en-US" smtClean="0"/>
+              <a:t>‹#›</a:t>
+            </a:fld>
+            <a:endParaRPr lang="en-US"/>
+          </a:p>
+        </p:txBody>
+      </p:sp>
+    </p:spTree>
+    <p:extLst>
+      <p:ext uri="{BB962C8B-B14F-4D97-AF65-F5344CB8AC3E}">
+        <p14:creationId xmlns:p14="http://schemas.microsoft.com/office/powerpoint/2010/main" val="1815428539"/>
+      </p:ext>
+    </p:extLst>
+  </p:cSld>
+  <p:clrMap bg1="lt1" tx1="dk1" bg2="lt2" tx2="dk2" accent1="accent1" accent2="accent2" accent3="accent3" accent4="accent4" accent5="accent5" accent6="accent6" hlink="hlink" folHlink="folHlink"/>
+  <p:sldLayoutIdLst>
+    <p:sldLayoutId id="2147483739" r:id="rId1"/>
+    <p:sldLayoutId id="2147483740" r:id="rId2"/>
+    <p:sldLayoutId id="2147483741" r:id="rId3"/>
+    <p:sldLayoutId id="2147483742" r:id="rId4"/>
+    <p:sldLayoutId id="2147483743" r:id="rId5"/>
+    <p:sldLayoutId id="2147483744" r:id="rId6"/>
+    <p:sldLayoutId id="2147483745" r:id="rId7"/>
+    <p:sldLayoutId id="2147483746" r:id="rId8"/>
+    <p:sldLayoutId id="2147483747" r:id="rId9"/>
+    <p:sldLayoutId id="2147483748" r:id="rId10"/>
+    <p:sldLayoutId id="2147483749" r:id="rId11"/>
+  </p:sldLayoutIdLst>
+  <p:hf hdr="0" dt="0"/>
+  <p:txStyles>
+    <p:titleStyle>
+      <a:lvl1pPr algn="l" defTabSz="914400" rtl="0" eaLnBrk="1" latinLnBrk="0" hangingPunct="1">
+        <a:lnSpc>
+          <a:spcPct val="90000"/>
+        </a:lnSpc>
+        <a:spcBef>
+          <a:spcPct val="0"/>
+        </a:spcBef>
+        <a:buNone/>
+        <a:defRPr sz="4400" kern="1200">
+          <a:solidFill>
+            <a:schemeClr val="tx1"/>
+          </a:solidFill>
+          <a:latin typeface="+mj-lt"/>
+          <a:ea typeface="+mj-ea"/>
+          <a:cs typeface="+mj-cs"/>
+        </a:defRPr>
+      </a:lvl1pPr>
+    </p:titleStyle>
+    <p:bodyStyle>
+      <a:lvl1pPr marL="228600" indent="-228600" algn="l" defTabSz="914400" rtl="0" eaLnBrk="1" latinLnBrk="0" hangingPunct="1">
+        <a:lnSpc>
+          <a:spcPct val="90000"/>
+        </a:lnSpc>
+        <a:spcBef>
+          <a:spcPts val="1000"/>
+        </a:spcBef>
+        <a:buFont typeface="Arial" panose="020B0604020202020204" pitchFamily="34" charset="0"/>
+        <a:buChar char="•"/>
+        <a:defRPr sz="2800" kern="1200">
+          <a:solidFill>
+            <a:schemeClr val="tx1"/>
+          </a:solidFill>
+          <a:latin typeface="+mn-lt"/>
+          <a:ea typeface="+mn-ea"/>
+          <a:cs typeface="+mn-cs"/>
+        </a:defRPr>
+      </a:lvl1pPr>
+      <a:lvl2pPr marL="685800" indent="-228600" algn="l" defTabSz="914400" rtl="0" eaLnBrk="1" latinLnBrk="0" hangingPunct="1">
+        <a:lnSpc>
+          <a:spcPct val="90000"/>
+        </a:lnSpc>
+        <a:spcBef>
+          <a:spcPts val="500"/>
+        </a:spcBef>
+        <a:buFont typeface="Arial" panose="020B0604020202020204" pitchFamily="34" charset="0"/>
+        <a:buChar char="•"/>
+        <a:defRPr sz="2400" kern="1200">
+          <a:solidFill>
+            <a:schemeClr val="tx1"/>
+          </a:solidFill>
+          <a:latin typeface="+mn-lt"/>
+          <a:ea typeface="+mn-ea"/>
+          <a:cs typeface="+mn-cs"/>
+        </a:defRPr>
+      </a:lvl2pPr>
+      <a:lvl3pPr marL="1143000" indent="-228600" algn="l" defTabSz="914400" rtl="0" eaLnBrk="1" latinLnBrk="0" hangingPunct="1">
+        <a:lnSpc>
+          <a:spcPct val="90000"/>
+        </a:lnSpc>
+        <a:spcBef>
+          <a:spcPts val="500"/>
+        </a:spcBef>
+        <a:buFont typeface="Arial" panose="020B0604020202020204" pitchFamily="34" charset="0"/>
+        <a:buChar char="•"/>
+        <a:defRPr sz="2000" kern="1200">
+          <a:solidFill>
+            <a:schemeClr val="tx1"/>
+          </a:solidFill>
+          <a:latin typeface="+mn-lt"/>
+          <a:ea typeface="+mn-ea"/>
+          <a:cs typeface="+mn-cs"/>
+        </a:defRPr>
+      </a:lvl3pPr>
+      <a:lvl4pPr marL="1600200" indent="-228600" algn="l" defTabSz="914400" rtl="0" eaLnBrk="1" latinLnBrk="0" hangingPunct="1">
+        <a:lnSpc>
+          <a:spcPct val="90000"/>
+        </a:lnSpc>
+        <a:spcBef>
+          <a:spcPts val="500"/>
+        </a:spcBef>
+        <a:buFont typeface="Arial" panose="020B0604020202020204" pitchFamily="34" charset="0"/>
+        <a:buChar char="•"/>
+        <a:defRPr sz="1800" kern="1200">
+          <a:solidFill>
+            <a:schemeClr val="tx1"/>
+          </a:solidFill>
+          <a:latin typeface="+mn-lt"/>
+          <a:ea typeface="+mn-ea"/>
+          <a:cs typeface="+mn-cs"/>
+        </a:defRPr>
+      </a:lvl4pPr>
+      <a:lvl5pPr marL="2057400" indent="-228600" algn="l" defTabSz="914400" rtl="0" eaLnBrk="1" latinLnBrk="0" hangingPunct="1">
+        <a:lnSpc>
+          <a:spcPct val="90000"/>
+        </a:lnSpc>
+        <a:spcBef>
+          <a:spcPts val="500"/>
+        </a:spcBef>
+        <a:buFont typeface="Arial" panose="020B0604020202020204" pitchFamily="34" charset="0"/>
+        <a:buChar char="•"/>
+        <a:defRPr sz="1800" kern="1200">
+          <a:solidFill>
+            <a:schemeClr val="tx1"/>
+          </a:solidFill>
+          <a:latin typeface="+mn-lt"/>
+          <a:ea typeface="+mn-ea"/>
+          <a:cs typeface="+mn-cs"/>
+        </a:defRPr>
+      </a:lvl5pPr>
+      <a:lvl6pPr marL="2514600" indent="-228600" algn="l" defTabSz="914400" rtl="0" eaLnBrk="1" latinLnBrk="0" hangingPunct="1">
+        <a:lnSpc>
+          <a:spcPct val="90000"/>
+        </a:lnSpc>
+        <a:spcBef>
+          <a:spcPts val="500"/>
+        </a:spcBef>
+        <a:buFont typeface="Arial" panose="020B0604020202020204" pitchFamily="34" charset="0"/>
+        <a:buChar char="•"/>
+        <a:defRPr sz="1800" kern="1200">
+          <a:solidFill>
+            <a:schemeClr val="tx1"/>
+          </a:solidFill>
+          <a:latin typeface="+mn-lt"/>
+          <a:ea typeface="+mn-ea"/>
+          <a:cs typeface="+mn-cs"/>
+        </a:defRPr>
+      </a:lvl6pPr>
+      <a:lvl7pPr marL="2971800" indent="-228600" algn="l" defTabSz="914400" rtl="0" eaLnBrk="1" latinLnBrk="0" hangingPunct="1">
+        <a:lnSpc>
+          <a:spcPct val="90000"/>
+        </a:lnSpc>
+        <a:spcBef>
+          <a:spcPts val="500"/>
+        </a:spcBef>
+        <a:buFont typeface="Arial" panose="020B0604020202020204" pitchFamily="34" charset="0"/>
+        <a:buChar char="•"/>
+        <a:defRPr sz="1800" kern="1200">
+          <a:solidFill>
+            <a:schemeClr val="tx1"/>
+          </a:solidFill>
+          <a:latin typeface="+mn-lt"/>
+          <a:ea typeface="+mn-ea"/>
+          <a:cs typeface="+mn-cs"/>
+        </a:defRPr>
+      </a:lvl7pPr>
+      <a:lvl8pPr marL="3429000" indent="-228600" algn="l" defTabSz="914400" rtl="0" eaLnBrk="1" latinLnBrk="0" hangingPunct="1">
+        <a:lnSpc>
+          <a:spcPct val="90000"/>
+        </a:lnSpc>
+        <a:spcBef>
+          <a:spcPts val="500"/>
+        </a:spcBef>
+        <a:buFont typeface="Arial" panose="020B0604020202020204" pitchFamily="34" charset="0"/>
+        <a:buChar char="•"/>
+        <a:defRPr sz="1800" kern="1200">
+          <a:solidFill>
+            <a:schemeClr val="tx1"/>
+          </a:solidFill>
+          <a:latin typeface="+mn-lt"/>
+          <a:ea typeface="+mn-ea"/>
+          <a:cs typeface="+mn-cs"/>
+        </a:defRPr>
+      </a:lvl8pPr>
+      <a:lvl9pPr marL="3886200" indent="-228600" algn="l" defTabSz="914400" rtl="0" eaLnBrk="1" latinLnBrk="0" hangingPunct="1">
+        <a:lnSpc>
+          <a:spcPct val="90000"/>
+        </a:lnSpc>
+        <a:spcBef>
+          <a:spcPts val="500"/>
+        </a:spcBef>
+        <a:buFont typeface="Arial" panose="020B0604020202020204" pitchFamily="34" charset="0"/>
+        <a:buChar char="•"/>
+        <a:defRPr sz="1800" kern="1200">
+          <a:solidFill>
+            <a:schemeClr val="tx1"/>
+          </a:solidFill>
+          <a:latin typeface="+mn-lt"/>
+          <a:ea typeface="+mn-ea"/>
+          <a:cs typeface="+mn-cs"/>
+        </a:defRPr>
+      </a:lvl9pPr>
+    </p:bodyStyle>
+    <p:otherStyle>
+      <a:defPPr>
+        <a:defRPr lang="en-US"/>
+      </a:defPPr>
+      <a:lvl1pPr marL="0" algn="l" defTabSz="914400" rtl="0" eaLnBrk="1" latinLnBrk="0" hangingPunct="1">
+        <a:defRPr sz="1800" kern="1200">
+          <a:solidFill>
+            <a:schemeClr val="tx1"/>
+          </a:solidFill>
+          <a:latin typeface="+mn-lt"/>
+          <a:ea typeface="+mn-ea"/>
+          <a:cs typeface="+mn-cs"/>
+        </a:defRPr>
+      </a:lvl1pPr>
+      <a:lvl2pPr marL="457200" algn="l" defTabSz="914400" rtl="0" eaLnBrk="1" latinLnBrk="0" hangingPunct="1">
+        <a:defRPr sz="1800" kern="1200">
+          <a:solidFill>
+            <a:schemeClr val="tx1"/>
+          </a:solidFill>
+          <a:latin typeface="+mn-lt"/>
+          <a:ea typeface="+mn-ea"/>
+          <a:cs typeface="+mn-cs"/>
+        </a:defRPr>
+      </a:lvl2pPr>
+      <a:lvl3pPr marL="914400" algn="l" defTabSz="914400" rtl="0" eaLnBrk="1" latinLnBrk="0" hangingPunct="1">
+        <a:defRPr sz="1800" kern="1200">
+          <a:solidFill>
+            <a:schemeClr val="tx1"/>
+          </a:solidFill>
+          <a:latin typeface="+mn-lt"/>
+          <a:ea typeface="+mn-ea"/>
+          <a:cs typeface="+mn-cs"/>
+        </a:defRPr>
+      </a:lvl3pPr>
+      <a:lvl4pPr marL="1371600" algn="l" defTabSz="914400" rtl="0" eaLnBrk="1" latinLnBrk="0" hangingPunct="1">
+        <a:defRPr sz="1800" kern="1200">
+          <a:solidFill>
+            <a:schemeClr val="tx1"/>
+          </a:solidFill>
+          <a:latin typeface="+mn-lt"/>
+          <a:ea typeface="+mn-ea"/>
+          <a:cs typeface="+mn-cs"/>
+        </a:defRPr>
+      </a:lvl4pPr>
+      <a:lvl5pPr marL="1828800" algn="l" defTabSz="914400" rtl="0" eaLnBrk="1" latinLnBrk="0" hangingPunct="1">
+        <a:defRPr sz="1800" kern="1200">
+          <a:solidFill>
+            <a:schemeClr val="tx1"/>
+          </a:solidFill>
+          <a:latin typeface="+mn-lt"/>
+          <a:ea typeface="+mn-ea"/>
+          <a:cs typeface="+mn-cs"/>
+        </a:defRPr>
+      </a:lvl5pPr>
+      <a:lvl6pPr marL="2286000" algn="l" defTabSz="914400" rtl="0" eaLnBrk="1" latinLnBrk="0" hangingPunct="1">
+        <a:defRPr sz="1800" kern="1200">
+          <a:solidFill>
+            <a:schemeClr val="tx1"/>
+          </a:solidFill>
+          <a:latin typeface="+mn-lt"/>
+          <a:ea typeface="+mn-ea"/>
+          <a:cs typeface="+mn-cs"/>
+        </a:defRPr>
+      </a:lvl6pPr>
+      <a:lvl7pPr marL="2743200" algn="l" defTabSz="914400" rtl="0" eaLnBrk="1" latinLnBrk="0" hangingPunct="1">
+        <a:defRPr sz="1800" kern="1200">
+          <a:solidFill>
+            <a:schemeClr val="tx1"/>
+          </a:solidFill>
+          <a:latin typeface="+mn-lt"/>
+          <a:ea typeface="+mn-ea"/>
+          <a:cs typeface="+mn-cs"/>
+        </a:defRPr>
+      </a:lvl7pPr>
+      <a:lvl8pPr marL="3200400" algn="l" defTabSz="914400" rtl="0" eaLnBrk="1" latinLnBrk="0" hangingPunct="1">
+        <a:defRPr sz="1800" kern="1200">
+          <a:solidFill>
+            <a:schemeClr val="tx1"/>
+          </a:solidFill>
+          <a:latin typeface="+mn-lt"/>
+          <a:ea typeface="+mn-ea"/>
+          <a:cs typeface="+mn-cs"/>
+        </a:defRPr>
+      </a:lvl8pPr>
+      <a:lvl9pPr marL="3657600" algn="l" defTabSz="914400" rtl="0" eaLnBrk="1" latinLnBrk="0" hangingPunct="1">
+        <a:defRPr sz="1800" kern="1200">
+          <a:solidFill>
+            <a:schemeClr val="tx1"/>
+          </a:solidFill>
+          <a:latin typeface="+mn-lt"/>
+          <a:ea typeface="+mn-ea"/>
+          <a:cs typeface="+mn-cs"/>
+        </a:defRPr>
+      </a:lvl9pPr>
+    </p:otherStyle>
+  </p:txStyles>
+</p:sldMaster>
+</file>
+
 <file path=ppt/slides/slide1.xml><?xml version="1.0" encoding="utf-8"?>
 <p:sld xmlns:a="http://schemas.openxmlformats.org/drawingml/2006/main" xmlns:r="http://schemas.openxmlformats.org/officeDocument/2006/relationships" xmlns:p="http://schemas.openxmlformats.org/presentationml/2006/main">
   <p:cSld>
@@ -4819,7 +7951,70 @@
       </p:grpSpPr>
       <p:sp>
         <p:nvSpPr>
-          <p:cNvPr id="2" name="Title 1"/>
+          <p:cNvPr id="2" name="Subtitle 1"/>
+          <p:cNvSpPr>
+            <a:spLocks noGrp="1"/>
+          </p:cNvSpPr>
+          <p:nvPr>
+            <p:ph type="subTitle" idx="1"/>
+          </p:nvPr>
+        </p:nvSpPr>
+        <p:spPr/>
+        <p:txBody>
+          <a:bodyPr/>
+          <a:lstStyle/>
+          <a:p>
+            <a:r>
+              <a:rPr lang="en-US" dirty="0" err="1">
+                <a:solidFill>
+                  <a:srgbClr val="FF0000"/>
+                </a:solidFill>
+              </a:rPr>
+              <a:t>Seguidor</a:t>
+            </a:r>
+            <a:r>
+              <a:rPr lang="en-US" dirty="0">
+                <a:solidFill>
+                  <a:srgbClr val="FF0000"/>
+                </a:solidFill>
+              </a:rPr>
+              <a:t> de </a:t>
+            </a:r>
+            <a:r>
+              <a:rPr lang="en-US" dirty="0" err="1">
+                <a:solidFill>
+                  <a:srgbClr val="FF0000"/>
+                </a:solidFill>
+              </a:rPr>
+              <a:t>Linha</a:t>
+            </a:r>
+            <a:r>
+              <a:rPr lang="en-US" dirty="0">
+                <a:solidFill>
+                  <a:srgbClr val="FF0000"/>
+                </a:solidFill>
+              </a:rPr>
+              <a:t> </a:t>
+            </a:r>
+            <a:r>
+              <a:rPr lang="en-US" dirty="0" err="1" smtClean="0">
+                <a:solidFill>
+                  <a:srgbClr val="FF0000"/>
+                </a:solidFill>
+              </a:rPr>
+              <a:t>Básico</a:t>
+            </a:r>
+            <a:endParaRPr lang="en-US" dirty="0">
+              <a:solidFill>
+                <a:srgbClr val="FF0000"/>
+              </a:solidFill>
+            </a:endParaRPr>
+          </a:p>
+        </p:txBody>
+      </p:sp>
+      <p:sp>
+        <p:nvSpPr>
+          <p:cNvPr id="3" name="Title 2"/>
           <p:cNvSpPr>
             <a:spLocks noGrp="1"/>
           </p:cNvSpPr>
@@ -4827,231 +8022,75 @@
             <p:ph type="ctrTitle"/>
           </p:nvPr>
         </p:nvSpPr>
-        <p:spPr>
-          <a:xfrm>
-            <a:off x="402305" y="311631"/>
-            <a:ext cx="4182799" cy="1923569"/>
-          </a:xfrm>
-        </p:spPr>
+        <p:spPr/>
         <p:txBody>
           <a:bodyPr/>
           <a:lstStyle/>
           <a:p>
             <a:pPr algn="ctr"/>
             <a:r>
-              <a:rPr lang="en-US" sz="3200" dirty="0" err="1" smtClean="0"/>
+              <a:rPr lang="en-US" dirty="0" err="1"/>
               <a:t>Lição</a:t>
             </a:r>
             <a:r>
-              <a:rPr lang="en-US" sz="3200" dirty="0" smtClean="0"/>
+              <a:rPr lang="en-US" dirty="0"/>
               <a:t> de </a:t>
             </a:r>
             <a:r>
-              <a:rPr lang="en-US" sz="3200" dirty="0" err="1" smtClean="0"/>
+              <a:rPr lang="en-US" dirty="0" err="1"/>
               <a:t>programação</a:t>
             </a:r>
             <a:r>
-              <a:rPr lang="en-US" sz="3200" dirty="0" smtClean="0"/>
+              <a:rPr lang="en-US" dirty="0"/>
               <a:t> </a:t>
             </a:r>
             <a:r>
-              <a:rPr lang="en-US" sz="3200" dirty="0" err="1" smtClean="0"/>
+              <a:rPr lang="en-US" dirty="0" err="1"/>
               <a:t>iniciante</a:t>
             </a:r>
-            <a:endParaRPr lang="en-US" sz="3200" dirty="0"/>
-          </a:p>
-        </p:txBody>
-      </p:sp>
-      <p:sp>
-        <p:nvSpPr>
-          <p:cNvPr id="7" name="TextBox 6"/>
-          <p:cNvSpPr txBox="1"/>
-          <p:nvPr/>
-        </p:nvSpPr>
-        <p:spPr>
-          <a:xfrm>
-            <a:off x="1487501" y="5949643"/>
-            <a:ext cx="4750545" cy="523220"/>
-          </a:xfrm>
-          <a:prstGeom prst="rect">
-            <a:avLst/>
-          </a:prstGeom>
-          <a:noFill/>
-        </p:spPr>
-        <p:txBody>
-          <a:bodyPr wrap="square" rtlCol="0">
-            <a:spAutoFit/>
-          </a:bodyPr>
-          <a:lstStyle/>
-          <a:p>
-            <a:r>
-              <a:rPr lang="en-US" sz="2800" dirty="0" smtClean="0"/>
-              <a:t>By: Droids Robotics</a:t>
-            </a:r>
+            <a:endParaRPr lang="en-US" dirty="0"/>
           </a:p>
         </p:txBody>
       </p:sp>
       <p:pic>
         <p:nvPicPr>
-          <p:cNvPr id="3" name="Picture 2" descr="Droidslogo2.png"/>
+          <p:cNvPr id="4" name="Picture 3"/>
           <p:cNvPicPr>
             <a:picLocks noChangeAspect="1"/>
           </p:cNvPicPr>
           <p:nvPr/>
         </p:nvPicPr>
-        <p:blipFill>
-          <a:blip r:embed="rId3">
+        <p:blipFill rotWithShape="1">
+          <a:blip r:embed="rId2">
             <a:extLst>
               <a:ext uri="{28A0092B-C50C-407E-A947-70E740481C1C}">
                 <a14:useLocalDpi xmlns:a14="http://schemas.microsoft.com/office/drawing/2010/main" val="0"/>
               </a:ext>
             </a:extLst>
           </a:blip>
-          <a:stretch>
-            <a:fillRect/>
-          </a:stretch>
+          <a:srcRect l="4523" t="17619" r="3095" b="25000"/>
+          <a:stretch/>
         </p:blipFill>
         <p:spPr>
           <a:xfrm>
-            <a:off x="402306" y="5456830"/>
-            <a:ext cx="1085195" cy="1085195"/>
+            <a:off x="3711108" y="4592409"/>
+            <a:ext cx="1700816" cy="1056435"/>
           </a:xfrm>
           <a:prstGeom prst="rect">
             <a:avLst/>
           </a:prstGeom>
         </p:spPr>
       </p:pic>
-      <p:sp>
-        <p:nvSpPr>
-          <p:cNvPr id="4" name="TextBox 3"/>
-          <p:cNvSpPr txBox="1"/>
-          <p:nvPr/>
-        </p:nvSpPr>
-        <p:spPr>
-          <a:xfrm>
-            <a:off x="550088" y="2713113"/>
-            <a:ext cx="8187512" cy="954107"/>
-          </a:xfrm>
-          <a:prstGeom prst="rect">
-            <a:avLst/>
-          </a:prstGeom>
-          <a:noFill/>
-        </p:spPr>
-        <p:txBody>
-          <a:bodyPr wrap="square" rtlCol="0">
-            <a:spAutoFit/>
-          </a:bodyPr>
-          <a:lstStyle/>
-          <a:p>
-            <a:r>
-              <a:rPr lang="en-US" sz="2800" dirty="0" err="1" smtClean="0">
-                <a:solidFill>
-                  <a:srgbClr val="FF0000"/>
-                </a:solidFill>
-              </a:rPr>
-              <a:t>Seguidor</a:t>
-            </a:r>
-            <a:r>
-              <a:rPr lang="en-US" sz="2800" dirty="0" smtClean="0">
-                <a:solidFill>
-                  <a:srgbClr val="FF0000"/>
-                </a:solidFill>
-              </a:rPr>
-              <a:t> de </a:t>
-            </a:r>
-            <a:r>
-              <a:rPr lang="en-US" sz="2800" dirty="0" err="1" smtClean="0">
-                <a:solidFill>
-                  <a:srgbClr val="FF0000"/>
-                </a:solidFill>
-              </a:rPr>
-              <a:t>Linha</a:t>
-            </a:r>
-            <a:r>
-              <a:rPr lang="en-US" sz="2800" dirty="0" smtClean="0">
-                <a:solidFill>
-                  <a:srgbClr val="FF0000"/>
-                </a:solidFill>
-              </a:rPr>
-              <a:t> </a:t>
-            </a:r>
-            <a:r>
-              <a:rPr lang="en-US" sz="2800" dirty="0" err="1" smtClean="0">
-                <a:solidFill>
-                  <a:srgbClr val="FF0000"/>
-                </a:solidFill>
-              </a:rPr>
-              <a:t>Básico</a:t>
-            </a:r>
-            <a:endParaRPr lang="en-US" sz="2800" dirty="0">
-              <a:solidFill>
-                <a:srgbClr val="FF0000"/>
-              </a:solidFill>
-            </a:endParaRPr>
-          </a:p>
-          <a:p>
-            <a:endParaRPr lang="en-US" sz="2800" dirty="0"/>
-          </a:p>
-        </p:txBody>
-      </p:sp>
-      <p:pic>
-        <p:nvPicPr>
-          <p:cNvPr id="1026" name="Picture 2" descr="EV3Lessons.com"/>
-          <p:cNvPicPr>
-            <a:picLocks noChangeAspect="1" noChangeArrowheads="1"/>
-          </p:cNvPicPr>
-          <p:nvPr/>
-        </p:nvPicPr>
-        <p:blipFill>
-          <a:blip r:embed="rId4">
-            <a:extLst>
-              <a:ext uri="{28A0092B-C50C-407E-A947-70E740481C1C}">
-                <a14:useLocalDpi xmlns:a14="http://schemas.microsoft.com/office/drawing/2010/main" val="0"/>
-              </a:ext>
-            </a:extLst>
-          </a:blip>
-          <a:srcRect/>
-          <a:stretch>
-            <a:fillRect/>
-          </a:stretch>
-        </p:blipFill>
-        <p:spPr bwMode="auto">
-          <a:xfrm>
-            <a:off x="4585105" y="436041"/>
-            <a:ext cx="4231698" cy="1571774"/>
-          </a:xfrm>
-          <a:prstGeom prst="rect">
-            <a:avLst/>
-          </a:prstGeom>
-          <a:noFill/>
-          <a:extLst>
-            <a:ext uri="{909E8E84-426E-40DD-AFC4-6F175D3DCCD1}">
-              <a14:hiddenFill xmlns:a14="http://schemas.microsoft.com/office/drawing/2010/main">
-                <a:solidFill>
-                  <a:srgbClr val="FFFFFF"/>
-                </a:solidFill>
-              </a14:hiddenFill>
-            </a:ext>
-          </a:extLst>
-        </p:spPr>
-      </p:pic>
     </p:spTree>
     <p:extLst>
       <p:ext uri="{BB962C8B-B14F-4D97-AF65-F5344CB8AC3E}">
-        <p14:creationId xmlns:p14="http://schemas.microsoft.com/office/powerpoint/2010/main" val="321107081"/>
+        <p14:creationId xmlns:p14="http://schemas.microsoft.com/office/powerpoint/2010/main" val="459798397"/>
       </p:ext>
     </p:extLst>
   </p:cSld>
   <p:clrMapOvr>
     <a:masterClrMapping/>
   </p:clrMapOvr>
-  <p:timing>
-    <p:tnLst>
-      <p:par>
-        <p:cTn id="1" dur="indefinite" restart="never" nodeType="tmRoot"/>
-      </p:par>
-    </p:tnLst>
-  </p:timing>
 </p:sld>
 </file>
 
@@ -5173,11 +8212,7 @@
             </a:r>
             <a:r>
               <a:rPr lang="en-US" dirty="0" smtClean="0"/>
-              <a:t> </a:t>
-            </a:r>
-            <a:r>
-              <a:rPr lang="en-US" dirty="0" smtClean="0"/>
-              <a:t>DIREITA da </a:t>
+              <a:t> DIREITA da </a:t>
             </a:r>
             <a:r>
               <a:rPr lang="en-US" dirty="0" err="1" smtClean="0"/>
@@ -5597,11 +8632,7 @@
             </a:r>
             <a:r>
               <a:rPr lang="en-US" dirty="0" smtClean="0"/>
-              <a:t>.</a:t>
-            </a:r>
-            <a:r>
-              <a:rPr lang="en-US" dirty="0" smtClean="0"/>
-              <a:t> </a:t>
+              <a:t>. </a:t>
             </a:r>
             <a:endParaRPr lang="en-US" dirty="0"/>
           </a:p>
@@ -5667,11 +8698,7 @@
           <a:p>
             <a:r>
               <a:rPr lang="en-US" dirty="0" smtClean="0"/>
-              <a:t>© 2015 EV3Lessons.com </a:t>
-            </a:r>
-            <a:r>
-              <a:rPr lang="en-US" dirty="0" smtClean="0"/>
-              <a:t>(</a:t>
+              <a:t>© 2015 EV3Lessons.com (</a:t>
             </a:r>
             <a:r>
               <a:rPr lang="en-US" dirty="0" err="1" smtClean="0"/>
@@ -5700,7 +8727,7 @@
             <a:spLocks noGrp="1"/>
           </p:cNvSpPr>
           <p:nvPr>
-            <p:ph type="sldNum" sz="quarter" idx="4"/>
+            <p:ph type="sldNum" sz="quarter" idx="12"/>
           </p:nvPr>
         </p:nvSpPr>
         <p:spPr/>
@@ -6679,11 +9706,7 @@
           <a:p>
             <a:r>
               <a:rPr lang="en-US" dirty="0" smtClean="0"/>
-              <a:t>© 2015 EV3Lessons.com </a:t>
-            </a:r>
-            <a:r>
-              <a:rPr lang="en-US" dirty="0" smtClean="0"/>
-              <a:t>(</a:t>
+              <a:t>© 2015 EV3Lessons.com (</a:t>
             </a:r>
             <a:r>
               <a:rPr lang="en-US" dirty="0" err="1" smtClean="0"/>
@@ -6712,7 +9735,7 @@
             <a:spLocks noGrp="1"/>
           </p:cNvSpPr>
           <p:nvPr>
-            <p:ph type="sldNum" sz="quarter" idx="4"/>
+            <p:ph type="sldNum" sz="quarter" idx="12"/>
           </p:nvPr>
         </p:nvSpPr>
         <p:spPr/>
@@ -7022,11 +10045,6 @@
               </a:rPr>
               <a:t>?</a:t>
             </a:r>
-            <a:endParaRPr lang="en-US" sz="2000" dirty="0" smtClean="0">
-              <a:solidFill>
-                <a:srgbClr val="FF0000"/>
-              </a:solidFill>
-            </a:endParaRPr>
           </a:p>
           <a:p>
             <a:pPr eaLnBrk="1" hangingPunct="1"/>
@@ -7446,7 +10464,6 @@
               <a:rPr lang="en-US" dirty="0" smtClean="0"/>
               <a:t> 1</a:t>
             </a:r>
-            <a:endParaRPr lang="en-US" dirty="0" smtClean="0"/>
           </a:p>
         </p:txBody>
       </p:sp>
@@ -7467,11 +10484,7 @@
           <a:p>
             <a:r>
               <a:rPr lang="en-US" dirty="0" smtClean="0"/>
-              <a:t>© 2015 EV3Lessons.com </a:t>
-            </a:r>
-            <a:r>
-              <a:rPr lang="en-US" dirty="0" smtClean="0"/>
-              <a:t>(</a:t>
+              <a:t>© 2015 EV3Lessons.com (</a:t>
             </a:r>
             <a:r>
               <a:rPr lang="en-US" dirty="0" err="1" smtClean="0"/>
@@ -7500,7 +10513,7 @@
             <a:spLocks noGrp="1"/>
           </p:cNvSpPr>
           <p:nvPr>
-            <p:ph type="sldNum" sz="quarter" idx="4"/>
+            <p:ph type="sldNum" sz="quarter" idx="12"/>
           </p:nvPr>
         </p:nvSpPr>
         <p:spPr/>
@@ -7680,15 +10693,7 @@
                   <a:srgbClr val="FF0000"/>
                 </a:solidFill>
               </a:rPr>
-              <a:t>Q. </a:t>
-            </a:r>
-            <a:r>
-              <a:rPr lang="en-US" dirty="0" smtClean="0">
-                <a:solidFill>
-                  <a:srgbClr val="FF0000"/>
-                </a:solidFill>
-              </a:rPr>
-              <a:t>Este </a:t>
+              <a:t>Q. Este </a:t>
             </a:r>
             <a:r>
               <a:rPr lang="en-US" dirty="0" err="1" smtClean="0">
@@ -8077,11 +11082,7 @@
           <a:p>
             <a:r>
               <a:rPr lang="en-US" dirty="0" smtClean="0"/>
-              <a:t>© 2015 EV3Lessons.com </a:t>
-            </a:r>
-            <a:r>
-              <a:rPr lang="en-US" dirty="0" smtClean="0"/>
-              <a:t>(</a:t>
+              <a:t>© 2015 EV3Lessons.com (</a:t>
             </a:r>
             <a:r>
               <a:rPr lang="en-US" dirty="0" err="1" smtClean="0"/>
@@ -8110,7 +11111,7 @@
             <a:spLocks noGrp="1"/>
           </p:cNvSpPr>
           <p:nvPr>
-            <p:ph type="sldNum" sz="quarter" idx="4"/>
+            <p:ph type="sldNum" sz="quarter" idx="12"/>
           </p:nvPr>
         </p:nvSpPr>
         <p:spPr/>
@@ -8200,7 +11201,6 @@
               <a:rPr lang="en-US" sz="2800" dirty="0" smtClean="0"/>
               <a:t> o sensor de toque</a:t>
             </a:r>
-            <a:endParaRPr lang="en-US" sz="2800" dirty="0" smtClean="0"/>
           </a:p>
           <a:p>
             <a:endParaRPr lang="en-US" sz="2800" dirty="0"/>
@@ -8365,11 +11365,7 @@
           <a:p>
             <a:r>
               <a:rPr lang="en-US" dirty="0" smtClean="0"/>
-              <a:t>© 2015 EV3Lessons.com </a:t>
-            </a:r>
-            <a:r>
-              <a:rPr lang="en-US" dirty="0" smtClean="0"/>
-              <a:t>(</a:t>
+              <a:t>© 2015 EV3Lessons.com (</a:t>
             </a:r>
             <a:r>
               <a:rPr lang="en-US" dirty="0" err="1" smtClean="0"/>
@@ -8398,7 +11394,7 @@
             <a:spLocks noGrp="1"/>
           </p:cNvSpPr>
           <p:nvPr>
-            <p:ph type="sldNum" sz="quarter" idx="4"/>
+            <p:ph type="sldNum" sz="quarter" idx="12"/>
           </p:nvPr>
         </p:nvSpPr>
         <p:spPr/>
@@ -8657,11 +11653,7 @@
           <a:p>
             <a:r>
               <a:rPr lang="en-US" dirty="0" smtClean="0"/>
-              <a:t>© 2015 EV3Lessons.com </a:t>
-            </a:r>
-            <a:r>
-              <a:rPr lang="en-US" dirty="0" smtClean="0"/>
-              <a:t>(</a:t>
+              <a:t>© 2015 EV3Lessons.com (</a:t>
             </a:r>
             <a:r>
               <a:rPr lang="en-US" dirty="0" err="1" smtClean="0"/>
@@ -8690,7 +11682,7 @@
             <a:spLocks noGrp="1"/>
           </p:cNvSpPr>
           <p:nvPr>
-            <p:ph type="sldNum" sz="quarter" idx="4"/>
+            <p:ph type="sldNum" sz="quarter" idx="12"/>
           </p:nvPr>
         </p:nvSpPr>
         <p:spPr/>
@@ -8996,7 +11988,6 @@
               <a:rPr lang="en-US" dirty="0" smtClean="0"/>
               <a:t>?</a:t>
             </a:r>
-            <a:endParaRPr lang="en-US" dirty="0" smtClean="0"/>
           </a:p>
           <a:p>
             <a:r>
@@ -9168,15 +12159,35 @@
             </a:r>
             <a:r>
               <a:rPr lang="en-US" dirty="0" smtClean="0"/>
+              <a:t> boas </a:t>
+            </a:r>
+            <a:r>
+              <a:rPr lang="en-US" dirty="0" err="1" smtClean="0"/>
+              <a:t>neste</a:t>
+            </a:r>
+            <a:r>
+              <a:rPr lang="en-US" dirty="0" smtClean="0"/>
               <a:t> </a:t>
             </a:r>
             <a:r>
-              <a:rPr lang="en-US" dirty="0" smtClean="0"/>
-              <a:t>boas </a:t>
-            </a:r>
-            <a:r>
-              <a:rPr lang="en-US" dirty="0" err="1" smtClean="0"/>
-              <a:t>neste</a:t>
+              <a:rPr lang="en-US" dirty="0" err="1" smtClean="0"/>
+              <a:t>seguidor</a:t>
+            </a:r>
+            <a:r>
+              <a:rPr lang="en-US" dirty="0" smtClean="0"/>
+              <a:t> de </a:t>
+            </a:r>
+            <a:r>
+              <a:rPr lang="en-US" dirty="0" err="1" smtClean="0"/>
+              <a:t>linha</a:t>
+            </a:r>
+            <a:r>
+              <a:rPr lang="en-US" dirty="0" smtClean="0"/>
+              <a:t>? </a:t>
+            </a:r>
+            <a:r>
+              <a:rPr lang="en-US" dirty="0" err="1" smtClean="0"/>
+              <a:t>Você</a:t>
             </a:r>
             <a:r>
               <a:rPr lang="en-US" dirty="0" smtClean="0"/>
@@ -9184,39 +12195,23 @@
             </a:r>
             <a:r>
               <a:rPr lang="en-US" dirty="0" err="1" smtClean="0"/>
+              <a:t>acha</a:t>
+            </a:r>
+            <a:r>
+              <a:rPr lang="en-US" dirty="0" smtClean="0"/>
+              <a:t> que o </a:t>
+            </a:r>
+            <a:r>
+              <a:rPr lang="en-US" dirty="0" err="1" smtClean="0"/>
               <a:t>seguidor</a:t>
             </a:r>
             <a:r>
               <a:rPr lang="en-US" dirty="0" smtClean="0"/>
-              <a:t> de </a:t>
-            </a:r>
-            <a:r>
-              <a:rPr lang="en-US" dirty="0" err="1" smtClean="0"/>
-              <a:t>linha</a:t>
-            </a:r>
-            <a:r>
-              <a:rPr lang="en-US" dirty="0" smtClean="0"/>
-              <a:t>? </a:t>
-            </a:r>
-            <a:r>
-              <a:rPr lang="en-US" dirty="0" err="1" smtClean="0"/>
-              <a:t>Você</a:t>
-            </a:r>
-            <a:r>
-              <a:rPr lang="en-US" dirty="0" smtClean="0"/>
               <a:t> </a:t>
             </a:r>
             <a:r>
               <a:rPr lang="en-US" dirty="0" err="1" smtClean="0"/>
-              <a:t>acha</a:t>
-            </a:r>
-            <a:r>
-              <a:rPr lang="en-US" dirty="0" smtClean="0"/>
-              <a:t> que o </a:t>
-            </a:r>
-            <a:r>
-              <a:rPr lang="en-US" dirty="0" err="1" smtClean="0"/>
-              <a:t>seguidor</a:t>
+              <a:t>delinha</a:t>
             </a:r>
             <a:r>
               <a:rPr lang="en-US" dirty="0" smtClean="0"/>
@@ -9224,7 +12219,7 @@
             </a:r>
             <a:r>
               <a:rPr lang="en-US" dirty="0" err="1" smtClean="0"/>
-              <a:t>delinha</a:t>
+              <a:t>pode</a:t>
             </a:r>
             <a:r>
               <a:rPr lang="en-US" dirty="0" smtClean="0"/>
@@ -9232,7 +12227,7 @@
             </a:r>
             <a:r>
               <a:rPr lang="en-US" dirty="0" err="1" smtClean="0"/>
-              <a:t>pode</a:t>
+              <a:t>ser</a:t>
             </a:r>
             <a:r>
               <a:rPr lang="en-US" dirty="0" smtClean="0"/>
@@ -9240,21 +12235,12 @@
             </a:r>
             <a:r>
               <a:rPr lang="en-US" dirty="0" err="1" smtClean="0"/>
-              <a:t>ser</a:t>
-            </a:r>
-            <a:r>
-              <a:rPr lang="en-US" dirty="0" smtClean="0"/>
-              <a:t> </a:t>
-            </a:r>
-            <a:r>
-              <a:rPr lang="en-US" dirty="0" err="1" smtClean="0"/>
               <a:t>melhorado</a:t>
             </a:r>
             <a:r>
               <a:rPr lang="en-US" dirty="0" smtClean="0"/>
               <a:t>?</a:t>
             </a:r>
-            <a:endParaRPr lang="en-US" dirty="0" smtClean="0"/>
           </a:p>
           <a:p>
             <a:r>
@@ -9514,19 +12500,55 @@
             </a:r>
             <a:r>
               <a:rPr lang="en-US" dirty="0" smtClean="0"/>
+              <a:t> um </a:t>
+            </a:r>
+            <a:r>
+              <a:rPr lang="en-US" dirty="0" err="1" smtClean="0"/>
+              <a:t>seguidor</a:t>
+            </a:r>
+            <a:r>
+              <a:rPr lang="en-US" dirty="0" smtClean="0"/>
+              <a:t> de </a:t>
+            </a:r>
+            <a:r>
+              <a:rPr lang="en-US" dirty="0" err="1" smtClean="0"/>
+              <a:t>linha</a:t>
+            </a:r>
+            <a:r>
+              <a:rPr lang="en-US" dirty="0" smtClean="0"/>
+              <a:t> que </a:t>
+            </a:r>
+            <a:r>
+              <a:rPr lang="en-US" dirty="0" err="1" smtClean="0"/>
+              <a:t>parará</a:t>
+            </a:r>
+            <a:r>
+              <a:rPr lang="en-US" dirty="0" smtClean="0"/>
               <a:t> </a:t>
             </a:r>
             <a:r>
-              <a:rPr lang="en-US" dirty="0" smtClean="0"/>
-              <a:t>um </a:t>
-            </a:r>
-            <a:r>
-              <a:rPr lang="en-US" dirty="0" err="1" smtClean="0"/>
-              <a:t>seguidor</a:t>
-            </a:r>
-            <a:r>
-              <a:rPr lang="en-US" dirty="0" smtClean="0"/>
-              <a:t> de </a:t>
+              <a:rPr lang="en-US" dirty="0" err="1" smtClean="0"/>
+              <a:t>quando</a:t>
+            </a:r>
+            <a:r>
+              <a:rPr lang="en-US" dirty="0" smtClean="0"/>
+              <a:t> </a:t>
+            </a:r>
+            <a:r>
+              <a:rPr lang="en-US" dirty="0" err="1" smtClean="0"/>
+              <a:t>ver</a:t>
+            </a:r>
+            <a:r>
+              <a:rPr lang="en-US" dirty="0" smtClean="0"/>
+              <a:t> </a:t>
+            </a:r>
+            <a:r>
+              <a:rPr lang="en-US" dirty="0" err="1" smtClean="0"/>
+              <a:t>uma</a:t>
+            </a:r>
+            <a:r>
+              <a:rPr lang="en-US" dirty="0" smtClean="0"/>
+              <a:t> </a:t>
             </a:r>
             <a:r>
               <a:rPr lang="en-US" dirty="0" err="1" smtClean="0"/>
@@ -9534,11 +12556,11 @@
             </a:r>
             <a:r>
               <a:rPr lang="en-US" dirty="0" smtClean="0"/>
-              <a:t> que </a:t>
-            </a:r>
-            <a:r>
-              <a:rPr lang="en-US" dirty="0" err="1" smtClean="0"/>
-              <a:t>parará</a:t>
+              <a:t>? </a:t>
+            </a:r>
+            <a:r>
+              <a:rPr lang="en-US" dirty="0" err="1" smtClean="0"/>
+              <a:t>Ou</a:t>
             </a:r>
             <a:r>
               <a:rPr lang="en-US" dirty="0" smtClean="0"/>
@@ -9546,7 +12568,7 @@
             </a:r>
             <a:r>
               <a:rPr lang="en-US" dirty="0" err="1" smtClean="0"/>
-              <a:t>quando</a:t>
+              <a:t>outra</a:t>
             </a:r>
             <a:r>
               <a:rPr lang="en-US" dirty="0" smtClean="0"/>
@@ -9554,53 +12576,12 @@
             </a:r>
             <a:r>
               <a:rPr lang="en-US" dirty="0" err="1" smtClean="0"/>
-              <a:t>ver</a:t>
-            </a:r>
-            <a:r>
-              <a:rPr lang="en-US" dirty="0" smtClean="0"/>
-              <a:t> </a:t>
-            </a:r>
-            <a:r>
-              <a:rPr lang="en-US" dirty="0" err="1" smtClean="0"/>
-              <a:t>uma</a:t>
-            </a:r>
-            <a:r>
-              <a:rPr lang="en-US" dirty="0" smtClean="0"/>
-              <a:t> </a:t>
-            </a:r>
-            <a:r>
-              <a:rPr lang="en-US" dirty="0" err="1" smtClean="0"/>
-              <a:t>linha</a:t>
-            </a:r>
-            <a:r>
-              <a:rPr lang="en-US" dirty="0" smtClean="0"/>
-              <a:t>? </a:t>
-            </a:r>
-            <a:r>
-              <a:rPr lang="en-US" dirty="0" err="1" smtClean="0"/>
-              <a:t>Ou</a:t>
-            </a:r>
-            <a:r>
-              <a:rPr lang="en-US" dirty="0" smtClean="0"/>
-              <a:t> </a:t>
-            </a:r>
-            <a:r>
-              <a:rPr lang="en-US" dirty="0" err="1" smtClean="0"/>
-              <a:t>outra</a:t>
-            </a:r>
-            <a:r>
-              <a:rPr lang="en-US" dirty="0" smtClean="0"/>
-              <a:t> </a:t>
-            </a:r>
-            <a:r>
-              <a:rPr lang="en-US" dirty="0" err="1" smtClean="0"/>
               <a:t>cor</a:t>
             </a:r>
             <a:r>
               <a:rPr lang="en-US" dirty="0" smtClean="0"/>
               <a:t>?</a:t>
             </a:r>
-            <a:endParaRPr lang="en-US" dirty="0" smtClean="0"/>
           </a:p>
           <a:p>
             <a:r>
@@ -9660,11 +12641,7 @@
           <a:p>
             <a:r>
               <a:rPr lang="en-US" dirty="0" smtClean="0"/>
-              <a:t>© 2015 EV3Lessons.com </a:t>
-            </a:r>
-            <a:r>
-              <a:rPr lang="en-US" dirty="0" smtClean="0"/>
-              <a:t>(</a:t>
+              <a:t>© 2015 EV3Lessons.com (</a:t>
             </a:r>
             <a:r>
               <a:rPr lang="en-US" dirty="0" err="1" smtClean="0"/>
@@ -9693,7 +12670,7 @@
             <a:spLocks noGrp="1"/>
           </p:cNvSpPr>
           <p:nvPr>
-            <p:ph type="sldNum" sz="quarter" idx="4"/>
+            <p:ph type="sldNum" sz="quarter" idx="12"/>
           </p:nvPr>
         </p:nvSpPr>
         <p:spPr/>
@@ -10083,25 +13060,8 @@
             </a:r>
             <a:r>
               <a:rPr lang="en-US" dirty="0" smtClean="0"/>
-              <a:t> Sanjay </a:t>
-            </a:r>
-            <a:r>
-              <a:rPr lang="en-US" dirty="0" err="1" smtClean="0"/>
-              <a:t>Seshan</a:t>
-            </a:r>
-            <a:r>
-              <a:rPr lang="en-US" dirty="0" smtClean="0"/>
-              <a:t> e Arvind </a:t>
-            </a:r>
-            <a:r>
-              <a:rPr lang="en-US" dirty="0" err="1" smtClean="0"/>
-              <a:t>Seshan</a:t>
-            </a:r>
-            <a:r>
-              <a:rPr lang="en-US" dirty="0" smtClean="0"/>
-              <a:t> dos Droids Robotics.</a:t>
-            </a:r>
-            <a:endParaRPr lang="en-US" dirty="0" smtClean="0"/>
+              <a:t> Sanjay Seshan e Arvind Seshan </a:t>
+            </a:r>
           </a:p>
           <a:p>
             <a:r>
@@ -10144,27 +13104,8 @@
               <a:rPr lang="en-US" dirty="0" smtClean="0"/>
               <a:t> www.ev3lessons.com</a:t>
             </a:r>
-            <a:endParaRPr lang="en-US" dirty="0" smtClean="0"/>
-          </a:p>
-          <a:p>
-            <a:r>
-              <a:rPr lang="en-US" dirty="0" smtClean="0"/>
-              <a:t>Email do </a:t>
-            </a:r>
-            <a:r>
-              <a:rPr lang="en-US" dirty="0" err="1" smtClean="0"/>
-              <a:t>autor</a:t>
-            </a:r>
-            <a:r>
-              <a:rPr lang="en-US" dirty="0" smtClean="0"/>
-              <a:t>: </a:t>
-            </a:r>
-            <a:r>
-              <a:rPr lang="en-US" dirty="0" smtClean="0">
-                <a:hlinkClick r:id="rId3"/>
-              </a:rPr>
-              <a:t>team@droidsrobotics.org</a:t>
-            </a:r>
+          </a:p>
+          <a:p>
             <a:r>
               <a:rPr lang="en-US" dirty="0" smtClean="0"/>
               <a:t/>
@@ -10193,11 +13134,7 @@
           <a:p>
             <a:r>
               <a:rPr lang="en-US" dirty="0" smtClean="0"/>
-              <a:t>© 2015 EV3Lessons.com </a:t>
-            </a:r>
-            <a:r>
-              <a:rPr lang="en-US" dirty="0" smtClean="0"/>
-              <a:t>(</a:t>
+              <a:t>© 2015 EV3Lessons.com (</a:t>
             </a:r>
             <a:r>
               <a:rPr lang="en-US" dirty="0" err="1" smtClean="0"/>
@@ -10226,7 +13163,7 @@
             <a:spLocks noGrp="1"/>
           </p:cNvSpPr>
           <p:nvPr>
-            <p:ph type="sldNum" sz="quarter" idx="4"/>
+            <p:ph type="sldNum" sz="quarter" idx="12"/>
           </p:nvPr>
         </p:nvSpPr>
         <p:spPr/>
@@ -10616,7 +13553,7 @@
                 </a:solidFill>
                 <a:effectLst/>
                 <a:latin typeface="Helvetica Neue"/>
-                <a:hlinkClick r:id="rId4"/>
+                <a:hlinkClick r:id="rId3"/>
               </a:rPr>
               <a:t>Creative Commons Attribution-</a:t>
             </a:r>
@@ -10630,7 +13567,7 @@
                 </a:solidFill>
                 <a:effectLst/>
                 <a:latin typeface="Helvetica Neue"/>
-                <a:hlinkClick r:id="rId4"/>
+                <a:hlinkClick r:id="rId3"/>
               </a:rPr>
               <a:t>NonCommercial</a:t>
             </a:r>
@@ -10644,7 +13581,7 @@
                 </a:solidFill>
                 <a:effectLst/>
                 <a:latin typeface="Helvetica Neue"/>
-                <a:hlinkClick r:id="rId4"/>
+                <a:hlinkClick r:id="rId3"/>
               </a:rPr>
               <a:t>-</a:t>
             </a:r>
@@ -10658,7 +13595,7 @@
                 </a:solidFill>
                 <a:effectLst/>
                 <a:latin typeface="Helvetica Neue"/>
-                <a:hlinkClick r:id="rId4"/>
+                <a:hlinkClick r:id="rId3"/>
               </a:rPr>
               <a:t>ShareAlike</a:t>
             </a:r>
@@ -10672,7 +13609,7 @@
                 </a:solidFill>
                 <a:effectLst/>
                 <a:latin typeface="Helvetica Neue"/>
-                <a:hlinkClick r:id="rId4"/>
+                <a:hlinkClick r:id="rId3"/>
               </a:rPr>
               <a:t> 4.0 International License</a:t>
             </a:r>
@@ -10717,7 +13654,7 @@
       <p:pic>
         <p:nvPicPr>
           <p:cNvPr id="2050" name="Picture 2" descr="Creative Commons License">
-            <a:hlinkClick r:id="rId4"/>
+            <a:hlinkClick r:id="rId3"/>
           </p:cNvPr>
           <p:cNvPicPr>
             <a:picLocks noChangeAspect="1" noChangeArrowheads="1"/>
@@ -10725,7 +13662,7 @@
           <p:nvPr/>
         </p:nvPicPr>
         <p:blipFill>
-          <a:blip r:embed="rId5">
+          <a:blip r:embed="rId4">
             <a:extLst>
               <a:ext uri="{28A0092B-C50C-407E-A947-70E740481C1C}">
                 <a14:useLocalDpi xmlns:a14="http://schemas.microsoft.com/office/drawing/2010/main" val="0"/>
@@ -10990,7 +13927,6 @@
               <a:rPr lang="en-US" dirty="0" smtClean="0"/>
               <a:t> EV3</a:t>
             </a:r>
-            <a:endParaRPr lang="en-US" dirty="0" smtClean="0"/>
           </a:p>
           <a:p>
             <a:pPr marL="457200" indent="-457200">
@@ -11192,11 +14128,7 @@
           <a:p>
             <a:r>
               <a:rPr lang="en-US" dirty="0" smtClean="0"/>
-              <a:t>© 2015 EV3Lessons.com </a:t>
-            </a:r>
-            <a:r>
-              <a:rPr lang="en-US" dirty="0" smtClean="0"/>
-              <a:t>(</a:t>
+              <a:t>© 2015 EV3Lessons.com (</a:t>
             </a:r>
             <a:r>
               <a:rPr lang="en-US" dirty="0" err="1" smtClean="0"/>
@@ -11225,7 +14157,7 @@
             <a:spLocks noGrp="1"/>
           </p:cNvSpPr>
           <p:nvPr>
-            <p:ph type="sldNum" sz="quarter" idx="4"/>
+            <p:ph type="sldNum" sz="quarter" idx="12"/>
           </p:nvPr>
         </p:nvSpPr>
         <p:spPr/>
@@ -11608,7 +14540,6 @@
               <a:rPr lang="en-US" b="0" dirty="0" smtClean="0"/>
               <a:t> no Slide 16</a:t>
             </a:r>
-            <a:endParaRPr lang="en-US" b="0" dirty="0" smtClean="0"/>
           </a:p>
           <a:p>
             <a:pPr marL="342900" indent="-342900">
@@ -11716,11 +14647,7 @@
           <a:p>
             <a:r>
               <a:rPr lang="en-US" dirty="0" smtClean="0"/>
-              <a:t>© 2015 EV3Lessons.com </a:t>
-            </a:r>
-            <a:r>
-              <a:rPr lang="en-US" dirty="0" smtClean="0"/>
-              <a:t>(</a:t>
+              <a:t>© 2015 EV3Lessons.com (</a:t>
             </a:r>
             <a:r>
               <a:rPr lang="en-US" dirty="0" err="1" smtClean="0"/>
@@ -11741,7 +14668,7 @@
             <a:spLocks noGrp="1"/>
           </p:cNvSpPr>
           <p:nvPr>
-            <p:ph type="sldNum" sz="quarter" idx="4"/>
+            <p:ph type="sldNum" sz="quarter" idx="12"/>
           </p:nvPr>
         </p:nvSpPr>
         <p:spPr/>
@@ -11882,7 +14809,6 @@
               <a:rPr lang="en-US" dirty="0" smtClean="0"/>
               <a:t>  </a:t>
             </a:r>
-            <a:endParaRPr lang="en-US" dirty="0" smtClean="0"/>
           </a:p>
           <a:p>
             <a:r>
@@ -11899,11 +14825,7 @@
             </a:r>
             <a:r>
               <a:rPr lang="en-US" dirty="0" smtClean="0"/>
-              <a:t> </a:t>
-            </a:r>
-            <a:r>
-              <a:rPr lang="en-US" dirty="0" smtClean="0"/>
-              <a:t>o </a:t>
+              <a:t> o </a:t>
             </a:r>
             <a:r>
               <a:rPr lang="en-US" dirty="0" err="1" smtClean="0"/>
@@ -12028,7 +14950,6 @@
               <a:rPr lang="en-US" dirty="0" smtClean="0"/>
               <a:t> sensor</a:t>
             </a:r>
-            <a:endParaRPr lang="en-US" dirty="0" smtClean="0"/>
           </a:p>
           <a:p>
             <a:pPr lvl="1"/>
@@ -12080,7 +15001,6 @@
               <a:rPr lang="en-US" dirty="0" smtClean="0"/>
               <a:t>?</a:t>
             </a:r>
-            <a:endParaRPr lang="en-US" dirty="0" smtClean="0"/>
           </a:p>
         </p:txBody>
       </p:sp>
@@ -12101,11 +15021,7 @@
           <a:p>
             <a:r>
               <a:rPr lang="en-US" dirty="0" smtClean="0"/>
-              <a:t>© 2015 EV3Lessons.com </a:t>
-            </a:r>
-            <a:r>
-              <a:rPr lang="en-US" dirty="0" smtClean="0"/>
-              <a:t>(</a:t>
+              <a:t>© 2015 EV3Lessons.com (</a:t>
             </a:r>
             <a:r>
               <a:rPr lang="en-US" dirty="0" err="1" smtClean="0"/>
@@ -12134,7 +15050,7 @@
             <a:spLocks noGrp="1"/>
           </p:cNvSpPr>
           <p:nvPr>
-            <p:ph type="sldNum" sz="quarter" idx="4"/>
+            <p:ph type="sldNum" sz="quarter" idx="12"/>
           </p:nvPr>
         </p:nvSpPr>
         <p:spPr/>
@@ -13782,11 +16698,7 @@
           <a:p>
             <a:r>
               <a:rPr lang="en-US" dirty="0" smtClean="0"/>
-              <a:t>© 2015 EV3Lessons.com </a:t>
-            </a:r>
-            <a:r>
-              <a:rPr lang="en-US" dirty="0" smtClean="0"/>
-              <a:t>(</a:t>
+              <a:t>© 2015 EV3Lessons.com (</a:t>
             </a:r>
             <a:r>
               <a:rPr lang="en-US" dirty="0" err="1" smtClean="0"/>
@@ -13815,7 +16727,7 @@
             <a:spLocks noGrp="1"/>
           </p:cNvSpPr>
           <p:nvPr>
-            <p:ph type="sldNum" sz="quarter" idx="4"/>
+            <p:ph type="sldNum" sz="quarter" idx="12"/>
           </p:nvPr>
         </p:nvSpPr>
         <p:spPr/>
@@ -15615,11 +18527,6 @@
               </a:rPr>
               <a:t>…</a:t>
             </a:r>
-            <a:endParaRPr lang="en-US" b="1" dirty="0" smtClean="0">
-              <a:solidFill>
-                <a:srgbClr val="FF0000"/>
-              </a:solidFill>
-            </a:endParaRPr>
           </a:p>
           <a:p>
             <a:endParaRPr lang="en-US" b="1" dirty="0">
@@ -15814,11 +18721,7 @@
           <a:p>
             <a:r>
               <a:rPr lang="en-US" dirty="0" smtClean="0"/>
-              <a:t>© 2015 EV3Lessons.com </a:t>
-            </a:r>
-            <a:r>
-              <a:rPr lang="en-US" dirty="0" smtClean="0"/>
-              <a:t>(</a:t>
+              <a:t>© 2015 EV3Lessons.com (</a:t>
             </a:r>
             <a:r>
               <a:rPr lang="en-US" dirty="0" err="1" smtClean="0"/>
@@ -15847,7 +18750,7 @@
             <a:spLocks noGrp="1"/>
           </p:cNvSpPr>
           <p:nvPr>
-            <p:ph type="sldNum" sz="quarter" idx="4"/>
+            <p:ph type="sldNum" sz="quarter" idx="12"/>
           </p:nvPr>
         </p:nvSpPr>
         <p:spPr/>
@@ -16562,7 +19465,6 @@
               <a:rPr lang="en-US" dirty="0" smtClean="0"/>
               <a:t>?:</a:t>
             </a:r>
-            <a:endParaRPr lang="en-US" dirty="0" smtClean="0"/>
           </a:p>
           <a:p>
             <a:pPr lvl="1"/>
@@ -16585,6 +19487,73 @@
             <a:r>
               <a:rPr lang="en-US" dirty="0" err="1" smtClean="0"/>
               <a:t>ver</a:t>
+            </a:r>
+            <a:r>
+              <a:rPr lang="en-US" dirty="0" smtClean="0">
+                <a:solidFill>
+                  <a:srgbClr val="FF0000"/>
+                </a:solidFill>
+              </a:rPr>
+              <a:t> à </a:t>
+            </a:r>
+            <a:r>
+              <a:rPr lang="en-US" dirty="0" err="1" smtClean="0">
+                <a:solidFill>
+                  <a:srgbClr val="FF0000"/>
+                </a:solidFill>
+              </a:rPr>
+              <a:t>frente</a:t>
+            </a:r>
+            <a:r>
+              <a:rPr lang="en-US" dirty="0" smtClean="0">
+                <a:solidFill>
+                  <a:srgbClr val="FF0000"/>
+                </a:solidFill>
+              </a:rPr>
+              <a:t>.</a:t>
+            </a:r>
+          </a:p>
+          <a:p>
+            <a:pPr lvl="1"/>
+            <a:r>
+              <a:rPr lang="en-US" dirty="0" err="1" smtClean="0"/>
+              <a:t>Eles</a:t>
+            </a:r>
+            <a:r>
+              <a:rPr lang="en-US" dirty="0" smtClean="0"/>
+              <a:t> </a:t>
+            </a:r>
+            <a:r>
+              <a:rPr lang="en-US" dirty="0" err="1" smtClean="0"/>
+              <a:t>conseguem</a:t>
+            </a:r>
+            <a:r>
+              <a:rPr lang="en-US" dirty="0" smtClean="0"/>
+              <a:t> </a:t>
+            </a:r>
+            <a:r>
+              <a:rPr lang="en-US" dirty="0" err="1" smtClean="0">
+                <a:solidFill>
+                  <a:srgbClr val="FF0000"/>
+                </a:solidFill>
+              </a:rPr>
+              <a:t>ver</a:t>
+            </a:r>
+            <a:r>
+              <a:rPr lang="en-US" dirty="0" smtClean="0">
+                <a:solidFill>
+                  <a:srgbClr val="FF0000"/>
+                </a:solidFill>
+              </a:rPr>
+              <a:t> a </a:t>
+            </a:r>
+            <a:r>
+              <a:rPr lang="en-US" dirty="0" err="1" smtClean="0">
+                <a:solidFill>
+                  <a:srgbClr val="FF0000"/>
+                </a:solidFill>
+              </a:rPr>
+              <a:t>linha</a:t>
             </a:r>
             <a:r>
               <a:rPr lang="en-US" dirty="0" smtClean="0">
@@ -16595,12 +19564,20 @@
               <a:t> </a:t>
             </a:r>
             <a:r>
+              <a:rPr lang="en-US" dirty="0" err="1" smtClean="0">
+                <a:solidFill>
+                  <a:srgbClr val="FF0000"/>
+                </a:solidFill>
+              </a:rPr>
+              <a:t>inteira</a:t>
+            </a:r>
+            <a:r>
               <a:rPr lang="en-US" dirty="0" smtClean="0">
                 <a:solidFill>
                   <a:srgbClr val="FF0000"/>
                 </a:solidFill>
               </a:rPr>
-              <a:t>à </a:t>
+              <a:t> e </a:t>
             </a:r>
             <a:r>
               <a:rPr lang="en-US" dirty="0" err="1" smtClean="0">
@@ -16608,7 +19585,7 @@
                   <a:srgbClr val="FF0000"/>
                 </a:solidFill>
               </a:rPr>
-              <a:t>frente</a:t>
+              <a:t>os</a:t>
             </a:r>
             <a:r>
               <a:rPr lang="en-US" dirty="0" smtClean="0">
@@ -16616,7 +19593,15 @@
                   <a:srgbClr val="FF0000"/>
                 </a:solidFill>
               </a:rPr>
-              <a:t>.</a:t>
+              <a:t> </a:t>
+            </a:r>
+            <a:r>
+              <a:rPr lang="en-US" dirty="0" err="1" smtClean="0">
+                <a:solidFill>
+                  <a:srgbClr val="FF0000"/>
+                </a:solidFill>
+              </a:rPr>
+              <a:t>arredores</a:t>
             </a:r>
             <a:endParaRPr lang="en-US" dirty="0" smtClean="0">
               <a:solidFill>
@@ -16635,11 +19620,35 @@
               <a:t> </a:t>
             </a:r>
             <a:r>
-              <a:rPr lang="en-US" dirty="0" err="1" smtClean="0"/>
-              <a:t>conseguem</a:t>
-            </a:r>
-            <a:r>
-              <a:rPr lang="en-US" dirty="0" smtClean="0"/>
+              <a:rPr lang="en-US" dirty="0" err="1" smtClean="0">
+                <a:solidFill>
+                  <a:srgbClr val="FF0000"/>
+                </a:solidFill>
+              </a:rPr>
+              <a:t>veem</a:t>
+            </a:r>
+            <a:r>
+              <a:rPr lang="en-US" dirty="0" smtClean="0">
+                <a:solidFill>
+                  <a:srgbClr val="FF0000"/>
+                </a:solidFill>
+              </a:rPr>
+              <a:t> ambos </a:t>
+            </a:r>
+            <a:r>
+              <a:rPr lang="en-US" dirty="0" err="1" smtClean="0">
+                <a:solidFill>
+                  <a:srgbClr val="FF0000"/>
+                </a:solidFill>
+              </a:rPr>
+              <a:t>os</a:t>
+            </a:r>
+            <a:r>
+              <a:rPr lang="en-US" dirty="0" smtClean="0">
+                <a:solidFill>
+                  <a:srgbClr val="FF0000"/>
+                </a:solidFill>
+              </a:rPr>
               <a:t> </a:t>
             </a:r>
             <a:r>
@@ -16648,7 +19657,112 @@
                   <a:srgbClr val="FF0000"/>
                 </a:solidFill>
               </a:rPr>
-              <a:t>ver</a:t>
+              <a:t>lados</a:t>
+            </a:r>
+            <a:r>
+              <a:rPr lang="en-US" dirty="0" smtClean="0"/>
+              <a:t> e </a:t>
+            </a:r>
+            <a:r>
+              <a:rPr lang="en-US" dirty="0" err="1" smtClean="0"/>
+              <a:t>qual</a:t>
+            </a:r>
+            <a:r>
+              <a:rPr lang="en-US" dirty="0" smtClean="0"/>
+              <a:t> </a:t>
+            </a:r>
+            <a:r>
+              <a:rPr lang="en-US" dirty="0" err="1" smtClean="0"/>
+              <a:t>lado</a:t>
+            </a:r>
+            <a:r>
+              <a:rPr lang="en-US" dirty="0" smtClean="0"/>
+              <a:t> </a:t>
+            </a:r>
+            <a:r>
+              <a:rPr lang="en-US" dirty="0" err="1" smtClean="0"/>
+              <a:t>eles</a:t>
+            </a:r>
+            <a:r>
+              <a:rPr lang="en-US" dirty="0" smtClean="0"/>
+              <a:t> </a:t>
+            </a:r>
+            <a:r>
+              <a:rPr lang="en-US" dirty="0" err="1" smtClean="0"/>
+              <a:t>deixam</a:t>
+            </a:r>
+            <a:endParaRPr lang="en-US" dirty="0" smtClean="0"/>
+          </a:p>
+          <a:p>
+            <a:endParaRPr lang="en-US" dirty="0" smtClean="0"/>
+          </a:p>
+          <a:p>
+            <a:r>
+              <a:rPr lang="en-US" dirty="0" err="1" smtClean="0"/>
+              <a:t>Por</a:t>
+            </a:r>
+            <a:r>
+              <a:rPr lang="en-US" dirty="0" smtClean="0"/>
+              <a:t> que o </a:t>
+            </a:r>
+            <a:r>
+              <a:rPr lang="en-US" dirty="0" err="1" smtClean="0"/>
+              <a:t>robô</a:t>
+            </a:r>
+            <a:r>
+              <a:rPr lang="en-US" dirty="0" smtClean="0"/>
+              <a:t> </a:t>
+            </a:r>
+            <a:r>
+              <a:rPr lang="en-US" dirty="0" err="1" smtClean="0"/>
+              <a:t>não</a:t>
+            </a:r>
+            <a:r>
+              <a:rPr lang="en-US" dirty="0" smtClean="0"/>
+              <a:t> </a:t>
+            </a:r>
+            <a:r>
+              <a:rPr lang="en-US" dirty="0" err="1" smtClean="0"/>
+              <a:t>consegue</a:t>
+            </a:r>
+            <a:r>
+              <a:rPr lang="en-US" dirty="0" smtClean="0"/>
+              <a:t> </a:t>
+            </a:r>
+            <a:r>
+              <a:rPr lang="en-US" dirty="0" err="1" smtClean="0"/>
+              <a:t>fazer</a:t>
+            </a:r>
+            <a:r>
+              <a:rPr lang="en-US" dirty="0" smtClean="0"/>
+              <a:t> a </a:t>
+            </a:r>
+            <a:r>
+              <a:rPr lang="en-US" dirty="0" err="1" smtClean="0"/>
+              <a:t>mesma</a:t>
+            </a:r>
+            <a:r>
+              <a:rPr lang="en-US" dirty="0" smtClean="0"/>
+              <a:t> </a:t>
+            </a:r>
+            <a:r>
+              <a:rPr lang="en-US" dirty="0" err="1" smtClean="0"/>
+              <a:t>coisa</a:t>
+            </a:r>
+            <a:r>
+              <a:rPr lang="en-US" dirty="0" smtClean="0"/>
+              <a:t>?:</a:t>
+            </a:r>
+          </a:p>
+          <a:p>
+            <a:pPr lvl="1"/>
+            <a:r>
+              <a:rPr lang="en-US" dirty="0" err="1" smtClean="0">
+                <a:solidFill>
+                  <a:srgbClr val="FF0000"/>
+                </a:solidFill>
+              </a:rPr>
+              <a:t>Não</a:t>
             </a:r>
             <a:r>
               <a:rPr lang="en-US" dirty="0" smtClean="0">
@@ -16656,7 +19770,119 @@
                   <a:srgbClr val="FF0000"/>
                 </a:solidFill>
               </a:rPr>
-              <a:t> a </a:t>
+              <a:t> </a:t>
+            </a:r>
+            <a:r>
+              <a:rPr lang="en-US" dirty="0" err="1" smtClean="0">
+                <a:solidFill>
+                  <a:srgbClr val="FF0000"/>
+                </a:solidFill>
+              </a:rPr>
+              <a:t>pode</a:t>
+            </a:r>
+            <a:r>
+              <a:rPr lang="en-US" dirty="0" smtClean="0">
+                <a:solidFill>
+                  <a:srgbClr val="FF0000"/>
+                </a:solidFill>
+              </a:rPr>
+              <a:t> </a:t>
+            </a:r>
+            <a:r>
+              <a:rPr lang="en-US" dirty="0" err="1" smtClean="0">
+                <a:solidFill>
+                  <a:srgbClr val="FF0000"/>
+                </a:solidFill>
+              </a:rPr>
+              <a:t>dizer</a:t>
+            </a:r>
+            <a:r>
+              <a:rPr lang="en-US" dirty="0" smtClean="0">
+                <a:solidFill>
+                  <a:srgbClr val="FF0000"/>
+                </a:solidFill>
+              </a:rPr>
+              <a:t> </a:t>
+            </a:r>
+            <a:r>
+              <a:rPr lang="en-US" dirty="0" err="1" smtClean="0">
+                <a:solidFill>
+                  <a:srgbClr val="FF0000"/>
+                </a:solidFill>
+              </a:rPr>
+              <a:t>qual</a:t>
+            </a:r>
+            <a:r>
+              <a:rPr lang="en-US" dirty="0" smtClean="0">
+                <a:solidFill>
+                  <a:srgbClr val="FF0000"/>
+                </a:solidFill>
+              </a:rPr>
+              <a:t> o </a:t>
+            </a:r>
+            <a:r>
+              <a:rPr lang="en-US" dirty="0" err="1" smtClean="0">
+                <a:solidFill>
+                  <a:srgbClr val="FF0000"/>
+                </a:solidFill>
+              </a:rPr>
+              <a:t>lado</a:t>
+            </a:r>
+            <a:r>
+              <a:rPr lang="en-US" dirty="0" smtClean="0">
+                <a:solidFill>
+                  <a:srgbClr val="FF0000"/>
+                </a:solidFill>
+              </a:rPr>
+              <a:t> </a:t>
+            </a:r>
+            <a:r>
+              <a:rPr lang="en-US" dirty="0" err="1" smtClean="0">
+                <a:solidFill>
+                  <a:srgbClr val="FF0000"/>
+                </a:solidFill>
+              </a:rPr>
+              <a:t>direito</a:t>
+            </a:r>
+            <a:r>
+              <a:rPr lang="en-US" dirty="0" smtClean="0">
+                <a:solidFill>
+                  <a:srgbClr val="FF0000"/>
+                </a:solidFill>
+              </a:rPr>
+              <a:t> </a:t>
+            </a:r>
+            <a:r>
+              <a:rPr lang="en-US" dirty="0" err="1" smtClean="0">
+                <a:solidFill>
+                  <a:srgbClr val="FF0000"/>
+                </a:solidFill>
+              </a:rPr>
+              <a:t>ou</a:t>
+            </a:r>
+            <a:r>
+              <a:rPr lang="en-US" dirty="0" smtClean="0">
+                <a:solidFill>
+                  <a:srgbClr val="FF0000"/>
+                </a:solidFill>
+              </a:rPr>
+              <a:t> </a:t>
+            </a:r>
+            <a:r>
+              <a:rPr lang="en-US" dirty="0" err="1" smtClean="0">
+                <a:solidFill>
+                  <a:srgbClr val="FF0000"/>
+                </a:solidFill>
+              </a:rPr>
+              <a:t>esquerdo</a:t>
+            </a:r>
+            <a:r>
+              <a:rPr lang="en-US" dirty="0" smtClean="0">
+                <a:solidFill>
+                  <a:srgbClr val="FF0000"/>
+                </a:solidFill>
+              </a:rPr>
+              <a:t> da </a:t>
             </a:r>
             <a:r>
               <a:rPr lang="en-US" dirty="0" err="1" smtClean="0">
@@ -16665,54 +19891,6 @@
                 </a:solidFill>
               </a:rPr>
               <a:t>linha</a:t>
-            </a:r>
-            <a:r>
-              <a:rPr lang="en-US" dirty="0" smtClean="0">
-                <a:solidFill>
-                  <a:srgbClr val="FF0000"/>
-                </a:solidFill>
-              </a:rPr>
-              <a:t> </a:t>
-            </a:r>
-            <a:r>
-              <a:rPr lang="en-US" dirty="0" err="1" smtClean="0">
-                <a:solidFill>
-                  <a:srgbClr val="FF0000"/>
-                </a:solidFill>
-              </a:rPr>
-              <a:t>inteira</a:t>
-            </a:r>
-            <a:r>
-              <a:rPr lang="en-US" dirty="0" smtClean="0">
-                <a:solidFill>
-                  <a:srgbClr val="FF0000"/>
-                </a:solidFill>
-              </a:rPr>
-              <a:t> e </a:t>
-            </a:r>
-            <a:r>
-              <a:rPr lang="en-US" dirty="0" err="1" smtClean="0">
-                <a:solidFill>
-                  <a:srgbClr val="FF0000"/>
-                </a:solidFill>
-              </a:rPr>
-              <a:t>os</a:t>
-            </a:r>
-            <a:r>
-              <a:rPr lang="en-US" dirty="0" smtClean="0">
-                <a:solidFill>
-                  <a:srgbClr val="FF0000"/>
-                </a:solidFill>
-              </a:rPr>
-              <a:t> </a:t>
-            </a:r>
-            <a:r>
-              <a:rPr lang="en-US" dirty="0" err="1" smtClean="0">
-                <a:solidFill>
-                  <a:srgbClr val="FF0000"/>
-                </a:solidFill>
-              </a:rPr>
-              <a:t>arredores</a:t>
             </a:r>
             <a:endParaRPr lang="en-US" dirty="0" smtClean="0">
               <a:solidFill>
@@ -16723,41 +19901,25 @@
           <a:p>
             <a:pPr lvl="1"/>
             <a:r>
-              <a:rPr lang="en-US" dirty="0" err="1" smtClean="0"/>
-              <a:t>Eles</a:t>
-            </a:r>
-            <a:r>
-              <a:rPr lang="en-US" dirty="0" smtClean="0"/>
-              <a:t> </a:t>
+              <a:rPr lang="en-US" dirty="0" smtClean="0">
+                <a:solidFill>
+                  <a:srgbClr val="00B900"/>
+                </a:solidFill>
+              </a:rPr>
+              <a:t>Como </a:t>
             </a:r>
             <a:r>
               <a:rPr lang="en-US" dirty="0" err="1" smtClean="0">
                 <a:solidFill>
-                  <a:srgbClr val="FF0000"/>
+                  <a:srgbClr val="00B900"/>
                 </a:solidFill>
               </a:rPr>
-              <a:t>veem</a:t>
+              <a:t>nós</a:t>
             </a:r>
             <a:r>
               <a:rPr lang="en-US" dirty="0" smtClean="0">
                 <a:solidFill>
-                  <a:srgbClr val="FF0000"/>
-                </a:solidFill>
-              </a:rPr>
-              <a:t> ambos </a:t>
-            </a:r>
-            <a:r>
-              <a:rPr lang="en-US" dirty="0" err="1" smtClean="0">
-                <a:solidFill>
-                  <a:srgbClr val="FF0000"/>
-                </a:solidFill>
-              </a:rPr>
-              <a:t>os</a:t>
-            </a:r>
-            <a:r>
-              <a:rPr lang="en-US" dirty="0" smtClean="0">
-                <a:solidFill>
-                  <a:srgbClr val="FF0000"/>
+                  <a:srgbClr val="00B900"/>
                 </a:solidFill>
               </a:rPr>
               <a:t> </a:t>
@@ -16765,125 +19927,15 @@
             <a:r>
               <a:rPr lang="en-US" dirty="0" err="1" smtClean="0">
                 <a:solidFill>
-                  <a:srgbClr val="FF0000"/>
+                  <a:srgbClr val="00B900"/>
                 </a:solidFill>
               </a:rPr>
-              <a:t>lados</a:t>
-            </a:r>
-            <a:r>
-              <a:rPr lang="en-US" dirty="0" smtClean="0"/>
-              <a:t> e </a:t>
-            </a:r>
-            <a:r>
-              <a:rPr lang="en-US" dirty="0" err="1" smtClean="0"/>
-              <a:t>qual</a:t>
-            </a:r>
-            <a:r>
-              <a:rPr lang="en-US" dirty="0" smtClean="0"/>
-              <a:t> </a:t>
-            </a:r>
-            <a:r>
-              <a:rPr lang="en-US" dirty="0" err="1" smtClean="0"/>
-              <a:t>lado</a:t>
-            </a:r>
-            <a:r>
-              <a:rPr lang="en-US" dirty="0" smtClean="0"/>
-              <a:t> </a:t>
-            </a:r>
-            <a:r>
-              <a:rPr lang="en-US" dirty="0" err="1" smtClean="0"/>
-              <a:t>eles</a:t>
-            </a:r>
-            <a:r>
-              <a:rPr lang="en-US" dirty="0" smtClean="0"/>
-              <a:t> </a:t>
-            </a:r>
-            <a:r>
-              <a:rPr lang="en-US" dirty="0" err="1" smtClean="0"/>
-              <a:t>deixam</a:t>
-            </a:r>
-            <a:endParaRPr lang="en-US" dirty="0" smtClean="0"/>
-          </a:p>
-          <a:p>
-            <a:endParaRPr lang="en-US" dirty="0" smtClean="0"/>
-          </a:p>
-          <a:p>
-            <a:r>
-              <a:rPr lang="en-US" dirty="0" err="1" smtClean="0"/>
-              <a:t>Por</a:t>
-            </a:r>
-            <a:r>
-              <a:rPr lang="en-US" dirty="0" smtClean="0"/>
-              <a:t> que </a:t>
-            </a:r>
-            <a:r>
-              <a:rPr lang="en-US" dirty="0" smtClean="0"/>
-              <a:t>o </a:t>
-            </a:r>
-            <a:r>
-              <a:rPr lang="en-US" dirty="0" err="1" smtClean="0"/>
-              <a:t>robô</a:t>
-            </a:r>
-            <a:r>
-              <a:rPr lang="en-US" dirty="0" smtClean="0"/>
-              <a:t> </a:t>
-            </a:r>
-            <a:r>
-              <a:rPr lang="en-US" dirty="0" err="1" smtClean="0"/>
-              <a:t>não</a:t>
-            </a:r>
-            <a:r>
-              <a:rPr lang="en-US" dirty="0" smtClean="0"/>
-              <a:t> </a:t>
-            </a:r>
-            <a:r>
-              <a:rPr lang="en-US" dirty="0" err="1" smtClean="0"/>
-              <a:t>consegue</a:t>
-            </a:r>
-            <a:r>
-              <a:rPr lang="en-US" dirty="0" smtClean="0"/>
-              <a:t> </a:t>
-            </a:r>
-            <a:r>
-              <a:rPr lang="en-US" dirty="0" err="1" smtClean="0"/>
-              <a:t>fazer</a:t>
-            </a:r>
-            <a:r>
-              <a:rPr lang="en-US" dirty="0" smtClean="0"/>
-              <a:t> a </a:t>
-            </a:r>
-            <a:r>
-              <a:rPr lang="en-US" dirty="0" err="1" smtClean="0"/>
-              <a:t>mesma</a:t>
-            </a:r>
-            <a:r>
-              <a:rPr lang="en-US" dirty="0" smtClean="0"/>
-              <a:t> </a:t>
-            </a:r>
-            <a:r>
-              <a:rPr lang="en-US" dirty="0" err="1" smtClean="0"/>
-              <a:t>coisa</a:t>
-            </a:r>
-            <a:r>
-              <a:rPr lang="en-US" dirty="0" smtClean="0"/>
-              <a:t>?:</a:t>
-            </a:r>
-            <a:endParaRPr lang="en-US" dirty="0" smtClean="0"/>
-          </a:p>
-          <a:p>
-            <a:pPr lvl="1"/>
-            <a:r>
-              <a:rPr lang="en-US" dirty="0" err="1" smtClean="0">
-                <a:solidFill>
-                  <a:srgbClr val="FF0000"/>
-                </a:solidFill>
-              </a:rPr>
-              <a:t>Não</a:t>
+              <a:t>temos</a:t>
             </a:r>
             <a:r>
               <a:rPr lang="en-US" dirty="0" smtClean="0">
                 <a:solidFill>
-                  <a:srgbClr val="FF0000"/>
+                  <a:srgbClr val="00B900"/>
                 </a:solidFill>
               </a:rPr>
               <a:t> </a:t>
@@ -16891,15 +19943,31 @@
             <a:r>
               <a:rPr lang="en-US" dirty="0" err="1" smtClean="0">
                 <a:solidFill>
-                  <a:srgbClr val="FF0000"/>
+                  <a:srgbClr val="00B900"/>
                 </a:solidFill>
               </a:rPr>
-              <a:t>pode</a:t>
+              <a:t>certeza</a:t>
             </a:r>
             <a:r>
               <a:rPr lang="en-US" dirty="0" smtClean="0">
                 <a:solidFill>
-                  <a:srgbClr val="FF0000"/>
+                  <a:srgbClr val="00B900"/>
+                </a:solidFill>
+              </a:rPr>
+              <a:t> que o </a:t>
+            </a:r>
+            <a:r>
+              <a:rPr lang="en-US" dirty="0" err="1" smtClean="0">
+                <a:solidFill>
+                  <a:srgbClr val="00B900"/>
+                </a:solidFill>
+              </a:rPr>
+              <a:t>robô</a:t>
+            </a:r>
+            <a:r>
+              <a:rPr lang="en-US" dirty="0" smtClean="0">
+                <a:solidFill>
+                  <a:srgbClr val="00B900"/>
                 </a:solidFill>
               </a:rPr>
               <a:t> </a:t>
@@ -16907,15 +19975,15 @@
             <a:r>
               <a:rPr lang="en-US" dirty="0" err="1" smtClean="0">
                 <a:solidFill>
-                  <a:srgbClr val="FF0000"/>
+                  <a:srgbClr val="00B900"/>
                 </a:solidFill>
               </a:rPr>
-              <a:t>dizer</a:t>
+              <a:t>sempre</a:t>
             </a:r>
             <a:r>
               <a:rPr lang="en-US" dirty="0" smtClean="0">
                 <a:solidFill>
-                  <a:srgbClr val="FF0000"/>
+                  <a:srgbClr val="00B900"/>
                 </a:solidFill>
               </a:rPr>
               <a:t> </a:t>
@@ -16923,23 +19991,39 @@
             <a:r>
               <a:rPr lang="en-US" dirty="0" err="1" smtClean="0">
                 <a:solidFill>
-                  <a:srgbClr val="FF0000"/>
+                  <a:srgbClr val="00B900"/>
                 </a:solidFill>
               </a:rPr>
-              <a:t>qual</a:t>
+              <a:t>desvia</a:t>
             </a:r>
             <a:r>
               <a:rPr lang="en-US" dirty="0" smtClean="0">
                 <a:solidFill>
-                  <a:srgbClr val="FF0000"/>
+                  <a:srgbClr val="00B900"/>
                 </a:solidFill>
               </a:rPr>
-              <a:t> o </a:t>
+              <a:t> do </a:t>
             </a:r>
             <a:r>
               <a:rPr lang="en-US" dirty="0" err="1" smtClean="0">
                 <a:solidFill>
-                  <a:srgbClr val="FF0000"/>
+                  <a:srgbClr val="00B900"/>
+                </a:solidFill>
+              </a:rPr>
+              <a:t>mesmo</a:t>
+            </a:r>
+            <a:r>
+              <a:rPr lang="en-US" dirty="0" smtClean="0">
+                <a:solidFill>
+                  <a:srgbClr val="00B900"/>
+                </a:solidFill>
+              </a:rPr>
+              <a:t> </a:t>
+            </a:r>
+            <a:r>
+              <a:rPr lang="en-US" dirty="0" err="1" smtClean="0">
+                <a:solidFill>
+                  <a:srgbClr val="00B900"/>
                 </a:solidFill>
               </a:rPr>
               <a:t>lado</a:t>
@@ -16947,55 +20031,7 @@
             <a:r>
               <a:rPr lang="en-US" dirty="0" smtClean="0">
                 <a:solidFill>
-                  <a:srgbClr val="FF0000"/>
-                </a:solidFill>
-              </a:rPr>
-              <a:t> </a:t>
-            </a:r>
-            <a:r>
-              <a:rPr lang="en-US" dirty="0" err="1" smtClean="0">
-                <a:solidFill>
-                  <a:srgbClr val="FF0000"/>
-                </a:solidFill>
-              </a:rPr>
-              <a:t>direito</a:t>
-            </a:r>
-            <a:r>
-              <a:rPr lang="en-US" dirty="0" smtClean="0">
-                <a:solidFill>
-                  <a:srgbClr val="FF0000"/>
-                </a:solidFill>
-              </a:rPr>
-              <a:t> </a:t>
-            </a:r>
-            <a:r>
-              <a:rPr lang="en-US" dirty="0" err="1" smtClean="0">
-                <a:solidFill>
-                  <a:srgbClr val="FF0000"/>
-                </a:solidFill>
-              </a:rPr>
-              <a:t>ou</a:t>
-            </a:r>
-            <a:r>
-              <a:rPr lang="en-US" dirty="0" smtClean="0">
-                <a:solidFill>
-                  <a:srgbClr val="FF0000"/>
-                </a:solidFill>
-              </a:rPr>
-              <a:t> </a:t>
-            </a:r>
-            <a:r>
-              <a:rPr lang="en-US" dirty="0" err="1" smtClean="0">
-                <a:solidFill>
-                  <a:srgbClr val="FF0000"/>
-                </a:solidFill>
-              </a:rPr>
-              <a:t>esquerdo</a:t>
-            </a:r>
-            <a:r>
-              <a:rPr lang="en-US" dirty="0" smtClean="0">
-                <a:solidFill>
-                  <a:srgbClr val="FF0000"/>
+                  <a:srgbClr val="00B900"/>
                 </a:solidFill>
               </a:rPr>
               <a:t> da </a:t>
@@ -17003,163 +20039,11 @@
             <a:r>
               <a:rPr lang="en-US" dirty="0" err="1" smtClean="0">
                 <a:solidFill>
-                  <a:srgbClr val="FF0000"/>
+                  <a:srgbClr val="00B900"/>
                 </a:solidFill>
               </a:rPr>
               <a:t>linha</a:t>
             </a:r>
-            <a:endParaRPr lang="en-US" dirty="0" smtClean="0">
-              <a:solidFill>
-                <a:srgbClr val="FF0000"/>
-              </a:solidFill>
-            </a:endParaRPr>
-          </a:p>
-          <a:p>
-            <a:pPr lvl="1"/>
-            <a:r>
-              <a:rPr lang="en-US" dirty="0" smtClean="0">
-                <a:solidFill>
-                  <a:srgbClr val="00B900"/>
-                </a:solidFill>
-              </a:rPr>
-              <a:t>Como </a:t>
-            </a:r>
-            <a:r>
-              <a:rPr lang="en-US" dirty="0" err="1" smtClean="0">
-                <a:solidFill>
-                  <a:srgbClr val="00B900"/>
-                </a:solidFill>
-              </a:rPr>
-              <a:t>nós</a:t>
-            </a:r>
-            <a:r>
-              <a:rPr lang="en-US" dirty="0" smtClean="0">
-                <a:solidFill>
-                  <a:srgbClr val="00B900"/>
-                </a:solidFill>
-              </a:rPr>
-              <a:t> </a:t>
-            </a:r>
-            <a:r>
-              <a:rPr lang="en-US" dirty="0" err="1" smtClean="0">
-                <a:solidFill>
-                  <a:srgbClr val="00B900"/>
-                </a:solidFill>
-              </a:rPr>
-              <a:t>temos</a:t>
-            </a:r>
-            <a:r>
-              <a:rPr lang="en-US" dirty="0" smtClean="0">
-                <a:solidFill>
-                  <a:srgbClr val="00B900"/>
-                </a:solidFill>
-              </a:rPr>
-              <a:t> </a:t>
-            </a:r>
-            <a:r>
-              <a:rPr lang="en-US" dirty="0" err="1" smtClean="0">
-                <a:solidFill>
-                  <a:srgbClr val="00B900"/>
-                </a:solidFill>
-              </a:rPr>
-              <a:t>certeza</a:t>
-            </a:r>
-            <a:r>
-              <a:rPr lang="en-US" dirty="0" smtClean="0">
-                <a:solidFill>
-                  <a:srgbClr val="00B900"/>
-                </a:solidFill>
-              </a:rPr>
-              <a:t> que o </a:t>
-            </a:r>
-            <a:r>
-              <a:rPr lang="en-US" dirty="0" err="1" smtClean="0">
-                <a:solidFill>
-                  <a:srgbClr val="00B900"/>
-                </a:solidFill>
-              </a:rPr>
-              <a:t>robô</a:t>
-            </a:r>
-            <a:r>
-              <a:rPr lang="en-US" dirty="0" smtClean="0">
-                <a:solidFill>
-                  <a:srgbClr val="00B900"/>
-                </a:solidFill>
-              </a:rPr>
-              <a:t> </a:t>
-            </a:r>
-            <a:r>
-              <a:rPr lang="en-US" dirty="0" err="1" smtClean="0">
-                <a:solidFill>
-                  <a:srgbClr val="00B900"/>
-                </a:solidFill>
-              </a:rPr>
-              <a:t>sempre</a:t>
-            </a:r>
-            <a:r>
-              <a:rPr lang="en-US" dirty="0" smtClean="0">
-                <a:solidFill>
-                  <a:srgbClr val="00B900"/>
-                </a:solidFill>
-              </a:rPr>
-              <a:t> </a:t>
-            </a:r>
-            <a:r>
-              <a:rPr lang="en-US" dirty="0" err="1" smtClean="0">
-                <a:solidFill>
-                  <a:srgbClr val="00B900"/>
-                </a:solidFill>
-              </a:rPr>
-              <a:t>desvia</a:t>
-            </a:r>
-            <a:r>
-              <a:rPr lang="en-US" dirty="0" smtClean="0">
-                <a:solidFill>
-                  <a:srgbClr val="00B900"/>
-                </a:solidFill>
-              </a:rPr>
-              <a:t> do </a:t>
-            </a:r>
-            <a:r>
-              <a:rPr lang="en-US" dirty="0" err="1" smtClean="0">
-                <a:solidFill>
-                  <a:srgbClr val="00B900"/>
-                </a:solidFill>
-              </a:rPr>
-              <a:t>mesmo</a:t>
-            </a:r>
-            <a:r>
-              <a:rPr lang="en-US" dirty="0" smtClean="0">
-                <a:solidFill>
-                  <a:srgbClr val="00B900"/>
-                </a:solidFill>
-              </a:rPr>
-              <a:t> </a:t>
-            </a:r>
-            <a:r>
-              <a:rPr lang="en-US" dirty="0" err="1" smtClean="0">
-                <a:solidFill>
-                  <a:srgbClr val="00B900"/>
-                </a:solidFill>
-              </a:rPr>
-              <a:t>lado</a:t>
-            </a:r>
-            <a:r>
-              <a:rPr lang="en-US" dirty="0" smtClean="0">
-                <a:solidFill>
-                  <a:srgbClr val="00B900"/>
-                </a:solidFill>
-              </a:rPr>
-              <a:t> da </a:t>
-            </a:r>
-            <a:r>
-              <a:rPr lang="en-US" dirty="0" err="1" smtClean="0">
-                <a:solidFill>
-                  <a:srgbClr val="00B900"/>
-                </a:solidFill>
-              </a:rPr>
-              <a:t>linha</a:t>
-            </a:r>
             <a:r>
               <a:rPr lang="en-US" dirty="0" smtClean="0">
                 <a:solidFill>
@@ -17168,11 +20052,6 @@
               </a:rPr>
               <a:t>?</a:t>
             </a:r>
-            <a:endParaRPr lang="en-US" dirty="0" smtClean="0">
-              <a:solidFill>
-                <a:srgbClr val="00B900"/>
-              </a:solidFill>
-            </a:endParaRPr>
           </a:p>
           <a:p>
             <a:pPr lvl="2"/>
@@ -17232,7 +20111,6 @@
               <a:rPr lang="en-US" dirty="0" smtClean="0"/>
               <a:t>”?</a:t>
             </a:r>
-            <a:endParaRPr lang="en-US" dirty="0" smtClean="0"/>
           </a:p>
           <a:p>
             <a:pPr lvl="1"/>
@@ -17340,11 +20218,7 @@
           <a:p>
             <a:r>
               <a:rPr lang="en-US" dirty="0" smtClean="0"/>
-              <a:t>© 2015 EV3Lessons.com </a:t>
-            </a:r>
-            <a:r>
-              <a:rPr lang="en-US" dirty="0" smtClean="0"/>
-              <a:t>(</a:t>
+              <a:t>© 2015 EV3Lessons.com (</a:t>
             </a:r>
             <a:r>
               <a:rPr lang="en-US" dirty="0" err="1" smtClean="0"/>
@@ -17373,7 +20247,7 @@
             <a:spLocks noGrp="1"/>
           </p:cNvSpPr>
           <p:nvPr>
-            <p:ph type="sldNum" sz="quarter" idx="4"/>
+            <p:ph type="sldNum" sz="quarter" idx="12"/>
           </p:nvPr>
         </p:nvSpPr>
         <p:spPr/>
@@ -17855,11 +20729,7 @@
           <a:p>
             <a:r>
               <a:rPr lang="en-US" dirty="0" smtClean="0"/>
-              <a:t>© 2015 EV3Lessons.com </a:t>
-            </a:r>
-            <a:r>
-              <a:rPr lang="en-US" dirty="0" smtClean="0"/>
-              <a:t>(</a:t>
+              <a:t>© 2015 EV3Lessons.com (</a:t>
             </a:r>
             <a:r>
               <a:rPr lang="en-US" dirty="0" err="1" smtClean="0"/>
@@ -17875,11 +20745,7 @@
             </a:r>
             <a:r>
               <a:rPr lang="en-US" dirty="0" smtClean="0"/>
-              <a:t>: 27/06/2015</a:t>
-            </a:r>
-            <a:r>
-              <a:rPr lang="en-US" dirty="0" smtClean="0"/>
-              <a:t>)</a:t>
+              <a:t>: 27/06/2015)</a:t>
             </a:r>
             <a:endParaRPr lang="en-US" dirty="0"/>
           </a:p>
@@ -17892,7 +20758,7 @@
             <a:spLocks noGrp="1"/>
           </p:cNvSpPr>
           <p:nvPr>
-            <p:ph type="sldNum" sz="quarter" idx="4"/>
+            <p:ph type="sldNum" sz="quarter" idx="12"/>
           </p:nvPr>
         </p:nvSpPr>
         <p:spPr/>
@@ -18737,7 +21603,6 @@
               <a:rPr lang="en-US" sz="2400" dirty="0" smtClean="0"/>
               <a:t>.</a:t>
             </a:r>
-            <a:endParaRPr lang="en-US" sz="2400" dirty="0" smtClean="0"/>
           </a:p>
           <a:p>
             <a:pPr algn="ctr"/>
@@ -19575,11 +22440,7 @@
           <a:p>
             <a:r>
               <a:rPr lang="en-US" dirty="0" smtClean="0"/>
-              <a:t>© 2015 EV3Lessons.com </a:t>
-            </a:r>
-            <a:r>
-              <a:rPr lang="en-US" dirty="0" smtClean="0"/>
-              <a:t>(</a:t>
+              <a:t>© 2015 EV3Lessons.com (</a:t>
             </a:r>
             <a:r>
               <a:rPr lang="en-US" dirty="0" err="1" smtClean="0"/>
@@ -19595,11 +22456,7 @@
             </a:r>
             <a:r>
               <a:rPr lang="en-US" dirty="0" smtClean="0"/>
-              <a:t>: 27/06/2015</a:t>
-            </a:r>
-            <a:r>
-              <a:rPr lang="en-US" dirty="0" smtClean="0"/>
-              <a:t>)</a:t>
+              <a:t>: 27/06/2015)</a:t>
             </a:r>
             <a:endParaRPr lang="en-US" dirty="0"/>
           </a:p>
@@ -19612,7 +22469,7 @@
             <a:spLocks noGrp="1"/>
           </p:cNvSpPr>
           <p:nvPr>
-            <p:ph type="sldNum" sz="quarter" idx="4"/>
+            <p:ph type="sldNum" sz="quarter" idx="12"/>
           </p:nvPr>
         </p:nvSpPr>
         <p:spPr/>
@@ -21292,7 +24149,7 @@
 </file>
 
 <file path=ppt/theme/theme1.xml><?xml version="1.0" encoding="utf-8"?>
-<a:theme xmlns:a="http://schemas.openxmlformats.org/drawingml/2006/main" name="Essential">
+<a:theme xmlns:a="http://schemas.openxmlformats.org/drawingml/2006/main" name="beginner">
   <a:themeElements>
     <a:clrScheme name="Essential">
       <a:dk1>
@@ -21541,11 +24398,16 @@
   </a:themeElements>
   <a:objectDefaults/>
   <a:extraClrSchemeLst/>
+  <a:extLst>
+    <a:ext uri="{05A4C25C-085E-4340-85A3-A5531E510DB2}">
+      <thm15:themeFamily xmlns:thm15="http://schemas.microsoft.com/office/thememl/2012/main" name="beginner" id="{AEF29D72-34CC-C448-A679-08550D2D21D1}" vid="{04B54D62-7BE5-DF47-9F85-5B9FEF4E3E09}"/>
+    </a:ext>
+  </a:extLst>
 </a:theme>
 </file>
 
 <file path=ppt/theme/theme2.xml><?xml version="1.0" encoding="utf-8"?>
-<a:theme xmlns:a="http://schemas.openxmlformats.org/drawingml/2006/main" name="Office Theme">
+<a:theme xmlns:a="http://schemas.openxmlformats.org/drawingml/2006/main" name="Custom Design">
   <a:themeElements>
     <a:clrScheme name="Office">
       <a:dk1>
@@ -21555,39 +24417,39 @@
         <a:sysClr val="window" lastClr="FFFFFF"/>
       </a:lt1>
       <a:dk2>
-        <a:srgbClr val="1F497D"/>
+        <a:srgbClr val="44546A"/>
       </a:dk2>
       <a:lt2>
-        <a:srgbClr val="EEECE1"/>
+        <a:srgbClr val="E7E6E6"/>
       </a:lt2>
       <a:accent1>
-        <a:srgbClr val="4F81BD"/>
+        <a:srgbClr val="5B9BD5"/>
       </a:accent1>
       <a:accent2>
-        <a:srgbClr val="C0504D"/>
+        <a:srgbClr val="ED7D31"/>
       </a:accent2>
       <a:accent3>
-        <a:srgbClr val="9BBB59"/>
+        <a:srgbClr val="A5A5A5"/>
       </a:accent3>
       <a:accent4>
-        <a:srgbClr val="8064A2"/>
+        <a:srgbClr val="FFC000"/>
       </a:accent4>
       <a:accent5>
-        <a:srgbClr val="4BACC6"/>
+        <a:srgbClr val="4472C4"/>
       </a:accent5>
       <a:accent6>
-        <a:srgbClr val="F79646"/>
+        <a:srgbClr val="70AD47"/>
       </a:accent6>
       <a:hlink>
-        <a:srgbClr val="0000FF"/>
+        <a:srgbClr val="0563C1"/>
       </a:hlink>
       <a:folHlink>
-        <a:srgbClr val="800080"/>
+        <a:srgbClr val="954F72"/>
       </a:folHlink>
     </a:clrScheme>
     <a:fontScheme name="Office">
       <a:majorFont>
-        <a:latin typeface="Calibri"/>
+        <a:latin typeface="Calibri Light"/>
         <a:ea typeface=""/>
         <a:cs typeface=""/>
         <a:font script="Jpan" typeface="ＭＳ Ｐゴシック"/>
@@ -21666,201 +24528,142 @@
           <a:gsLst>
             <a:gs pos="0">
               <a:schemeClr val="phClr">
-                <a:tint val="50000"/>
-                <a:satMod val="300000"/>
+                <a:lumMod val="110000"/>
+                <a:satMod val="105000"/>
+                <a:tint val="67000"/>
               </a:schemeClr>
             </a:gs>
-            <a:gs pos="35000">
+            <a:gs pos="50000">
               <a:schemeClr val="phClr">
-                <a:tint val="37000"/>
-                <a:satMod val="300000"/>
+                <a:lumMod val="105000"/>
+                <a:satMod val="103000"/>
+                <a:tint val="73000"/>
               </a:schemeClr>
             </a:gs>
             <a:gs pos="100000">
               <a:schemeClr val="phClr">
-                <a:tint val="15000"/>
-                <a:satMod val="350000"/>
+                <a:lumMod val="105000"/>
+                <a:satMod val="109000"/>
+                <a:tint val="81000"/>
               </a:schemeClr>
             </a:gs>
           </a:gsLst>
-          <a:lin ang="16200000" scaled="1"/>
+          <a:lin ang="5400000" scaled="0"/>
         </a:gradFill>
         <a:gradFill rotWithShape="1">
           <a:gsLst>
             <a:gs pos="0">
               <a:schemeClr val="phClr">
-                <a:tint val="100000"/>
+                <a:satMod val="103000"/>
+                <a:lumMod val="102000"/>
+                <a:tint val="94000"/>
+              </a:schemeClr>
+            </a:gs>
+            <a:gs pos="50000">
+              <a:schemeClr val="phClr">
+                <a:satMod val="110000"/>
+                <a:lumMod val="100000"/>
                 <a:shade val="100000"/>
-                <a:satMod val="130000"/>
               </a:schemeClr>
             </a:gs>
             <a:gs pos="100000">
               <a:schemeClr val="phClr">
-                <a:tint val="50000"/>
-                <a:shade val="100000"/>
-                <a:satMod val="350000"/>
+                <a:lumMod val="99000"/>
+                <a:satMod val="120000"/>
+                <a:shade val="78000"/>
               </a:schemeClr>
             </a:gs>
           </a:gsLst>
-          <a:lin ang="16200000" scaled="0"/>
+          <a:lin ang="5400000" scaled="0"/>
         </a:gradFill>
       </a:fillStyleLst>
       <a:lnStyleLst>
-        <a:ln w="9525" cap="flat" cmpd="sng" algn="ctr">
-          <a:solidFill>
-            <a:schemeClr val="phClr">
-              <a:shade val="95000"/>
-              <a:satMod val="105000"/>
-            </a:schemeClr>
-          </a:solidFill>
-          <a:prstDash val="solid"/>
-        </a:ln>
-        <a:ln w="25400" cap="flat" cmpd="sng" algn="ctr">
+        <a:ln w="6350" cap="flat" cmpd="sng" algn="ctr">
           <a:solidFill>
             <a:schemeClr val="phClr"/>
           </a:solidFill>
           <a:prstDash val="solid"/>
+          <a:miter lim="800000"/>
         </a:ln>
-        <a:ln w="38100" cap="flat" cmpd="sng" algn="ctr">
+        <a:ln w="12700" cap="flat" cmpd="sng" algn="ctr">
           <a:solidFill>
             <a:schemeClr val="phClr"/>
           </a:solidFill>
           <a:prstDash val="solid"/>
+          <a:miter lim="800000"/>
+        </a:ln>
+        <a:ln w="19050" cap="flat" cmpd="sng" algn="ctr">
+          <a:solidFill>
+            <a:schemeClr val="phClr"/>
+          </a:solidFill>
+          <a:prstDash val="solid"/>
+          <a:miter lim="800000"/>
         </a:ln>
       </a:lnStyleLst>
       <a:effectStyleLst>
         <a:effectStyle>
+          <a:effectLst/>
+        </a:effectStyle>
+        <a:effectStyle>
+          <a:effectLst/>
+        </a:effectStyle>
+        <a:effectStyle>
           <a:effectLst>
-            <a:outerShdw blurRad="40000" dist="20000" dir="5400000" rotWithShape="0">
+            <a:outerShdw blurRad="57150" dist="19050" dir="5400000" algn="ctr" rotWithShape="0">
               <a:srgbClr val="000000">
-                <a:alpha val="38000"/>
+                <a:alpha val="63000"/>
               </a:srgbClr>
             </a:outerShdw>
           </a:effectLst>
-        </a:effectStyle>
-        <a:effectStyle>
-          <a:effectLst>
-            <a:outerShdw blurRad="40000" dist="23000" dir="5400000" rotWithShape="0">
-              <a:srgbClr val="000000">
-                <a:alpha val="35000"/>
-              </a:srgbClr>
-            </a:outerShdw>
-          </a:effectLst>
-        </a:effectStyle>
-        <a:effectStyle>
-          <a:effectLst>
-            <a:outerShdw blurRad="40000" dist="23000" dir="5400000" rotWithShape="0">
-              <a:srgbClr val="000000">
-                <a:alpha val="35000"/>
-              </a:srgbClr>
-            </a:outerShdw>
-          </a:effectLst>
-          <a:scene3d>
-            <a:camera prst="orthographicFront">
-              <a:rot lat="0" lon="0" rev="0"/>
-            </a:camera>
-            <a:lightRig rig="threePt" dir="t">
-              <a:rot lat="0" lon="0" rev="1200000"/>
-            </a:lightRig>
-          </a:scene3d>
-          <a:sp3d>
-            <a:bevelT w="63500" h="25400"/>
-          </a:sp3d>
         </a:effectStyle>
       </a:effectStyleLst>
       <a:bgFillStyleLst>
         <a:solidFill>
           <a:schemeClr val="phClr"/>
         </a:solidFill>
+        <a:solidFill>
+          <a:schemeClr val="phClr">
+            <a:tint val="95000"/>
+            <a:satMod val="170000"/>
+          </a:schemeClr>
+        </a:solidFill>
         <a:gradFill rotWithShape="1">
           <a:gsLst>
             <a:gs pos="0">
               <a:schemeClr val="phClr">
-                <a:tint val="40000"/>
-                <a:satMod val="350000"/>
+                <a:tint val="93000"/>
+                <a:satMod val="150000"/>
+                <a:shade val="98000"/>
+                <a:lumMod val="102000"/>
               </a:schemeClr>
             </a:gs>
-            <a:gs pos="40000">
+            <a:gs pos="50000">
               <a:schemeClr val="phClr">
-                <a:tint val="45000"/>
-                <a:shade val="99000"/>
-                <a:satMod val="350000"/>
+                <a:tint val="98000"/>
+                <a:satMod val="130000"/>
+                <a:shade val="90000"/>
+                <a:lumMod val="103000"/>
               </a:schemeClr>
             </a:gs>
             <a:gs pos="100000">
               <a:schemeClr val="phClr">
-                <a:shade val="20000"/>
-                <a:satMod val="255000"/>
+                <a:shade val="63000"/>
+                <a:satMod val="120000"/>
               </a:schemeClr>
             </a:gs>
           </a:gsLst>
-          <a:path path="circle">
-            <a:fillToRect l="50000" t="-80000" r="50000" b="180000"/>
-          </a:path>
-        </a:gradFill>
-        <a:gradFill rotWithShape="1">
-          <a:gsLst>
-            <a:gs pos="0">
-              <a:schemeClr val="phClr">
-                <a:tint val="80000"/>
-                <a:satMod val="300000"/>
-              </a:schemeClr>
-            </a:gs>
-            <a:gs pos="100000">
-              <a:schemeClr val="phClr">
-                <a:shade val="30000"/>
-                <a:satMod val="200000"/>
-              </a:schemeClr>
-            </a:gs>
-          </a:gsLst>
-          <a:path path="circle">
-            <a:fillToRect l="50000" t="50000" r="50000" b="50000"/>
-          </a:path>
+          <a:lin ang="5400000" scaled="0"/>
         </a:gradFill>
       </a:bgFillStyleLst>
     </a:fmtScheme>
   </a:themeElements>
-  <a:objectDefaults>
-    <a:spDef>
-      <a:spPr/>
-      <a:bodyPr/>
-      <a:lstStyle/>
-      <a:style>
-        <a:lnRef idx="1">
-          <a:schemeClr val="accent1"/>
-        </a:lnRef>
-        <a:fillRef idx="3">
-          <a:schemeClr val="accent1"/>
-        </a:fillRef>
-        <a:effectRef idx="2">
-          <a:schemeClr val="accent1"/>
-        </a:effectRef>
-        <a:fontRef idx="minor">
-          <a:schemeClr val="lt1"/>
-        </a:fontRef>
-      </a:style>
-    </a:spDef>
-    <a:lnDef>
-      <a:spPr/>
-      <a:bodyPr/>
-      <a:lstStyle/>
-      <a:style>
-        <a:lnRef idx="2">
-          <a:schemeClr val="accent1"/>
-        </a:lnRef>
-        <a:fillRef idx="0">
-          <a:schemeClr val="accent1"/>
-        </a:fillRef>
-        <a:effectRef idx="1">
-          <a:schemeClr val="accent1"/>
-        </a:effectRef>
-        <a:fontRef idx="minor">
-          <a:schemeClr val="tx1"/>
-        </a:fontRef>
-      </a:style>
-    </a:lnDef>
-  </a:objectDefaults>
+  <a:objectDefaults/>
   <a:extraClrSchemeLst/>
+  <a:extLst>
+    <a:ext uri="{05A4C25C-085E-4340-85A3-A5531E510DB2}">
+      <thm15:themeFamily xmlns:thm15="http://schemas.microsoft.com/office/thememl/2012/main" name="Office Theme" id="{62F939B6-93AF-4DB8-9C6B-D6C7DFDC589F}" vid="{4A3C46E8-61CC-4603-A589-7422A47A8E4A}"/>
+    </a:ext>
+  </a:extLst>
 </a:theme>
 </file>
 
@@ -22182,4 +24985,324 @@
   </a:objectDefaults>
   <a:extraClrSchemeLst/>
 </a:theme>
+</file>
+
+<file path=ppt/theme/theme4.xml><?xml version="1.0" encoding="utf-8"?>
+<a:theme xmlns:a="http://schemas.openxmlformats.org/drawingml/2006/main" name="Office Theme">
+  <a:themeElements>
+    <a:clrScheme name="Office">
+      <a:dk1>
+        <a:sysClr val="windowText" lastClr="000000"/>
+      </a:dk1>
+      <a:lt1>
+        <a:sysClr val="window" lastClr="FFFFFF"/>
+      </a:lt1>
+      <a:dk2>
+        <a:srgbClr val="1F497D"/>
+      </a:dk2>
+      <a:lt2>
+        <a:srgbClr val="EEECE1"/>
+      </a:lt2>
+      <a:accent1>
+        <a:srgbClr val="4F81BD"/>
+      </a:accent1>
+      <a:accent2>
+        <a:srgbClr val="C0504D"/>
+      </a:accent2>
+      <a:accent3>
+        <a:srgbClr val="9BBB59"/>
+      </a:accent3>
+      <a:accent4>
+        <a:srgbClr val="8064A2"/>
+      </a:accent4>
+      <a:accent5>
+        <a:srgbClr val="4BACC6"/>
+      </a:accent5>
+      <a:accent6>
+        <a:srgbClr val="F79646"/>
+      </a:accent6>
+      <a:hlink>
+        <a:srgbClr val="0000FF"/>
+      </a:hlink>
+      <a:folHlink>
+        <a:srgbClr val="800080"/>
+      </a:folHlink>
+    </a:clrScheme>
+    <a:fontScheme name="Office">
+      <a:majorFont>
+        <a:latin typeface="Calibri"/>
+        <a:ea typeface=""/>
+        <a:cs typeface=""/>
+        <a:font script="Jpan" typeface="ＭＳ Ｐゴシック"/>
+        <a:font script="Hang" typeface="맑은 고딕"/>
+        <a:font script="Hans" typeface="宋体"/>
+        <a:font script="Hant" typeface="新細明體"/>
+        <a:font script="Arab" typeface="Times New Roman"/>
+        <a:font script="Hebr" typeface="Times New Roman"/>
+        <a:font script="Thai" typeface="Angsana New"/>
+        <a:font script="Ethi" typeface="Nyala"/>
+        <a:font script="Beng" typeface="Vrinda"/>
+        <a:font script="Gujr" typeface="Shruti"/>
+        <a:font script="Khmr" typeface="MoolBoran"/>
+        <a:font script="Knda" typeface="Tunga"/>
+        <a:font script="Guru" typeface="Raavi"/>
+        <a:font script="Cans" typeface="Euphemia"/>
+        <a:font script="Cher" typeface="Plantagenet Cherokee"/>
+        <a:font script="Yiii" typeface="Microsoft Yi Baiti"/>
+        <a:font script="Tibt" typeface="Microsoft Himalaya"/>
+        <a:font script="Thaa" typeface="MV Boli"/>
+        <a:font script="Deva" typeface="Mangal"/>
+        <a:font script="Telu" typeface="Gautami"/>
+        <a:font script="Taml" typeface="Latha"/>
+        <a:font script="Syrc" typeface="Estrangelo Edessa"/>
+        <a:font script="Orya" typeface="Kalinga"/>
+        <a:font script="Mlym" typeface="Kartika"/>
+        <a:font script="Laoo" typeface="DokChampa"/>
+        <a:font script="Sinh" typeface="Iskoola Pota"/>
+        <a:font script="Mong" typeface="Mongolian Baiti"/>
+        <a:font script="Viet" typeface="Times New Roman"/>
+        <a:font script="Uigh" typeface="Microsoft Uighur"/>
+        <a:font script="Geor" typeface="Sylfaen"/>
+      </a:majorFont>
+      <a:minorFont>
+        <a:latin typeface="Calibri"/>
+        <a:ea typeface=""/>
+        <a:cs typeface=""/>
+        <a:font script="Jpan" typeface="ＭＳ Ｐゴシック"/>
+        <a:font script="Hang" typeface="맑은 고딕"/>
+        <a:font script="Hans" typeface="宋体"/>
+        <a:font script="Hant" typeface="新細明體"/>
+        <a:font script="Arab" typeface="Arial"/>
+        <a:font script="Hebr" typeface="Arial"/>
+        <a:font script="Thai" typeface="Cordia New"/>
+        <a:font script="Ethi" typeface="Nyala"/>
+        <a:font script="Beng" typeface="Vrinda"/>
+        <a:font script="Gujr" typeface="Shruti"/>
+        <a:font script="Khmr" typeface="DaunPenh"/>
+        <a:font script="Knda" typeface="Tunga"/>
+        <a:font script="Guru" typeface="Raavi"/>
+        <a:font script="Cans" typeface="Euphemia"/>
+        <a:font script="Cher" typeface="Plantagenet Cherokee"/>
+        <a:font script="Yiii" typeface="Microsoft Yi Baiti"/>
+        <a:font script="Tibt" typeface="Microsoft Himalaya"/>
+        <a:font script="Thaa" typeface="MV Boli"/>
+        <a:font script="Deva" typeface="Mangal"/>
+        <a:font script="Telu" typeface="Gautami"/>
+        <a:font script="Taml" typeface="Latha"/>
+        <a:font script="Syrc" typeface="Estrangelo Edessa"/>
+        <a:font script="Orya" typeface="Kalinga"/>
+        <a:font script="Mlym" typeface="Kartika"/>
+        <a:font script="Laoo" typeface="DokChampa"/>
+        <a:font script="Sinh" typeface="Iskoola Pota"/>
+        <a:font script="Mong" typeface="Mongolian Baiti"/>
+        <a:font script="Viet" typeface="Arial"/>
+        <a:font script="Uigh" typeface="Microsoft Uighur"/>
+        <a:font script="Geor" typeface="Sylfaen"/>
+      </a:minorFont>
+    </a:fontScheme>
+    <a:fmtScheme name="Office">
+      <a:fillStyleLst>
+        <a:solidFill>
+          <a:schemeClr val="phClr"/>
+        </a:solidFill>
+        <a:gradFill rotWithShape="1">
+          <a:gsLst>
+            <a:gs pos="0">
+              <a:schemeClr val="phClr">
+                <a:tint val="50000"/>
+                <a:satMod val="300000"/>
+              </a:schemeClr>
+            </a:gs>
+            <a:gs pos="35000">
+              <a:schemeClr val="phClr">
+                <a:tint val="37000"/>
+                <a:satMod val="300000"/>
+              </a:schemeClr>
+            </a:gs>
+            <a:gs pos="100000">
+              <a:schemeClr val="phClr">
+                <a:tint val="15000"/>
+                <a:satMod val="350000"/>
+              </a:schemeClr>
+            </a:gs>
+          </a:gsLst>
+          <a:lin ang="16200000" scaled="1"/>
+        </a:gradFill>
+        <a:gradFill rotWithShape="1">
+          <a:gsLst>
+            <a:gs pos="0">
+              <a:schemeClr val="phClr">
+                <a:tint val="100000"/>
+                <a:shade val="100000"/>
+                <a:satMod val="130000"/>
+              </a:schemeClr>
+            </a:gs>
+            <a:gs pos="100000">
+              <a:schemeClr val="phClr">
+                <a:tint val="50000"/>
+                <a:shade val="100000"/>
+                <a:satMod val="350000"/>
+              </a:schemeClr>
+            </a:gs>
+          </a:gsLst>
+          <a:lin ang="16200000" scaled="0"/>
+        </a:gradFill>
+      </a:fillStyleLst>
+      <a:lnStyleLst>
+        <a:ln w="9525" cap="flat" cmpd="sng" algn="ctr">
+          <a:solidFill>
+            <a:schemeClr val="phClr">
+              <a:shade val="95000"/>
+              <a:satMod val="105000"/>
+            </a:schemeClr>
+          </a:solidFill>
+          <a:prstDash val="solid"/>
+        </a:ln>
+        <a:ln w="25400" cap="flat" cmpd="sng" algn="ctr">
+          <a:solidFill>
+            <a:schemeClr val="phClr"/>
+          </a:solidFill>
+          <a:prstDash val="solid"/>
+        </a:ln>
+        <a:ln w="38100" cap="flat" cmpd="sng" algn="ctr">
+          <a:solidFill>
+            <a:schemeClr val="phClr"/>
+          </a:solidFill>
+          <a:prstDash val="solid"/>
+        </a:ln>
+      </a:lnStyleLst>
+      <a:effectStyleLst>
+        <a:effectStyle>
+          <a:effectLst>
+            <a:outerShdw blurRad="40000" dist="20000" dir="5400000" rotWithShape="0">
+              <a:srgbClr val="000000">
+                <a:alpha val="38000"/>
+              </a:srgbClr>
+            </a:outerShdw>
+          </a:effectLst>
+        </a:effectStyle>
+        <a:effectStyle>
+          <a:effectLst>
+            <a:outerShdw blurRad="40000" dist="23000" dir="5400000" rotWithShape="0">
+              <a:srgbClr val="000000">
+                <a:alpha val="35000"/>
+              </a:srgbClr>
+            </a:outerShdw>
+          </a:effectLst>
+        </a:effectStyle>
+        <a:effectStyle>
+          <a:effectLst>
+            <a:outerShdw blurRad="40000" dist="23000" dir="5400000" rotWithShape="0">
+              <a:srgbClr val="000000">
+                <a:alpha val="35000"/>
+              </a:srgbClr>
+            </a:outerShdw>
+          </a:effectLst>
+          <a:scene3d>
+            <a:camera prst="orthographicFront">
+              <a:rot lat="0" lon="0" rev="0"/>
+            </a:camera>
+            <a:lightRig rig="threePt" dir="t">
+              <a:rot lat="0" lon="0" rev="1200000"/>
+            </a:lightRig>
+          </a:scene3d>
+          <a:sp3d>
+            <a:bevelT w="63500" h="25400"/>
+          </a:sp3d>
+        </a:effectStyle>
+      </a:effectStyleLst>
+      <a:bgFillStyleLst>
+        <a:solidFill>
+          <a:schemeClr val="phClr"/>
+        </a:solidFill>
+        <a:gradFill rotWithShape="1">
+          <a:gsLst>
+            <a:gs pos="0">
+              <a:schemeClr val="phClr">
+                <a:tint val="40000"/>
+                <a:satMod val="350000"/>
+              </a:schemeClr>
+            </a:gs>
+            <a:gs pos="40000">
+              <a:schemeClr val="phClr">
+                <a:tint val="45000"/>
+                <a:shade val="99000"/>
+                <a:satMod val="350000"/>
+              </a:schemeClr>
+            </a:gs>
+            <a:gs pos="100000">
+              <a:schemeClr val="phClr">
+                <a:shade val="20000"/>
+                <a:satMod val="255000"/>
+              </a:schemeClr>
+            </a:gs>
+          </a:gsLst>
+          <a:path path="circle">
+            <a:fillToRect l="50000" t="-80000" r="50000" b="180000"/>
+          </a:path>
+        </a:gradFill>
+        <a:gradFill rotWithShape="1">
+          <a:gsLst>
+            <a:gs pos="0">
+              <a:schemeClr val="phClr">
+                <a:tint val="80000"/>
+                <a:satMod val="300000"/>
+              </a:schemeClr>
+            </a:gs>
+            <a:gs pos="100000">
+              <a:schemeClr val="phClr">
+                <a:shade val="30000"/>
+                <a:satMod val="200000"/>
+              </a:schemeClr>
+            </a:gs>
+          </a:gsLst>
+          <a:path path="circle">
+            <a:fillToRect l="50000" t="50000" r="50000" b="50000"/>
+          </a:path>
+        </a:gradFill>
+      </a:bgFillStyleLst>
+    </a:fmtScheme>
+  </a:themeElements>
+  <a:objectDefaults>
+    <a:spDef>
+      <a:spPr/>
+      <a:bodyPr/>
+      <a:lstStyle/>
+      <a:style>
+        <a:lnRef idx="1">
+          <a:schemeClr val="accent1"/>
+        </a:lnRef>
+        <a:fillRef idx="3">
+          <a:schemeClr val="accent1"/>
+        </a:fillRef>
+        <a:effectRef idx="2">
+          <a:schemeClr val="accent1"/>
+        </a:effectRef>
+        <a:fontRef idx="minor">
+          <a:schemeClr val="lt1"/>
+        </a:fontRef>
+      </a:style>
+    </a:spDef>
+    <a:lnDef>
+      <a:spPr/>
+      <a:bodyPr/>
+      <a:lstStyle/>
+      <a:style>
+        <a:lnRef idx="2">
+          <a:schemeClr val="accent1"/>
+        </a:lnRef>
+        <a:fillRef idx="0">
+          <a:schemeClr val="accent1"/>
+        </a:fillRef>
+        <a:effectRef idx="1">
+          <a:schemeClr val="accent1"/>
+        </a:effectRef>
+        <a:fontRef idx="minor">
+          <a:schemeClr val="tx1"/>
+        </a:fontRef>
+      </a:style>
+    </a:lnDef>
+  </a:objectDefaults>
+  <a:extraClrSchemeLst/>
+</a:theme>
 </file>